--- a/Documentacion/UPIIZ_PTLL_PresentaciónAprobaciónProyecto.pptx
+++ b/Documentacion/UPIIZ_PTLL_PresentaciónAprobaciónProyecto.pptx
@@ -6238,7 +6238,7 @@
           <a:graphicData uri="http://schemas.openxmlformats.org/presentationml/2006/ole">
             <mc:AlternateContent xmlns:mc="http://schemas.openxmlformats.org/markup-compatibility/2006">
               <mc:Choice xmlns:v="urn:schemas-microsoft-com:vml" Requires="v">
-                <p:oleObj spid="_x0000_s2052" name="Hoja de cálculo" r:id="rId4" imgW="8001047" imgH="6667629" progId="Excel.Sheet.12">
+                <p:oleObj spid="_x0000_s2053" name="Hoja de cálculo" r:id="rId4" imgW="8001047" imgH="6667629" progId="Excel.Sheet.12">
                   <p:embed/>
                 </p:oleObj>
               </mc:Choice>

--- a/Documentacion/UPIIZ_PTLL_PresentaciónAprobaciónProyecto.pptx
+++ b/Documentacion/UPIIZ_PTLL_PresentaciónAprobaciónProyecto.pptx
@@ -6238,7 +6238,7 @@
           <a:graphicData uri="http://schemas.openxmlformats.org/presentationml/2006/ole">
             <mc:AlternateContent xmlns:mc="http://schemas.openxmlformats.org/markup-compatibility/2006">
               <mc:Choice xmlns:v="urn:schemas-microsoft-com:vml" Requires="v">
-                <p:oleObj spid="_x0000_s2053" name="Hoja de cálculo" r:id="rId4" imgW="8001047" imgH="6667629" progId="Excel.Sheet.12">
+                <p:oleObj spid="_x0000_s2055" name="Hoja de cálculo" r:id="rId4" imgW="8001047" imgH="6667629" progId="Excel.Sheet.12">
                   <p:embed/>
                 </p:oleObj>
               </mc:Choice>
@@ -6384,7 +6384,7 @@
               <a:defRPr/>
             </a:pPr>
             <a:r>
-              <a:rPr lang="es-ES_tradnl" sz="2400" dirty="0" smtClean="0">
+              <a:rPr lang="es-ES_tradnl" sz="2400" smtClean="0">
                 <a:solidFill>
                   <a:srgbClr val="943634"/>
                 </a:solidFill>
@@ -6392,7 +6392,7 @@
                 <a:ea typeface="+mj-ea"/>
                 <a:cs typeface="+mj-cs"/>
               </a:rPr>
-              <a:t>20- Febrero- 2015</a:t>
+              <a:t>20-Febrero-2015</a:t>
             </a:r>
             <a:endParaRPr lang="es-ES" sz="2400" dirty="0">
               <a:solidFill>
@@ -8488,7 +8488,7 @@
         </p:spPr>
         <p:txBody>
           <a:bodyPr>
-            <a:normAutofit lnSpcReduction="10000"/>
+            <a:normAutofit/>
           </a:bodyPr>
           <a:lstStyle/>
           <a:p>
@@ -8537,7 +8537,7 @@
             </a:endParaRPr>
           </a:p>
           <a:p>
-            <a:pPr fontAlgn="auto">
+            <a:pPr marL="571500" indent="-571500" fontAlgn="auto">
               <a:spcBef>
                 <a:spcPct val="20000"/>
               </a:spcBef>
@@ -8545,10 +8545,12 @@
                 <a:spcPts val="0"/>
               </a:spcAft>
               <a:buSzPct val="70000"/>
+              <a:buFont typeface="+mj-lt"/>
+              <a:buAutoNum type="romanUcPeriod"/>
               <a:defRPr/>
             </a:pPr>
             <a:r>
-              <a:rPr lang="es-MX" sz="2800" b="1" dirty="0" smtClean="0">
+              <a:rPr lang="es-MX" sz="2400" dirty="0" smtClean="0">
                 <a:solidFill>
                   <a:srgbClr val="943634"/>
                 </a:solidFill>
@@ -8559,7 +8561,7 @@
             </a:r>
           </a:p>
           <a:p>
-            <a:pPr fontAlgn="auto">
+            <a:pPr marL="571500" indent="-571500" fontAlgn="auto">
               <a:spcBef>
                 <a:spcPct val="20000"/>
               </a:spcBef>
@@ -8567,10 +8569,12 @@
                 <a:spcPts val="0"/>
               </a:spcAft>
               <a:buSzPct val="70000"/>
+              <a:buFont typeface="+mj-lt"/>
+              <a:buAutoNum type="romanUcPeriod"/>
               <a:defRPr/>
             </a:pPr>
             <a:r>
-              <a:rPr lang="es-MX" sz="2800" b="1" dirty="0" smtClean="0">
+              <a:rPr lang="es-MX" sz="2400" dirty="0" smtClean="0">
                 <a:solidFill>
                   <a:srgbClr val="943634"/>
                 </a:solidFill>
@@ -8581,7 +8585,7 @@
             </a:r>
           </a:p>
           <a:p>
-            <a:pPr fontAlgn="auto">
+            <a:pPr marL="571500" indent="-571500" fontAlgn="auto">
               <a:spcBef>
                 <a:spcPct val="20000"/>
               </a:spcBef>
@@ -8589,10 +8593,12 @@
                 <a:spcPts val="0"/>
               </a:spcAft>
               <a:buSzPct val="70000"/>
+              <a:buFont typeface="+mj-lt"/>
+              <a:buAutoNum type="romanUcPeriod"/>
               <a:defRPr/>
             </a:pPr>
             <a:r>
-              <a:rPr lang="es-MX" sz="2800" b="1" dirty="0" smtClean="0">
+              <a:rPr lang="es-MX" sz="2400" dirty="0" smtClean="0">
                 <a:solidFill>
                   <a:srgbClr val="943634"/>
                 </a:solidFill>
@@ -8603,7 +8609,7 @@
             </a:r>
           </a:p>
           <a:p>
-            <a:pPr marL="457200" indent="-457200" fontAlgn="auto">
+            <a:pPr marL="571500" indent="-571500" fontAlgn="auto">
               <a:spcBef>
                 <a:spcPct val="20000"/>
               </a:spcBef>
@@ -8611,12 +8617,12 @@
                 <a:spcPts val="0"/>
               </a:spcAft>
               <a:buSzPct val="70000"/>
-              <a:buFont typeface="Arial" panose="020B0604020202020204" pitchFamily="34" charset="0"/>
-              <a:buChar char="•"/>
+              <a:buFont typeface="+mj-lt"/>
+              <a:buAutoNum type="romanUcPeriod"/>
               <a:defRPr/>
             </a:pPr>
             <a:r>
-              <a:rPr lang="es-MX" sz="2800" b="1" dirty="0" smtClean="0">
+              <a:rPr lang="es-MX" sz="2400" dirty="0" smtClean="0">
                 <a:solidFill>
                   <a:srgbClr val="943634"/>
                 </a:solidFill>
@@ -8627,7 +8633,7 @@
             </a:r>
           </a:p>
           <a:p>
-            <a:pPr marL="457200" indent="-457200" fontAlgn="auto">
+            <a:pPr marL="571500" indent="-571500" fontAlgn="auto">
               <a:spcBef>
                 <a:spcPct val="20000"/>
               </a:spcBef>
@@ -8635,12 +8641,12 @@
                 <a:spcPts val="0"/>
               </a:spcAft>
               <a:buSzPct val="70000"/>
-              <a:buFont typeface="Arial" panose="020B0604020202020204" pitchFamily="34" charset="0"/>
-              <a:buChar char="•"/>
+              <a:buFont typeface="+mj-lt"/>
+              <a:buAutoNum type="romanUcPeriod"/>
               <a:defRPr/>
             </a:pPr>
             <a:r>
-              <a:rPr lang="es-MX" sz="2800" b="1" dirty="0" smtClean="0">
+              <a:rPr lang="es-MX" sz="2400" dirty="0" smtClean="0">
                 <a:solidFill>
                   <a:srgbClr val="943634"/>
                 </a:solidFill>
@@ -8651,7 +8657,7 @@
             </a:r>
           </a:p>
           <a:p>
-            <a:pPr fontAlgn="auto">
+            <a:pPr marL="571500" indent="-571500" fontAlgn="auto">
               <a:spcBef>
                 <a:spcPct val="20000"/>
               </a:spcBef>
@@ -8659,10 +8665,12 @@
                 <a:spcPts val="0"/>
               </a:spcAft>
               <a:buSzPct val="70000"/>
+              <a:buFont typeface="+mj-lt"/>
+              <a:buAutoNum type="romanUcPeriod"/>
               <a:defRPr/>
             </a:pPr>
             <a:r>
-              <a:rPr lang="es-MX" sz="2800" b="1" dirty="0" smtClean="0">
+              <a:rPr lang="es-MX" sz="2400" dirty="0" smtClean="0">
                 <a:solidFill>
                   <a:srgbClr val="943634"/>
                 </a:solidFill>
@@ -8673,7 +8681,7 @@
             </a:r>
           </a:p>
           <a:p>
-            <a:pPr fontAlgn="auto">
+            <a:pPr marL="571500" indent="-571500" fontAlgn="auto">
               <a:spcBef>
                 <a:spcPct val="20000"/>
               </a:spcBef>
@@ -8681,10 +8689,12 @@
                 <a:spcPts val="0"/>
               </a:spcAft>
               <a:buSzPct val="70000"/>
+              <a:buFont typeface="+mj-lt"/>
+              <a:buAutoNum type="romanUcPeriod"/>
               <a:defRPr/>
             </a:pPr>
             <a:r>
-              <a:rPr lang="es-MX" sz="2800" b="1" dirty="0" smtClean="0">
+              <a:rPr lang="es-MX" sz="2400" dirty="0" smtClean="0">
                 <a:solidFill>
                   <a:srgbClr val="943634"/>
                 </a:solidFill>

--- a/Documentacion/UPIIZ_PTLL_PresentaciónAprobaciónProyecto.pptx
+++ b/Documentacion/UPIIZ_PTLL_PresentaciónAprobaciónProyecto.pptx
@@ -6064,36 +6064,6 @@
               <a:buChar char="Ø"/>
               <a:defRPr/>
             </a:pPr>
-            <a:r>
-              <a:rPr lang="es-ES_tradnl" sz="2800" b="1" dirty="0">
-                <a:solidFill>
-                  <a:srgbClr val="943634"/>
-                </a:solidFill>
-                <a:latin typeface="+mn-lt"/>
-                <a:cs typeface="+mn-cs"/>
-              </a:rPr>
-              <a:t>[</a:t>
-            </a:r>
-            <a:r>
-              <a:rPr lang="es-MX" sz="2800" b="1" dirty="0">
-                <a:solidFill>
-                  <a:srgbClr val="943634"/>
-                </a:solidFill>
-                <a:latin typeface="+mn-lt"/>
-                <a:cs typeface="+mn-cs"/>
-              </a:rPr>
-              <a:t>Describir </a:t>
-            </a:r>
-            <a:r>
-              <a:rPr lang="es-MX" sz="2800" b="1" dirty="0" smtClean="0">
-                <a:solidFill>
-                  <a:srgbClr val="943634"/>
-                </a:solidFill>
-                <a:latin typeface="+mn-lt"/>
-                <a:cs typeface="+mn-cs"/>
-              </a:rPr>
-              <a:t>riesgos y planes de mitigación y contingencia asociados].</a:t>
-            </a:r>
             <a:endParaRPr lang="es-ES_tradnl" sz="2800" b="1" dirty="0">
               <a:solidFill>
                 <a:srgbClr val="943634"/>
@@ -6104,6 +6074,1774 @@
           </a:p>
         </p:txBody>
       </p:sp>
+      <p:graphicFrame>
+        <p:nvGraphicFramePr>
+          <p:cNvPr id="2" name="1 Tabla"/>
+          <p:cNvGraphicFramePr>
+            <a:graphicFrameLocks noGrp="1"/>
+          </p:cNvGraphicFramePr>
+          <p:nvPr>
+            <p:extLst>
+              <p:ext uri="{D42A27DB-BD31-4B8C-83A1-F6EECF244321}">
+                <p14:modId xmlns:p14="http://schemas.microsoft.com/office/powerpoint/2010/main" val="1646142264"/>
+              </p:ext>
+            </p:extLst>
+          </p:nvPr>
+        </p:nvGraphicFramePr>
+        <p:xfrm>
+          <a:off x="265236" y="1021732"/>
+          <a:ext cx="8699253" cy="3847429"/>
+        </p:xfrm>
+        <a:graphic>
+          <a:graphicData uri="http://schemas.openxmlformats.org/drawingml/2006/table">
+            <a:tbl>
+              <a:tblPr>
+                <a:tableStyleId>{5C22544A-7EE6-4342-B048-85BDC9FD1C3A}</a:tableStyleId>
+              </a:tblPr>
+              <a:tblGrid>
+                <a:gridCol w="604487"/>
+                <a:gridCol w="723922"/>
+                <a:gridCol w="545989"/>
+                <a:gridCol w="3110184"/>
+                <a:gridCol w="3110184"/>
+                <a:gridCol w="604487"/>
+              </a:tblGrid>
+              <a:tr h="147644">
+                <a:tc gridSpan="3">
+                  <a:txBody>
+                    <a:bodyPr/>
+                    <a:lstStyle/>
+                    <a:p>
+                      <a:pPr algn="ctr" fontAlgn="ctr"/>
+                      <a:r>
+                        <a:rPr lang="es-MX" sz="700" u="none" strike="noStrike" dirty="0">
+                          <a:effectLst/>
+                        </a:rPr>
+                        <a:t>EVALUACIÓN DEL RIESGO</a:t>
+                      </a:r>
+                      <a:endParaRPr lang="es-MX" sz="700" b="1" i="0" u="none" strike="noStrike" dirty="0">
+                        <a:solidFill>
+                          <a:srgbClr val="FFFFFF"/>
+                        </a:solidFill>
+                        <a:effectLst/>
+                        <a:latin typeface="Arial"/>
+                      </a:endParaRPr>
+                    </a:p>
+                  </a:txBody>
+                  <a:tcPr marL="6920" marR="6920" marT="6920" marB="0" anchor="ctr"/>
+                </a:tc>
+                <a:tc hMerge="1">
+                  <a:txBody>
+                    <a:bodyPr/>
+                    <a:lstStyle/>
+                    <a:p>
+                      <a:endParaRPr lang="es-MX"/>
+                    </a:p>
+                  </a:txBody>
+                  <a:tcPr/>
+                </a:tc>
+                <a:tc hMerge="1">
+                  <a:txBody>
+                    <a:bodyPr/>
+                    <a:lstStyle/>
+                    <a:p>
+                      <a:endParaRPr lang="es-MX"/>
+                    </a:p>
+                  </a:txBody>
+                  <a:tcPr/>
+                </a:tc>
+                <a:tc gridSpan="3">
+                  <a:txBody>
+                    <a:bodyPr/>
+                    <a:lstStyle/>
+                    <a:p>
+                      <a:pPr algn="ctr" fontAlgn="ctr"/>
+                      <a:r>
+                        <a:rPr lang="es-MX" sz="700" u="none" strike="noStrike">
+                          <a:effectLst/>
+                        </a:rPr>
+                        <a:t>ADMINISTRACIÓN DEL RIESGO</a:t>
+                      </a:r>
+                      <a:endParaRPr lang="es-MX" sz="700" b="1" i="0" u="none" strike="noStrike">
+                        <a:solidFill>
+                          <a:srgbClr val="FFFFFF"/>
+                        </a:solidFill>
+                        <a:effectLst/>
+                        <a:latin typeface="Arial"/>
+                      </a:endParaRPr>
+                    </a:p>
+                  </a:txBody>
+                  <a:tcPr marL="6920" marR="6920" marT="6920" marB="0" anchor="ctr"/>
+                </a:tc>
+                <a:tc hMerge="1">
+                  <a:txBody>
+                    <a:bodyPr/>
+                    <a:lstStyle/>
+                    <a:p>
+                      <a:endParaRPr lang="es-MX"/>
+                    </a:p>
+                  </a:txBody>
+                  <a:tcPr/>
+                </a:tc>
+                <a:tc hMerge="1">
+                  <a:txBody>
+                    <a:bodyPr/>
+                    <a:lstStyle/>
+                    <a:p>
+                      <a:endParaRPr lang="es-MX"/>
+                    </a:p>
+                  </a:txBody>
+                  <a:tcPr/>
+                </a:tc>
+              </a:tr>
+              <a:tr h="303973">
+                <a:tc>
+                  <a:txBody>
+                    <a:bodyPr/>
+                    <a:lstStyle/>
+                    <a:p>
+                      <a:pPr algn="ctr" fontAlgn="ctr"/>
+                      <a:r>
+                        <a:rPr lang="es-MX" sz="700" u="none" strike="noStrike">
+                          <a:effectLst/>
+                        </a:rPr>
+                        <a:t>Severidad</a:t>
+                      </a:r>
+                      <a:endParaRPr lang="es-MX" sz="700" b="0" i="0" u="none" strike="noStrike">
+                        <a:effectLst/>
+                        <a:latin typeface="Arial"/>
+                      </a:endParaRPr>
+                    </a:p>
+                  </a:txBody>
+                  <a:tcPr marL="6920" marR="6920" marT="6920" marB="0" anchor="ctr"/>
+                </a:tc>
+                <a:tc>
+                  <a:txBody>
+                    <a:bodyPr/>
+                    <a:lstStyle/>
+                    <a:p>
+                      <a:pPr algn="ctr" fontAlgn="ctr"/>
+                      <a:r>
+                        <a:rPr lang="es-MX" sz="700" u="none" strike="noStrike">
+                          <a:effectLst/>
+                        </a:rPr>
+                        <a:t>Probabilidad</a:t>
+                      </a:r>
+                      <a:endParaRPr lang="es-MX" sz="700" b="0" i="0" u="none" strike="noStrike">
+                        <a:effectLst/>
+                        <a:latin typeface="Arial"/>
+                      </a:endParaRPr>
+                    </a:p>
+                  </a:txBody>
+                  <a:tcPr marL="6920" marR="6920" marT="6920" marB="0" anchor="ctr"/>
+                </a:tc>
+                <a:tc>
+                  <a:txBody>
+                    <a:bodyPr/>
+                    <a:lstStyle/>
+                    <a:p>
+                      <a:pPr algn="ctr" fontAlgn="ctr"/>
+                      <a:r>
+                        <a:rPr lang="es-MX" sz="700" u="none" strike="noStrike">
+                          <a:effectLst/>
+                        </a:rPr>
+                        <a:t>Prioridad de atención</a:t>
+                      </a:r>
+                      <a:endParaRPr lang="es-MX" sz="700" b="0" i="0" u="none" strike="noStrike">
+                        <a:effectLst/>
+                        <a:latin typeface="Arial"/>
+                      </a:endParaRPr>
+                    </a:p>
+                  </a:txBody>
+                  <a:tcPr marL="6920" marR="6920" marT="6920" marB="0" anchor="ctr"/>
+                </a:tc>
+                <a:tc>
+                  <a:txBody>
+                    <a:bodyPr/>
+                    <a:lstStyle/>
+                    <a:p>
+                      <a:pPr algn="ctr" fontAlgn="ctr"/>
+                      <a:r>
+                        <a:rPr lang="es-MX" sz="700" u="none" strike="noStrike">
+                          <a:effectLst/>
+                        </a:rPr>
+                        <a:t>Plan de contingencia</a:t>
+                      </a:r>
+                      <a:endParaRPr lang="es-MX" sz="700" b="0" i="0" u="none" strike="noStrike">
+                        <a:effectLst/>
+                        <a:latin typeface="Arial"/>
+                      </a:endParaRPr>
+                    </a:p>
+                  </a:txBody>
+                  <a:tcPr marL="6920" marR="6920" marT="6920" marB="0" anchor="ctr"/>
+                </a:tc>
+                <a:tc>
+                  <a:txBody>
+                    <a:bodyPr/>
+                    <a:lstStyle/>
+                    <a:p>
+                      <a:pPr algn="ctr" fontAlgn="ctr"/>
+                      <a:r>
+                        <a:rPr lang="es-MX" sz="700" u="none" strike="noStrike">
+                          <a:effectLst/>
+                        </a:rPr>
+                        <a:t>Plan de mitigación</a:t>
+                      </a:r>
+                      <a:endParaRPr lang="es-MX" sz="700" b="0" i="0" u="none" strike="noStrike">
+                        <a:effectLst/>
+                        <a:latin typeface="Arial"/>
+                      </a:endParaRPr>
+                    </a:p>
+                  </a:txBody>
+                  <a:tcPr marL="6920" marR="6920" marT="6920" marB="0" anchor="ctr"/>
+                </a:tc>
+                <a:tc>
+                  <a:txBody>
+                    <a:bodyPr/>
+                    <a:lstStyle/>
+                    <a:p>
+                      <a:pPr algn="ctr" fontAlgn="ctr"/>
+                      <a:r>
+                        <a:rPr lang="es-MX" sz="700" u="none" strike="noStrike">
+                          <a:effectLst/>
+                        </a:rPr>
+                        <a:t>Responsable</a:t>
+                      </a:r>
+                      <a:endParaRPr lang="es-MX" sz="700" b="0" i="0" u="none" strike="noStrike">
+                        <a:effectLst/>
+                        <a:latin typeface="Arial"/>
+                      </a:endParaRPr>
+                    </a:p>
+                  </a:txBody>
+                  <a:tcPr marL="6920" marR="6920" marT="6920" marB="0" anchor="ctr"/>
+                </a:tc>
+              </a:tr>
+              <a:tr h="295288">
+                <a:tc>
+                  <a:txBody>
+                    <a:bodyPr/>
+                    <a:lstStyle/>
+                    <a:p>
+                      <a:pPr algn="ctr" fontAlgn="ctr"/>
+                      <a:r>
+                        <a:rPr lang="es-MX" sz="700" u="none" strike="noStrike">
+                          <a:effectLst/>
+                        </a:rPr>
+                        <a:t> </a:t>
+                      </a:r>
+                      <a:endParaRPr lang="es-MX" sz="700" b="0" i="0" u="none" strike="noStrike">
+                        <a:effectLst/>
+                        <a:latin typeface="Arial"/>
+                      </a:endParaRPr>
+                    </a:p>
+                  </a:txBody>
+                  <a:tcPr marL="6920" marR="6920" marT="6920" marB="0" anchor="ctr"/>
+                </a:tc>
+                <a:tc>
+                  <a:txBody>
+                    <a:bodyPr/>
+                    <a:lstStyle/>
+                    <a:p>
+                      <a:pPr algn="ctr" fontAlgn="ctr"/>
+                      <a:r>
+                        <a:rPr lang="es-MX" sz="700" u="none" strike="noStrike">
+                          <a:effectLst/>
+                        </a:rPr>
+                        <a:t> </a:t>
+                      </a:r>
+                      <a:endParaRPr lang="es-MX" sz="700" b="0" i="0" u="none" strike="noStrike">
+                        <a:effectLst/>
+                        <a:latin typeface="Arial"/>
+                      </a:endParaRPr>
+                    </a:p>
+                  </a:txBody>
+                  <a:tcPr marL="6920" marR="6920" marT="6920" marB="0" anchor="ctr"/>
+                </a:tc>
+                <a:tc>
+                  <a:txBody>
+                    <a:bodyPr/>
+                    <a:lstStyle/>
+                    <a:p>
+                      <a:pPr algn="ctr" fontAlgn="ctr"/>
+                      <a:r>
+                        <a:rPr lang="es-MX" sz="700" u="none" strike="noStrike">
+                          <a:effectLst/>
+                        </a:rPr>
+                        <a:t> </a:t>
+                      </a:r>
+                      <a:endParaRPr lang="es-MX" sz="700" b="0" i="0" u="none" strike="noStrike">
+                        <a:effectLst/>
+                        <a:latin typeface="Arial"/>
+                      </a:endParaRPr>
+                    </a:p>
+                  </a:txBody>
+                  <a:tcPr marL="6920" marR="6920" marT="6920" marB="0" anchor="ctr"/>
+                </a:tc>
+                <a:tc>
+                  <a:txBody>
+                    <a:bodyPr/>
+                    <a:lstStyle/>
+                    <a:p>
+                      <a:pPr algn="l" fontAlgn="ctr"/>
+                      <a:r>
+                        <a:rPr lang="es-MX" sz="700" u="none" strike="noStrike">
+                          <a:effectLst/>
+                        </a:rPr>
+                        <a:t>Describa las actividades dirigidas a evitar que el riesgo se dispare. Incluya claramente cómos y cuándos.</a:t>
+                      </a:r>
+                      <a:endParaRPr lang="es-MX" sz="700" b="0" i="0" u="none" strike="noStrike">
+                        <a:effectLst/>
+                        <a:latin typeface="Arial"/>
+                      </a:endParaRPr>
+                    </a:p>
+                  </a:txBody>
+                  <a:tcPr marL="6920" marR="6920" marT="6920" marB="0" anchor="ctr"/>
+                </a:tc>
+                <a:tc>
+                  <a:txBody>
+                    <a:bodyPr/>
+                    <a:lstStyle/>
+                    <a:p>
+                      <a:pPr algn="l" fontAlgn="ctr"/>
+                      <a:r>
+                        <a:rPr lang="es-MX" sz="700" u="none" strike="noStrike">
+                          <a:effectLst/>
+                        </a:rPr>
+                        <a:t>Describa las actividades dirigidas a administrar los problemas si el riesgo se dispara. Incluya claramente cómos y cuándos.</a:t>
+                      </a:r>
+                      <a:endParaRPr lang="es-MX" sz="700" b="0" i="0" u="none" strike="noStrike">
+                        <a:effectLst/>
+                        <a:latin typeface="Arial"/>
+                      </a:endParaRPr>
+                    </a:p>
+                  </a:txBody>
+                  <a:tcPr marL="6920" marR="6920" marT="6920" marB="0" anchor="ctr"/>
+                </a:tc>
+                <a:tc>
+                  <a:txBody>
+                    <a:bodyPr/>
+                    <a:lstStyle/>
+                    <a:p>
+                      <a:pPr algn="l" fontAlgn="ctr"/>
+                      <a:r>
+                        <a:rPr lang="es-MX" sz="700" u="none" strike="noStrike">
+                          <a:effectLst/>
+                        </a:rPr>
+                        <a:t>[Iniciales]</a:t>
+                      </a:r>
+                      <a:endParaRPr lang="es-MX" sz="700" b="0" i="0" u="none" strike="noStrike">
+                        <a:effectLst/>
+                        <a:latin typeface="Arial"/>
+                      </a:endParaRPr>
+                    </a:p>
+                  </a:txBody>
+                  <a:tcPr marL="6920" marR="6920" marT="6920" marB="0" anchor="ctr"/>
+                </a:tc>
+              </a:tr>
+              <a:tr h="295288">
+                <a:tc>
+                  <a:txBody>
+                    <a:bodyPr/>
+                    <a:lstStyle/>
+                    <a:p>
+                      <a:pPr algn="ctr" fontAlgn="ctr"/>
+                      <a:r>
+                        <a:rPr lang="es-MX" sz="700" u="none" strike="noStrike">
+                          <a:effectLst/>
+                        </a:rPr>
+                        <a:t>Alta</a:t>
+                      </a:r>
+                      <a:endParaRPr lang="es-MX" sz="700" b="0" i="0" u="none" strike="noStrike">
+                        <a:solidFill>
+                          <a:srgbClr val="000000"/>
+                        </a:solidFill>
+                        <a:effectLst/>
+                        <a:latin typeface="Arial"/>
+                      </a:endParaRPr>
+                    </a:p>
+                  </a:txBody>
+                  <a:tcPr marL="6920" marR="6920" marT="6920" marB="0" anchor="ctr"/>
+                </a:tc>
+                <a:tc>
+                  <a:txBody>
+                    <a:bodyPr/>
+                    <a:lstStyle/>
+                    <a:p>
+                      <a:pPr algn="ctr" fontAlgn="ctr"/>
+                      <a:r>
+                        <a:rPr lang="es-MX" sz="700" u="none" strike="noStrike">
+                          <a:effectLst/>
+                        </a:rPr>
+                        <a:t>Media</a:t>
+                      </a:r>
+                      <a:endParaRPr lang="es-MX" sz="700" b="0" i="0" u="none" strike="noStrike">
+                        <a:solidFill>
+                          <a:srgbClr val="000000"/>
+                        </a:solidFill>
+                        <a:effectLst/>
+                        <a:latin typeface="Arial"/>
+                      </a:endParaRPr>
+                    </a:p>
+                  </a:txBody>
+                  <a:tcPr marL="6920" marR="6920" marT="6920" marB="0" anchor="ctr"/>
+                </a:tc>
+                <a:tc>
+                  <a:txBody>
+                    <a:bodyPr/>
+                    <a:lstStyle/>
+                    <a:p>
+                      <a:pPr algn="ctr" fontAlgn="ctr"/>
+                      <a:r>
+                        <a:rPr lang="es-MX" sz="700" u="none" strike="noStrike">
+                          <a:effectLst/>
+                        </a:rPr>
+                        <a:t>6</a:t>
+                      </a:r>
+                      <a:endParaRPr lang="es-MX" sz="700" b="1" i="0" u="none" strike="noStrike">
+                        <a:solidFill>
+                          <a:srgbClr val="9C6500"/>
+                        </a:solidFill>
+                        <a:effectLst/>
+                        <a:latin typeface="Arial"/>
+                      </a:endParaRPr>
+                    </a:p>
+                  </a:txBody>
+                  <a:tcPr marL="6920" marR="6920" marT="6920" marB="0" anchor="ctr"/>
+                </a:tc>
+                <a:tc>
+                  <a:txBody>
+                    <a:bodyPr/>
+                    <a:lstStyle/>
+                    <a:p>
+                      <a:pPr algn="l" fontAlgn="ctr"/>
+                      <a:r>
+                        <a:rPr lang="es-MX" sz="700" u="none" strike="noStrike">
+                          <a:effectLst/>
+                        </a:rPr>
+                        <a:t>Buscar sistemas que utilicen la misma tecnología para aplicaciones parecidas. Investigar más sobre desarrollo de aplicaciones web.</a:t>
+                      </a:r>
+                      <a:endParaRPr lang="es-MX" sz="700" b="0" i="0" u="none" strike="noStrike">
+                        <a:solidFill>
+                          <a:srgbClr val="000000"/>
+                        </a:solidFill>
+                        <a:effectLst/>
+                        <a:latin typeface="Arial"/>
+                      </a:endParaRPr>
+                    </a:p>
+                  </a:txBody>
+                  <a:tcPr marL="6920" marR="6920" marT="6920" marB="0" anchor="ctr"/>
+                </a:tc>
+                <a:tc>
+                  <a:txBody>
+                    <a:bodyPr/>
+                    <a:lstStyle/>
+                    <a:p>
+                      <a:pPr algn="l" fontAlgn="ctr"/>
+                      <a:r>
+                        <a:rPr lang="es-MX" sz="700" u="none" strike="noStrike">
+                          <a:effectLst/>
+                        </a:rPr>
+                        <a:t>Consultar con expertos en el tema.</a:t>
+                      </a:r>
+                      <a:endParaRPr lang="es-MX" sz="700" b="0" i="0" u="none" strike="noStrike">
+                        <a:solidFill>
+                          <a:srgbClr val="000000"/>
+                        </a:solidFill>
+                        <a:effectLst/>
+                        <a:latin typeface="Arial"/>
+                      </a:endParaRPr>
+                    </a:p>
+                  </a:txBody>
+                  <a:tcPr marL="6920" marR="6920" marT="6920" marB="0" anchor="ctr"/>
+                </a:tc>
+                <a:tc>
+                  <a:txBody>
+                    <a:bodyPr/>
+                    <a:lstStyle/>
+                    <a:p>
+                      <a:pPr algn="l" fontAlgn="ctr"/>
+                      <a:r>
+                        <a:rPr lang="es-MX" sz="700" u="none" strike="noStrike">
+                          <a:effectLst/>
+                        </a:rPr>
+                        <a:t>FERM</a:t>
+                      </a:r>
+                      <a:endParaRPr lang="es-MX" sz="700" b="0" i="0" u="none" strike="noStrike">
+                        <a:solidFill>
+                          <a:srgbClr val="000000"/>
+                        </a:solidFill>
+                        <a:effectLst/>
+                        <a:latin typeface="Arial"/>
+                      </a:endParaRPr>
+                    </a:p>
+                  </a:txBody>
+                  <a:tcPr marL="6920" marR="6920" marT="6920" marB="0" anchor="ctr"/>
+                </a:tc>
+              </a:tr>
+              <a:tr h="147644">
+                <a:tc>
+                  <a:txBody>
+                    <a:bodyPr/>
+                    <a:lstStyle/>
+                    <a:p>
+                      <a:pPr algn="ctr" fontAlgn="ctr"/>
+                      <a:r>
+                        <a:rPr lang="es-MX" sz="700" u="none" strike="noStrike">
+                          <a:effectLst/>
+                        </a:rPr>
+                        <a:t>Alta</a:t>
+                      </a:r>
+                      <a:endParaRPr lang="es-MX" sz="700" b="0" i="0" u="none" strike="noStrike">
+                        <a:solidFill>
+                          <a:srgbClr val="000000"/>
+                        </a:solidFill>
+                        <a:effectLst/>
+                        <a:latin typeface="Arial"/>
+                      </a:endParaRPr>
+                    </a:p>
+                  </a:txBody>
+                  <a:tcPr marL="6920" marR="6920" marT="6920" marB="0" anchor="ctr"/>
+                </a:tc>
+                <a:tc>
+                  <a:txBody>
+                    <a:bodyPr/>
+                    <a:lstStyle/>
+                    <a:p>
+                      <a:pPr algn="ctr" fontAlgn="ctr"/>
+                      <a:r>
+                        <a:rPr lang="es-MX" sz="700" u="none" strike="noStrike">
+                          <a:effectLst/>
+                        </a:rPr>
+                        <a:t>Media</a:t>
+                      </a:r>
+                      <a:endParaRPr lang="es-MX" sz="700" b="0" i="0" u="none" strike="noStrike">
+                        <a:solidFill>
+                          <a:srgbClr val="000000"/>
+                        </a:solidFill>
+                        <a:effectLst/>
+                        <a:latin typeface="Arial"/>
+                      </a:endParaRPr>
+                    </a:p>
+                  </a:txBody>
+                  <a:tcPr marL="6920" marR="6920" marT="6920" marB="0" anchor="ctr"/>
+                </a:tc>
+                <a:tc>
+                  <a:txBody>
+                    <a:bodyPr/>
+                    <a:lstStyle/>
+                    <a:p>
+                      <a:pPr algn="ctr" fontAlgn="ctr"/>
+                      <a:r>
+                        <a:rPr lang="es-MX" sz="700" u="none" strike="noStrike">
+                          <a:effectLst/>
+                        </a:rPr>
+                        <a:t>6</a:t>
+                      </a:r>
+                      <a:endParaRPr lang="es-MX" sz="700" b="1" i="0" u="none" strike="noStrike">
+                        <a:solidFill>
+                          <a:srgbClr val="9C6500"/>
+                        </a:solidFill>
+                        <a:effectLst/>
+                        <a:latin typeface="Arial"/>
+                      </a:endParaRPr>
+                    </a:p>
+                  </a:txBody>
+                  <a:tcPr marL="6920" marR="6920" marT="6920" marB="0" anchor="ctr"/>
+                </a:tc>
+                <a:tc>
+                  <a:txBody>
+                    <a:bodyPr/>
+                    <a:lstStyle/>
+                    <a:p>
+                      <a:pPr algn="l" fontAlgn="ctr"/>
+                      <a:r>
+                        <a:rPr lang="es-MX" sz="700" u="none" strike="noStrike">
+                          <a:effectLst/>
+                        </a:rPr>
+                        <a:t>Trabajar más de lo establecido en el plan</a:t>
+                      </a:r>
+                      <a:endParaRPr lang="es-MX" sz="700" b="0" i="0" u="none" strike="noStrike">
+                        <a:solidFill>
+                          <a:srgbClr val="000000"/>
+                        </a:solidFill>
+                        <a:effectLst/>
+                        <a:latin typeface="Arial"/>
+                      </a:endParaRPr>
+                    </a:p>
+                  </a:txBody>
+                  <a:tcPr marL="6920" marR="6920" marT="6920" marB="0" anchor="ctr"/>
+                </a:tc>
+                <a:tc>
+                  <a:txBody>
+                    <a:bodyPr/>
+                    <a:lstStyle/>
+                    <a:p>
+                      <a:pPr algn="l" fontAlgn="ctr"/>
+                      <a:r>
+                        <a:rPr lang="es-MX" sz="700" u="none" strike="noStrike">
+                          <a:effectLst/>
+                        </a:rPr>
+                        <a:t>Presentarle al cliente un nuevo plan, además de avance tangibles.</a:t>
+                      </a:r>
+                      <a:endParaRPr lang="es-MX" sz="700" b="0" i="0" u="none" strike="noStrike">
+                        <a:solidFill>
+                          <a:srgbClr val="000000"/>
+                        </a:solidFill>
+                        <a:effectLst/>
+                        <a:latin typeface="Arial"/>
+                      </a:endParaRPr>
+                    </a:p>
+                  </a:txBody>
+                  <a:tcPr marL="6920" marR="6920" marT="6920" marB="0" anchor="ctr"/>
+                </a:tc>
+                <a:tc>
+                  <a:txBody>
+                    <a:bodyPr/>
+                    <a:lstStyle/>
+                    <a:p>
+                      <a:pPr algn="l" fontAlgn="ctr"/>
+                      <a:r>
+                        <a:rPr lang="es-MX" sz="700" u="none" strike="noStrike">
+                          <a:effectLst/>
+                        </a:rPr>
+                        <a:t>FJAM</a:t>
+                      </a:r>
+                      <a:endParaRPr lang="es-MX" sz="700" b="0" i="0" u="none" strike="noStrike">
+                        <a:solidFill>
+                          <a:srgbClr val="000000"/>
+                        </a:solidFill>
+                        <a:effectLst/>
+                        <a:latin typeface="Arial"/>
+                      </a:endParaRPr>
+                    </a:p>
+                  </a:txBody>
+                  <a:tcPr marL="6920" marR="6920" marT="6920" marB="0" anchor="ctr"/>
+                </a:tc>
+              </a:tr>
+              <a:tr h="295288">
+                <a:tc>
+                  <a:txBody>
+                    <a:bodyPr/>
+                    <a:lstStyle/>
+                    <a:p>
+                      <a:pPr algn="ctr" fontAlgn="ctr"/>
+                      <a:r>
+                        <a:rPr lang="es-MX" sz="700" u="none" strike="noStrike">
+                          <a:effectLst/>
+                        </a:rPr>
+                        <a:t>Media</a:t>
+                      </a:r>
+                      <a:endParaRPr lang="es-MX" sz="700" b="0" i="0" u="none" strike="noStrike">
+                        <a:solidFill>
+                          <a:srgbClr val="000000"/>
+                        </a:solidFill>
+                        <a:effectLst/>
+                        <a:latin typeface="Arial"/>
+                      </a:endParaRPr>
+                    </a:p>
+                  </a:txBody>
+                  <a:tcPr marL="6920" marR="6920" marT="6920" marB="0" anchor="ctr"/>
+                </a:tc>
+                <a:tc>
+                  <a:txBody>
+                    <a:bodyPr/>
+                    <a:lstStyle/>
+                    <a:p>
+                      <a:pPr algn="ctr" fontAlgn="ctr"/>
+                      <a:r>
+                        <a:rPr lang="es-MX" sz="700" u="none" strike="noStrike">
+                          <a:effectLst/>
+                        </a:rPr>
+                        <a:t>Media</a:t>
+                      </a:r>
+                      <a:endParaRPr lang="es-MX" sz="700" b="0" i="0" u="none" strike="noStrike">
+                        <a:solidFill>
+                          <a:srgbClr val="000000"/>
+                        </a:solidFill>
+                        <a:effectLst/>
+                        <a:latin typeface="Arial"/>
+                      </a:endParaRPr>
+                    </a:p>
+                  </a:txBody>
+                  <a:tcPr marL="6920" marR="6920" marT="6920" marB="0" anchor="ctr"/>
+                </a:tc>
+                <a:tc>
+                  <a:txBody>
+                    <a:bodyPr/>
+                    <a:lstStyle/>
+                    <a:p>
+                      <a:pPr algn="ctr" fontAlgn="ctr"/>
+                      <a:r>
+                        <a:rPr lang="es-MX" sz="700" u="none" strike="noStrike">
+                          <a:effectLst/>
+                        </a:rPr>
+                        <a:t>4</a:t>
+                      </a:r>
+                      <a:endParaRPr lang="es-MX" sz="700" b="1" i="0" u="none" strike="noStrike">
+                        <a:solidFill>
+                          <a:srgbClr val="9C6500"/>
+                        </a:solidFill>
+                        <a:effectLst/>
+                        <a:latin typeface="Arial"/>
+                      </a:endParaRPr>
+                    </a:p>
+                  </a:txBody>
+                  <a:tcPr marL="6920" marR="6920" marT="6920" marB="0" anchor="ctr"/>
+                </a:tc>
+                <a:tc>
+                  <a:txBody>
+                    <a:bodyPr/>
+                    <a:lstStyle/>
+                    <a:p>
+                      <a:pPr algn="l" fontAlgn="ctr"/>
+                      <a:r>
+                        <a:rPr lang="es-MX" sz="700" u="none" strike="noStrike" dirty="0">
+                          <a:effectLst/>
+                        </a:rPr>
+                        <a:t>Crear un prototipo funcional que sugiera el diseño correcto de la aplicación.</a:t>
+                      </a:r>
+                      <a:endParaRPr lang="es-MX" sz="700" b="0" i="0" u="none" strike="noStrike" dirty="0">
+                        <a:solidFill>
+                          <a:srgbClr val="000000"/>
+                        </a:solidFill>
+                        <a:effectLst/>
+                        <a:latin typeface="Arial"/>
+                      </a:endParaRPr>
+                    </a:p>
+                  </a:txBody>
+                  <a:tcPr marL="6920" marR="6920" marT="6920" marB="0" anchor="ctr"/>
+                </a:tc>
+                <a:tc>
+                  <a:txBody>
+                    <a:bodyPr/>
+                    <a:lstStyle/>
+                    <a:p>
+                      <a:pPr algn="l" fontAlgn="ctr"/>
+                      <a:r>
+                        <a:rPr lang="es-MX" sz="700" u="none" strike="noStrike">
+                          <a:effectLst/>
+                        </a:rPr>
+                        <a:t>Actualizar el prototipo de tal forma que sea aprobado por el cliente</a:t>
+                      </a:r>
+                      <a:endParaRPr lang="es-MX" sz="700" b="0" i="0" u="none" strike="noStrike">
+                        <a:solidFill>
+                          <a:srgbClr val="000000"/>
+                        </a:solidFill>
+                        <a:effectLst/>
+                        <a:latin typeface="Arial"/>
+                      </a:endParaRPr>
+                    </a:p>
+                  </a:txBody>
+                  <a:tcPr marL="6920" marR="6920" marT="6920" marB="0" anchor="ctr"/>
+                </a:tc>
+                <a:tc>
+                  <a:txBody>
+                    <a:bodyPr/>
+                    <a:lstStyle/>
+                    <a:p>
+                      <a:pPr algn="l" fontAlgn="ctr"/>
+                      <a:r>
+                        <a:rPr lang="es-MX" sz="700" u="none" strike="noStrike">
+                          <a:effectLst/>
+                        </a:rPr>
+                        <a:t>EPSF</a:t>
+                      </a:r>
+                      <a:endParaRPr lang="es-MX" sz="700" b="0" i="0" u="none" strike="noStrike">
+                        <a:solidFill>
+                          <a:srgbClr val="000000"/>
+                        </a:solidFill>
+                        <a:effectLst/>
+                        <a:latin typeface="Arial"/>
+                      </a:endParaRPr>
+                    </a:p>
+                  </a:txBody>
+                  <a:tcPr marL="6920" marR="6920" marT="6920" marB="0" anchor="ctr"/>
+                </a:tc>
+              </a:tr>
+              <a:tr h="295288">
+                <a:tc>
+                  <a:txBody>
+                    <a:bodyPr/>
+                    <a:lstStyle/>
+                    <a:p>
+                      <a:pPr algn="ctr" fontAlgn="ctr"/>
+                      <a:r>
+                        <a:rPr lang="es-MX" sz="700" u="none" strike="noStrike">
+                          <a:effectLst/>
+                        </a:rPr>
+                        <a:t>Media</a:t>
+                      </a:r>
+                      <a:endParaRPr lang="es-MX" sz="700" b="0" i="0" u="none" strike="noStrike">
+                        <a:solidFill>
+                          <a:srgbClr val="000000"/>
+                        </a:solidFill>
+                        <a:effectLst/>
+                        <a:latin typeface="Arial"/>
+                      </a:endParaRPr>
+                    </a:p>
+                  </a:txBody>
+                  <a:tcPr marL="6920" marR="6920" marT="6920" marB="0" anchor="ctr"/>
+                </a:tc>
+                <a:tc>
+                  <a:txBody>
+                    <a:bodyPr/>
+                    <a:lstStyle/>
+                    <a:p>
+                      <a:pPr algn="ctr" fontAlgn="ctr"/>
+                      <a:r>
+                        <a:rPr lang="es-MX" sz="700" u="none" strike="noStrike">
+                          <a:effectLst/>
+                        </a:rPr>
+                        <a:t>Media</a:t>
+                      </a:r>
+                      <a:endParaRPr lang="es-MX" sz="700" b="0" i="0" u="none" strike="noStrike">
+                        <a:solidFill>
+                          <a:srgbClr val="000000"/>
+                        </a:solidFill>
+                        <a:effectLst/>
+                        <a:latin typeface="Arial"/>
+                      </a:endParaRPr>
+                    </a:p>
+                  </a:txBody>
+                  <a:tcPr marL="6920" marR="6920" marT="6920" marB="0" anchor="ctr"/>
+                </a:tc>
+                <a:tc>
+                  <a:txBody>
+                    <a:bodyPr/>
+                    <a:lstStyle/>
+                    <a:p>
+                      <a:pPr algn="ctr" fontAlgn="ctr"/>
+                      <a:r>
+                        <a:rPr lang="es-MX" sz="700" u="none" strike="noStrike">
+                          <a:effectLst/>
+                        </a:rPr>
+                        <a:t>4</a:t>
+                      </a:r>
+                      <a:endParaRPr lang="es-MX" sz="700" b="1" i="0" u="none" strike="noStrike">
+                        <a:solidFill>
+                          <a:srgbClr val="9C6500"/>
+                        </a:solidFill>
+                        <a:effectLst/>
+                        <a:latin typeface="Arial"/>
+                      </a:endParaRPr>
+                    </a:p>
+                  </a:txBody>
+                  <a:tcPr marL="6920" marR="6920" marT="6920" marB="0" anchor="ctr"/>
+                </a:tc>
+                <a:tc>
+                  <a:txBody>
+                    <a:bodyPr/>
+                    <a:lstStyle/>
+                    <a:p>
+                      <a:pPr algn="l" fontAlgn="ctr"/>
+                      <a:r>
+                        <a:rPr lang="es-MX" sz="700" u="none" strike="noStrike">
+                          <a:effectLst/>
+                        </a:rPr>
+                        <a:t>Confirmar la asistencia del cliente a la junta un día antes de la fecha planeada para ésta.</a:t>
+                      </a:r>
+                      <a:endParaRPr lang="es-MX" sz="700" b="0" i="0" u="none" strike="noStrike">
+                        <a:solidFill>
+                          <a:srgbClr val="000000"/>
+                        </a:solidFill>
+                        <a:effectLst/>
+                        <a:latin typeface="Arial"/>
+                      </a:endParaRPr>
+                    </a:p>
+                  </a:txBody>
+                  <a:tcPr marL="6920" marR="6920" marT="6920" marB="0" anchor="ctr"/>
+                </a:tc>
+                <a:tc>
+                  <a:txBody>
+                    <a:bodyPr/>
+                    <a:lstStyle/>
+                    <a:p>
+                      <a:pPr algn="l" fontAlgn="ctr"/>
+                      <a:r>
+                        <a:rPr lang="es-MX" sz="700" u="none" strike="noStrike">
+                          <a:effectLst/>
+                        </a:rPr>
+                        <a:t>Programar otra junta lo antes posible.</a:t>
+                      </a:r>
+                      <a:endParaRPr lang="es-MX" sz="700" b="0" i="0" u="none" strike="noStrike">
+                        <a:solidFill>
+                          <a:srgbClr val="000000"/>
+                        </a:solidFill>
+                        <a:effectLst/>
+                        <a:latin typeface="Arial"/>
+                      </a:endParaRPr>
+                    </a:p>
+                  </a:txBody>
+                  <a:tcPr marL="6920" marR="6920" marT="6920" marB="0" anchor="ctr"/>
+                </a:tc>
+                <a:tc>
+                  <a:txBody>
+                    <a:bodyPr/>
+                    <a:lstStyle/>
+                    <a:p>
+                      <a:pPr algn="l" fontAlgn="ctr"/>
+                      <a:r>
+                        <a:rPr lang="es-MX" sz="700" u="none" strike="noStrike">
+                          <a:effectLst/>
+                        </a:rPr>
+                        <a:t>JASS</a:t>
+                      </a:r>
+                      <a:endParaRPr lang="es-MX" sz="700" b="0" i="0" u="none" strike="noStrike">
+                        <a:solidFill>
+                          <a:srgbClr val="000000"/>
+                        </a:solidFill>
+                        <a:effectLst/>
+                        <a:latin typeface="Arial"/>
+                      </a:endParaRPr>
+                    </a:p>
+                  </a:txBody>
+                  <a:tcPr marL="6920" marR="6920" marT="6920" marB="0" anchor="ctr"/>
+                </a:tc>
+              </a:tr>
+              <a:tr h="295288">
+                <a:tc>
+                  <a:txBody>
+                    <a:bodyPr/>
+                    <a:lstStyle/>
+                    <a:p>
+                      <a:pPr algn="ctr" fontAlgn="ctr"/>
+                      <a:r>
+                        <a:rPr lang="es-MX" sz="700" u="none" strike="noStrike">
+                          <a:effectLst/>
+                        </a:rPr>
+                        <a:t>Media</a:t>
+                      </a:r>
+                      <a:endParaRPr lang="es-MX" sz="700" b="0" i="0" u="none" strike="noStrike">
+                        <a:solidFill>
+                          <a:srgbClr val="000000"/>
+                        </a:solidFill>
+                        <a:effectLst/>
+                        <a:latin typeface="Arial"/>
+                      </a:endParaRPr>
+                    </a:p>
+                  </a:txBody>
+                  <a:tcPr marL="6920" marR="6920" marT="6920" marB="0" anchor="ctr"/>
+                </a:tc>
+                <a:tc>
+                  <a:txBody>
+                    <a:bodyPr/>
+                    <a:lstStyle/>
+                    <a:p>
+                      <a:pPr algn="ctr" fontAlgn="ctr"/>
+                      <a:r>
+                        <a:rPr lang="es-MX" sz="700" u="none" strike="noStrike">
+                          <a:effectLst/>
+                        </a:rPr>
+                        <a:t>Baja</a:t>
+                      </a:r>
+                      <a:endParaRPr lang="es-MX" sz="700" b="0" i="0" u="none" strike="noStrike">
+                        <a:solidFill>
+                          <a:srgbClr val="000000"/>
+                        </a:solidFill>
+                        <a:effectLst/>
+                        <a:latin typeface="Arial"/>
+                      </a:endParaRPr>
+                    </a:p>
+                  </a:txBody>
+                  <a:tcPr marL="6920" marR="6920" marT="6920" marB="0" anchor="ctr"/>
+                </a:tc>
+                <a:tc>
+                  <a:txBody>
+                    <a:bodyPr/>
+                    <a:lstStyle/>
+                    <a:p>
+                      <a:pPr algn="ctr" fontAlgn="ctr"/>
+                      <a:r>
+                        <a:rPr lang="es-MX" sz="700" u="none" strike="noStrike">
+                          <a:effectLst/>
+                        </a:rPr>
+                        <a:t>2</a:t>
+                      </a:r>
+                      <a:endParaRPr lang="es-MX" sz="700" b="1" i="0" u="none" strike="noStrike">
+                        <a:solidFill>
+                          <a:srgbClr val="006100"/>
+                        </a:solidFill>
+                        <a:effectLst/>
+                        <a:latin typeface="Arial"/>
+                      </a:endParaRPr>
+                    </a:p>
+                  </a:txBody>
+                  <a:tcPr marL="6920" marR="6920" marT="6920" marB="0" anchor="ctr"/>
+                </a:tc>
+                <a:tc>
+                  <a:txBody>
+                    <a:bodyPr/>
+                    <a:lstStyle/>
+                    <a:p>
+                      <a:pPr algn="l" fontAlgn="b"/>
+                      <a:r>
+                        <a:rPr lang="es-MX" sz="700" u="none" strike="noStrike">
+                          <a:effectLst/>
+                        </a:rPr>
+                        <a:t>Antes de avanzar a otra fase del proyecto verificar qué programas se necesitan o se necesitrán para trabajar.</a:t>
+                      </a:r>
+                      <a:endParaRPr lang="es-MX" sz="700" b="0" i="0" u="none" strike="noStrike">
+                        <a:solidFill>
+                          <a:srgbClr val="000000"/>
+                        </a:solidFill>
+                        <a:effectLst/>
+                        <a:latin typeface="Arial"/>
+                      </a:endParaRPr>
+                    </a:p>
+                  </a:txBody>
+                  <a:tcPr marL="6920" marR="6920" marT="6920" marB="0" anchor="b"/>
+                </a:tc>
+                <a:tc>
+                  <a:txBody>
+                    <a:bodyPr/>
+                    <a:lstStyle/>
+                    <a:p>
+                      <a:pPr algn="l" fontAlgn="b"/>
+                      <a:r>
+                        <a:rPr lang="es-MX" sz="700" u="none" strike="noStrike">
+                          <a:effectLst/>
+                        </a:rPr>
+                        <a:t>Conseguir los softwares lo antes posible.</a:t>
+                      </a:r>
+                      <a:endParaRPr lang="es-MX" sz="700" b="0" i="0" u="none" strike="noStrike">
+                        <a:solidFill>
+                          <a:srgbClr val="000000"/>
+                        </a:solidFill>
+                        <a:effectLst/>
+                        <a:latin typeface="Arial"/>
+                      </a:endParaRPr>
+                    </a:p>
+                  </a:txBody>
+                  <a:tcPr marL="6920" marR="6920" marT="6920" marB="0" anchor="b"/>
+                </a:tc>
+                <a:tc>
+                  <a:txBody>
+                    <a:bodyPr/>
+                    <a:lstStyle/>
+                    <a:p>
+                      <a:pPr algn="l" fontAlgn="b"/>
+                      <a:r>
+                        <a:rPr lang="es-MX" sz="700" u="none" strike="noStrike">
+                          <a:effectLst/>
+                        </a:rPr>
+                        <a:t>LBPG</a:t>
+                      </a:r>
+                      <a:endParaRPr lang="es-MX" sz="700" b="0" i="0" u="none" strike="noStrike">
+                        <a:solidFill>
+                          <a:srgbClr val="000000"/>
+                        </a:solidFill>
+                        <a:effectLst/>
+                        <a:latin typeface="Arial"/>
+                      </a:endParaRPr>
+                    </a:p>
+                  </a:txBody>
+                  <a:tcPr marL="6920" marR="6920" marT="6920" marB="0" anchor="b"/>
+                </a:tc>
+              </a:tr>
+              <a:tr h="295288">
+                <a:tc>
+                  <a:txBody>
+                    <a:bodyPr/>
+                    <a:lstStyle/>
+                    <a:p>
+                      <a:pPr algn="ctr" fontAlgn="ctr"/>
+                      <a:r>
+                        <a:rPr lang="es-MX" sz="700" u="none" strike="noStrike">
+                          <a:effectLst/>
+                        </a:rPr>
+                        <a:t>Baja</a:t>
+                      </a:r>
+                      <a:endParaRPr lang="es-MX" sz="700" b="0" i="0" u="none" strike="noStrike">
+                        <a:solidFill>
+                          <a:srgbClr val="000000"/>
+                        </a:solidFill>
+                        <a:effectLst/>
+                        <a:latin typeface="Arial"/>
+                      </a:endParaRPr>
+                    </a:p>
+                  </a:txBody>
+                  <a:tcPr marL="6920" marR="6920" marT="6920" marB="0" anchor="ctr"/>
+                </a:tc>
+                <a:tc>
+                  <a:txBody>
+                    <a:bodyPr/>
+                    <a:lstStyle/>
+                    <a:p>
+                      <a:pPr algn="ctr" fontAlgn="ctr"/>
+                      <a:r>
+                        <a:rPr lang="es-MX" sz="700" u="none" strike="noStrike">
+                          <a:effectLst/>
+                        </a:rPr>
+                        <a:t>Media</a:t>
+                      </a:r>
+                      <a:endParaRPr lang="es-MX" sz="700" b="0" i="0" u="none" strike="noStrike">
+                        <a:solidFill>
+                          <a:srgbClr val="000000"/>
+                        </a:solidFill>
+                        <a:effectLst/>
+                        <a:latin typeface="Arial"/>
+                      </a:endParaRPr>
+                    </a:p>
+                  </a:txBody>
+                  <a:tcPr marL="6920" marR="6920" marT="6920" marB="0" anchor="ctr"/>
+                </a:tc>
+                <a:tc>
+                  <a:txBody>
+                    <a:bodyPr/>
+                    <a:lstStyle/>
+                    <a:p>
+                      <a:pPr algn="ctr" fontAlgn="ctr"/>
+                      <a:r>
+                        <a:rPr lang="es-MX" sz="700" u="none" strike="noStrike">
+                          <a:effectLst/>
+                        </a:rPr>
+                        <a:t>2</a:t>
+                      </a:r>
+                      <a:endParaRPr lang="es-MX" sz="700" b="1" i="0" u="none" strike="noStrike">
+                        <a:solidFill>
+                          <a:srgbClr val="006100"/>
+                        </a:solidFill>
+                        <a:effectLst/>
+                        <a:latin typeface="Arial"/>
+                      </a:endParaRPr>
+                    </a:p>
+                  </a:txBody>
+                  <a:tcPr marL="6920" marR="6920" marT="6920" marB="0" anchor="ctr"/>
+                </a:tc>
+                <a:tc>
+                  <a:txBody>
+                    <a:bodyPr/>
+                    <a:lstStyle/>
+                    <a:p>
+                      <a:pPr algn="l" fontAlgn="ctr"/>
+                      <a:r>
+                        <a:rPr lang="es-MX" sz="700" u="none" strike="noStrike">
+                          <a:effectLst/>
+                        </a:rPr>
+                        <a:t>Asignar responsables para que el equipo no resienta las faltas.</a:t>
+                      </a:r>
+                      <a:endParaRPr lang="es-MX" sz="700" b="0" i="0" u="none" strike="noStrike">
+                        <a:solidFill>
+                          <a:srgbClr val="000000"/>
+                        </a:solidFill>
+                        <a:effectLst/>
+                        <a:latin typeface="Arial"/>
+                      </a:endParaRPr>
+                    </a:p>
+                  </a:txBody>
+                  <a:tcPr marL="6920" marR="6920" marT="6920" marB="0" anchor="ctr"/>
+                </a:tc>
+                <a:tc>
+                  <a:txBody>
+                    <a:bodyPr/>
+                    <a:lstStyle/>
+                    <a:p>
+                      <a:pPr algn="l" fontAlgn="ctr"/>
+                      <a:r>
+                        <a:rPr lang="es-MX" sz="700" u="none" strike="noStrike">
+                          <a:effectLst/>
+                        </a:rPr>
+                        <a:t>Prestar atención y escribir todo lo que la clienta nos indique.</a:t>
+                      </a:r>
+                      <a:endParaRPr lang="es-MX" sz="700" b="0" i="0" u="none" strike="noStrike">
+                        <a:solidFill>
+                          <a:srgbClr val="000000"/>
+                        </a:solidFill>
+                        <a:effectLst/>
+                        <a:latin typeface="Arial"/>
+                      </a:endParaRPr>
+                    </a:p>
+                  </a:txBody>
+                  <a:tcPr marL="6920" marR="6920" marT="6920" marB="0" anchor="ctr"/>
+                </a:tc>
+                <a:tc>
+                  <a:txBody>
+                    <a:bodyPr/>
+                    <a:lstStyle/>
+                    <a:p>
+                      <a:pPr algn="l" fontAlgn="ctr"/>
+                      <a:r>
+                        <a:rPr lang="es-MX" sz="700" u="none" strike="noStrike">
+                          <a:effectLst/>
+                        </a:rPr>
+                        <a:t>FERM</a:t>
+                      </a:r>
+                      <a:endParaRPr lang="es-MX" sz="700" b="0" i="0" u="none" strike="noStrike">
+                        <a:solidFill>
+                          <a:srgbClr val="000000"/>
+                        </a:solidFill>
+                        <a:effectLst/>
+                        <a:latin typeface="Arial"/>
+                      </a:endParaRPr>
+                    </a:p>
+                  </a:txBody>
+                  <a:tcPr marL="6920" marR="6920" marT="6920" marB="0" anchor="ctr"/>
+                </a:tc>
+              </a:tr>
+              <a:tr h="442932">
+                <a:tc>
+                  <a:txBody>
+                    <a:bodyPr/>
+                    <a:lstStyle/>
+                    <a:p>
+                      <a:pPr algn="ctr" fontAlgn="ctr"/>
+                      <a:r>
+                        <a:rPr lang="es-MX" sz="700" u="none" strike="noStrike">
+                          <a:effectLst/>
+                        </a:rPr>
+                        <a:t>Media</a:t>
+                      </a:r>
+                      <a:endParaRPr lang="es-MX" sz="700" b="0" i="0" u="none" strike="noStrike">
+                        <a:solidFill>
+                          <a:srgbClr val="000000"/>
+                        </a:solidFill>
+                        <a:effectLst/>
+                        <a:latin typeface="Arial"/>
+                      </a:endParaRPr>
+                    </a:p>
+                  </a:txBody>
+                  <a:tcPr marL="6920" marR="6920" marT="6920" marB="0" anchor="ctr"/>
+                </a:tc>
+                <a:tc>
+                  <a:txBody>
+                    <a:bodyPr/>
+                    <a:lstStyle/>
+                    <a:p>
+                      <a:pPr algn="ctr" fontAlgn="ctr"/>
+                      <a:r>
+                        <a:rPr lang="es-MX" sz="700" u="none" strike="noStrike">
+                          <a:effectLst/>
+                        </a:rPr>
+                        <a:t>Baja</a:t>
+                      </a:r>
+                      <a:endParaRPr lang="es-MX" sz="700" b="0" i="0" u="none" strike="noStrike">
+                        <a:solidFill>
+                          <a:srgbClr val="000000"/>
+                        </a:solidFill>
+                        <a:effectLst/>
+                        <a:latin typeface="Arial"/>
+                      </a:endParaRPr>
+                    </a:p>
+                  </a:txBody>
+                  <a:tcPr marL="6920" marR="6920" marT="6920" marB="0" anchor="ctr"/>
+                </a:tc>
+                <a:tc>
+                  <a:txBody>
+                    <a:bodyPr/>
+                    <a:lstStyle/>
+                    <a:p>
+                      <a:pPr algn="ctr" fontAlgn="ctr"/>
+                      <a:r>
+                        <a:rPr lang="es-MX" sz="700" u="none" strike="noStrike">
+                          <a:effectLst/>
+                        </a:rPr>
+                        <a:t>2</a:t>
+                      </a:r>
+                      <a:endParaRPr lang="es-MX" sz="700" b="1" i="0" u="none" strike="noStrike">
+                        <a:solidFill>
+                          <a:srgbClr val="006100"/>
+                        </a:solidFill>
+                        <a:effectLst/>
+                        <a:latin typeface="Arial"/>
+                      </a:endParaRPr>
+                    </a:p>
+                  </a:txBody>
+                  <a:tcPr marL="6920" marR="6920" marT="6920" marB="0" anchor="ctr"/>
+                </a:tc>
+                <a:tc>
+                  <a:txBody>
+                    <a:bodyPr/>
+                    <a:lstStyle/>
+                    <a:p>
+                      <a:pPr algn="l" fontAlgn="ctr"/>
+                      <a:r>
+                        <a:rPr lang="es-MX" sz="700" u="none" strike="noStrike">
+                          <a:effectLst/>
+                        </a:rPr>
+                        <a:t>Replanear el proyecto, asignando más horas de trabajo por persona,</a:t>
+                      </a:r>
+                      <a:endParaRPr lang="es-MX" sz="700" b="0" i="0" u="none" strike="noStrike">
+                        <a:solidFill>
+                          <a:srgbClr val="000000"/>
+                        </a:solidFill>
+                        <a:effectLst/>
+                        <a:latin typeface="Arial"/>
+                      </a:endParaRPr>
+                    </a:p>
+                  </a:txBody>
+                  <a:tcPr marL="6920" marR="6920" marT="6920" marB="0" anchor="ctr"/>
+                </a:tc>
+                <a:tc>
+                  <a:txBody>
+                    <a:bodyPr/>
+                    <a:lstStyle/>
+                    <a:p>
+                      <a:pPr algn="l" fontAlgn="ctr"/>
+                      <a:r>
+                        <a:rPr lang="es-MX" sz="700" u="none" strike="noStrike">
+                          <a:effectLst/>
+                        </a:rPr>
+                        <a:t>Continuar con el proyecto a pesar de la situación ocurrida.</a:t>
+                      </a:r>
+                      <a:endParaRPr lang="es-MX" sz="700" b="0" i="0" u="none" strike="noStrike">
+                        <a:solidFill>
+                          <a:srgbClr val="000000"/>
+                        </a:solidFill>
+                        <a:effectLst/>
+                        <a:latin typeface="Arial"/>
+                      </a:endParaRPr>
+                    </a:p>
+                  </a:txBody>
+                  <a:tcPr marL="6920" marR="6920" marT="6920" marB="0" anchor="ctr"/>
+                </a:tc>
+                <a:tc>
+                  <a:txBody>
+                    <a:bodyPr/>
+                    <a:lstStyle/>
+                    <a:p>
+                      <a:pPr algn="l" fontAlgn="ctr"/>
+                      <a:r>
+                        <a:rPr lang="es-MX" sz="700" u="none" strike="noStrike">
+                          <a:effectLst/>
+                        </a:rPr>
+                        <a:t>FJAM</a:t>
+                      </a:r>
+                      <a:endParaRPr lang="es-MX" sz="700" b="0" i="0" u="none" strike="noStrike">
+                        <a:solidFill>
+                          <a:srgbClr val="000000"/>
+                        </a:solidFill>
+                        <a:effectLst/>
+                        <a:latin typeface="Arial"/>
+                      </a:endParaRPr>
+                    </a:p>
+                  </a:txBody>
+                  <a:tcPr marL="6920" marR="6920" marT="6920" marB="0" anchor="ctr"/>
+                </a:tc>
+              </a:tr>
+              <a:tr h="295288">
+                <a:tc>
+                  <a:txBody>
+                    <a:bodyPr/>
+                    <a:lstStyle/>
+                    <a:p>
+                      <a:pPr algn="ctr" fontAlgn="ctr"/>
+                      <a:r>
+                        <a:rPr lang="es-MX" sz="700" u="none" strike="noStrike">
+                          <a:effectLst/>
+                        </a:rPr>
+                        <a:t>Media</a:t>
+                      </a:r>
+                      <a:endParaRPr lang="es-MX" sz="700" b="0" i="0" u="none" strike="noStrike">
+                        <a:solidFill>
+                          <a:srgbClr val="000000"/>
+                        </a:solidFill>
+                        <a:effectLst/>
+                        <a:latin typeface="Arial"/>
+                      </a:endParaRPr>
+                    </a:p>
+                  </a:txBody>
+                  <a:tcPr marL="6920" marR="6920" marT="6920" marB="0" anchor="ctr"/>
+                </a:tc>
+                <a:tc>
+                  <a:txBody>
+                    <a:bodyPr/>
+                    <a:lstStyle/>
+                    <a:p>
+                      <a:pPr algn="ctr" fontAlgn="ctr"/>
+                      <a:r>
+                        <a:rPr lang="es-MX" sz="700" u="none" strike="noStrike">
+                          <a:effectLst/>
+                        </a:rPr>
+                        <a:t>Media</a:t>
+                      </a:r>
+                      <a:endParaRPr lang="es-MX" sz="700" b="0" i="0" u="none" strike="noStrike">
+                        <a:solidFill>
+                          <a:srgbClr val="000000"/>
+                        </a:solidFill>
+                        <a:effectLst/>
+                        <a:latin typeface="Arial"/>
+                      </a:endParaRPr>
+                    </a:p>
+                  </a:txBody>
+                  <a:tcPr marL="6920" marR="6920" marT="6920" marB="0" anchor="ctr"/>
+                </a:tc>
+                <a:tc>
+                  <a:txBody>
+                    <a:bodyPr/>
+                    <a:lstStyle/>
+                    <a:p>
+                      <a:pPr algn="ctr" fontAlgn="ctr"/>
+                      <a:r>
+                        <a:rPr lang="es-MX" sz="700" u="none" strike="noStrike">
+                          <a:effectLst/>
+                        </a:rPr>
+                        <a:t>4</a:t>
+                      </a:r>
+                      <a:endParaRPr lang="es-MX" sz="700" b="1" i="0" u="none" strike="noStrike">
+                        <a:solidFill>
+                          <a:srgbClr val="9C6500"/>
+                        </a:solidFill>
+                        <a:effectLst/>
+                        <a:latin typeface="Arial"/>
+                      </a:endParaRPr>
+                    </a:p>
+                  </a:txBody>
+                  <a:tcPr marL="6920" marR="6920" marT="6920" marB="0" anchor="ctr"/>
+                </a:tc>
+                <a:tc>
+                  <a:txBody>
+                    <a:bodyPr/>
+                    <a:lstStyle/>
+                    <a:p>
+                      <a:pPr algn="l" fontAlgn="ctr"/>
+                      <a:r>
+                        <a:rPr lang="es-MX" sz="700" u="none" strike="noStrike">
+                          <a:effectLst/>
+                        </a:rPr>
+                        <a:t>Organizarse tomando en cuenta como obligación las tres horas extra escolares de trabajo.</a:t>
+                      </a:r>
+                      <a:endParaRPr lang="es-MX" sz="700" b="0" i="0" u="none" strike="noStrike">
+                        <a:solidFill>
+                          <a:srgbClr val="000000"/>
+                        </a:solidFill>
+                        <a:effectLst/>
+                        <a:latin typeface="Arial"/>
+                      </a:endParaRPr>
+                    </a:p>
+                  </a:txBody>
+                  <a:tcPr marL="6920" marR="6920" marT="6920" marB="0" anchor="ctr"/>
+                </a:tc>
+                <a:tc>
+                  <a:txBody>
+                    <a:bodyPr/>
+                    <a:lstStyle/>
+                    <a:p>
+                      <a:pPr algn="l" fontAlgn="ctr"/>
+                      <a:r>
+                        <a:rPr lang="es-MX" sz="700" u="none" strike="noStrike">
+                          <a:effectLst/>
+                        </a:rPr>
+                        <a:t>Recuperar las horas perdidas.</a:t>
+                      </a:r>
+                      <a:endParaRPr lang="es-MX" sz="700" b="0" i="0" u="none" strike="noStrike">
+                        <a:solidFill>
+                          <a:srgbClr val="000000"/>
+                        </a:solidFill>
+                        <a:effectLst/>
+                        <a:latin typeface="Arial"/>
+                      </a:endParaRPr>
+                    </a:p>
+                  </a:txBody>
+                  <a:tcPr marL="6920" marR="6920" marT="6920" marB="0" anchor="ctr"/>
+                </a:tc>
+                <a:tc>
+                  <a:txBody>
+                    <a:bodyPr/>
+                    <a:lstStyle/>
+                    <a:p>
+                      <a:pPr algn="l" fontAlgn="ctr"/>
+                      <a:r>
+                        <a:rPr lang="es-MX" sz="700" u="none" strike="noStrike">
+                          <a:effectLst/>
+                        </a:rPr>
+                        <a:t>EPSF</a:t>
+                      </a:r>
+                      <a:endParaRPr lang="es-MX" sz="700" b="0" i="0" u="none" strike="noStrike">
+                        <a:solidFill>
+                          <a:srgbClr val="000000"/>
+                        </a:solidFill>
+                        <a:effectLst/>
+                        <a:latin typeface="Arial"/>
+                      </a:endParaRPr>
+                    </a:p>
+                  </a:txBody>
+                  <a:tcPr marL="6920" marR="6920" marT="6920" marB="0" anchor="ctr"/>
+                </a:tc>
+              </a:tr>
+              <a:tr h="295288">
+                <a:tc>
+                  <a:txBody>
+                    <a:bodyPr/>
+                    <a:lstStyle/>
+                    <a:p>
+                      <a:pPr algn="ctr" fontAlgn="ctr"/>
+                      <a:r>
+                        <a:rPr lang="es-MX" sz="700" u="none" strike="noStrike">
+                          <a:effectLst/>
+                        </a:rPr>
+                        <a:t>Baja</a:t>
+                      </a:r>
+                      <a:endParaRPr lang="es-MX" sz="700" b="0" i="0" u="none" strike="noStrike">
+                        <a:solidFill>
+                          <a:srgbClr val="000000"/>
+                        </a:solidFill>
+                        <a:effectLst/>
+                        <a:latin typeface="Arial"/>
+                      </a:endParaRPr>
+                    </a:p>
+                  </a:txBody>
+                  <a:tcPr marL="6920" marR="6920" marT="6920" marB="0" anchor="ctr"/>
+                </a:tc>
+                <a:tc>
+                  <a:txBody>
+                    <a:bodyPr/>
+                    <a:lstStyle/>
+                    <a:p>
+                      <a:pPr algn="ctr" fontAlgn="ctr"/>
+                      <a:r>
+                        <a:rPr lang="es-MX" sz="700" u="none" strike="noStrike">
+                          <a:effectLst/>
+                        </a:rPr>
+                        <a:t>Alta</a:t>
+                      </a:r>
+                      <a:endParaRPr lang="es-MX" sz="700" b="0" i="0" u="none" strike="noStrike">
+                        <a:solidFill>
+                          <a:srgbClr val="000000"/>
+                        </a:solidFill>
+                        <a:effectLst/>
+                        <a:latin typeface="Arial"/>
+                      </a:endParaRPr>
+                    </a:p>
+                  </a:txBody>
+                  <a:tcPr marL="6920" marR="6920" marT="6920" marB="0" anchor="ctr"/>
+                </a:tc>
+                <a:tc>
+                  <a:txBody>
+                    <a:bodyPr/>
+                    <a:lstStyle/>
+                    <a:p>
+                      <a:pPr algn="ctr" fontAlgn="ctr"/>
+                      <a:r>
+                        <a:rPr lang="es-MX" sz="700" u="none" strike="noStrike">
+                          <a:effectLst/>
+                        </a:rPr>
+                        <a:t>3</a:t>
+                      </a:r>
+                      <a:endParaRPr lang="es-MX" sz="700" b="1" i="0" u="none" strike="noStrike">
+                        <a:solidFill>
+                          <a:srgbClr val="006100"/>
+                        </a:solidFill>
+                        <a:effectLst/>
+                        <a:latin typeface="Arial"/>
+                      </a:endParaRPr>
+                    </a:p>
+                  </a:txBody>
+                  <a:tcPr marL="6920" marR="6920" marT="6920" marB="0" anchor="ctr"/>
+                </a:tc>
+                <a:tc>
+                  <a:txBody>
+                    <a:bodyPr/>
+                    <a:lstStyle/>
+                    <a:p>
+                      <a:pPr algn="l" fontAlgn="ctr"/>
+                      <a:r>
+                        <a:rPr lang="es-MX" sz="700" u="none" strike="noStrike">
+                          <a:effectLst/>
+                        </a:rPr>
+                        <a:t>Si alguien va a faltar tiene que avisarle a los demás integrantes del equipo.</a:t>
+                      </a:r>
+                      <a:endParaRPr lang="es-MX" sz="700" b="0" i="0" u="none" strike="noStrike">
+                        <a:solidFill>
+                          <a:srgbClr val="000000"/>
+                        </a:solidFill>
+                        <a:effectLst/>
+                        <a:latin typeface="Arial"/>
+                      </a:endParaRPr>
+                    </a:p>
+                  </a:txBody>
+                  <a:tcPr marL="6920" marR="6920" marT="6920" marB="0" anchor="ctr"/>
+                </a:tc>
+                <a:tc>
+                  <a:txBody>
+                    <a:bodyPr/>
+                    <a:lstStyle/>
+                    <a:p>
+                      <a:pPr algn="l" fontAlgn="ctr"/>
+                      <a:r>
+                        <a:rPr lang="es-MX" sz="700" u="none" strike="noStrike">
+                          <a:effectLst/>
+                        </a:rPr>
+                        <a:t>Enviarle las minutas de la reunión al integrante que faltó a la junta.</a:t>
+                      </a:r>
+                      <a:endParaRPr lang="es-MX" sz="700" b="0" i="0" u="none" strike="noStrike">
+                        <a:solidFill>
+                          <a:srgbClr val="000000"/>
+                        </a:solidFill>
+                        <a:effectLst/>
+                        <a:latin typeface="Arial"/>
+                      </a:endParaRPr>
+                    </a:p>
+                  </a:txBody>
+                  <a:tcPr marL="6920" marR="6920" marT="6920" marB="0" anchor="ctr"/>
+                </a:tc>
+                <a:tc>
+                  <a:txBody>
+                    <a:bodyPr/>
+                    <a:lstStyle/>
+                    <a:p>
+                      <a:pPr algn="l" fontAlgn="ctr"/>
+                      <a:r>
+                        <a:rPr lang="es-MX" sz="700" u="none" strike="noStrike">
+                          <a:effectLst/>
+                        </a:rPr>
+                        <a:t>JASS</a:t>
+                      </a:r>
+                      <a:endParaRPr lang="es-MX" sz="700" b="0" i="0" u="none" strike="noStrike">
+                        <a:solidFill>
+                          <a:srgbClr val="000000"/>
+                        </a:solidFill>
+                        <a:effectLst/>
+                        <a:latin typeface="Arial"/>
+                      </a:endParaRPr>
+                    </a:p>
+                  </a:txBody>
+                  <a:tcPr marL="6920" marR="6920" marT="6920" marB="0" anchor="ctr"/>
+                </a:tc>
+              </a:tr>
+              <a:tr h="442932">
+                <a:tc>
+                  <a:txBody>
+                    <a:bodyPr/>
+                    <a:lstStyle/>
+                    <a:p>
+                      <a:pPr algn="ctr" fontAlgn="ctr"/>
+                      <a:r>
+                        <a:rPr lang="es-MX" sz="700" u="none" strike="noStrike">
+                          <a:effectLst/>
+                        </a:rPr>
+                        <a:t>Alta</a:t>
+                      </a:r>
+                      <a:endParaRPr lang="es-MX" sz="700" b="0" i="0" u="none" strike="noStrike">
+                        <a:solidFill>
+                          <a:srgbClr val="000000"/>
+                        </a:solidFill>
+                        <a:effectLst/>
+                        <a:latin typeface="Arial"/>
+                      </a:endParaRPr>
+                    </a:p>
+                  </a:txBody>
+                  <a:tcPr marL="6920" marR="6920" marT="6920" marB="0" anchor="ctr"/>
+                </a:tc>
+                <a:tc>
+                  <a:txBody>
+                    <a:bodyPr/>
+                    <a:lstStyle/>
+                    <a:p>
+                      <a:pPr algn="ctr" fontAlgn="ctr"/>
+                      <a:r>
+                        <a:rPr lang="es-MX" sz="700" u="none" strike="noStrike">
+                          <a:effectLst/>
+                        </a:rPr>
+                        <a:t>Media</a:t>
+                      </a:r>
+                      <a:endParaRPr lang="es-MX" sz="700" b="0" i="0" u="none" strike="noStrike">
+                        <a:solidFill>
+                          <a:srgbClr val="000000"/>
+                        </a:solidFill>
+                        <a:effectLst/>
+                        <a:latin typeface="Arial"/>
+                      </a:endParaRPr>
+                    </a:p>
+                  </a:txBody>
+                  <a:tcPr marL="6920" marR="6920" marT="6920" marB="0" anchor="ctr"/>
+                </a:tc>
+                <a:tc>
+                  <a:txBody>
+                    <a:bodyPr/>
+                    <a:lstStyle/>
+                    <a:p>
+                      <a:pPr algn="ctr" fontAlgn="ctr"/>
+                      <a:r>
+                        <a:rPr lang="es-MX" sz="700" u="none" strike="noStrike">
+                          <a:effectLst/>
+                        </a:rPr>
+                        <a:t>6</a:t>
+                      </a:r>
+                      <a:endParaRPr lang="es-MX" sz="700" b="1" i="0" u="none" strike="noStrike">
+                        <a:solidFill>
+                          <a:srgbClr val="9C6500"/>
+                        </a:solidFill>
+                        <a:effectLst/>
+                        <a:latin typeface="Arial"/>
+                      </a:endParaRPr>
+                    </a:p>
+                  </a:txBody>
+                  <a:tcPr marL="6920" marR="6920" marT="6920" marB="0" anchor="ctr"/>
+                </a:tc>
+                <a:tc>
+                  <a:txBody>
+                    <a:bodyPr/>
+                    <a:lstStyle/>
+                    <a:p>
+                      <a:pPr algn="l" fontAlgn="ctr"/>
+                      <a:r>
+                        <a:rPr lang="es-MX" sz="700" u="none" strike="noStrike">
+                          <a:effectLst/>
+                        </a:rPr>
+                        <a:t>Explicar que la situación presentada no estaba contemplada y era ajena a nosotros.</a:t>
+                      </a:r>
+                      <a:endParaRPr lang="es-MX" sz="700" b="0" i="0" u="none" strike="noStrike">
+                        <a:solidFill>
+                          <a:srgbClr val="000000"/>
+                        </a:solidFill>
+                        <a:effectLst/>
+                        <a:latin typeface="Arial"/>
+                      </a:endParaRPr>
+                    </a:p>
+                  </a:txBody>
+                  <a:tcPr marL="6920" marR="6920" marT="6920" marB="0" anchor="ctr"/>
+                </a:tc>
+                <a:tc>
+                  <a:txBody>
+                    <a:bodyPr/>
+                    <a:lstStyle/>
+                    <a:p>
+                      <a:pPr algn="l" fontAlgn="ctr"/>
+                      <a:r>
+                        <a:rPr lang="es-MX" sz="700" u="none" strike="noStrike">
+                          <a:effectLst/>
+                        </a:rPr>
+                        <a:t>Negociar con el cliente. Presentando el plan y mostrándole una nueva fecha de entrega</a:t>
+                      </a:r>
+                      <a:endParaRPr lang="es-MX" sz="700" b="0" i="0" u="none" strike="noStrike">
+                        <a:solidFill>
+                          <a:srgbClr val="000000"/>
+                        </a:solidFill>
+                        <a:effectLst/>
+                        <a:latin typeface="Arial"/>
+                      </a:endParaRPr>
+                    </a:p>
+                  </a:txBody>
+                  <a:tcPr marL="6920" marR="6920" marT="6920" marB="0" anchor="ctr"/>
+                </a:tc>
+                <a:tc>
+                  <a:txBody>
+                    <a:bodyPr/>
+                    <a:lstStyle/>
+                    <a:p>
+                      <a:pPr algn="l" fontAlgn="ctr"/>
+                      <a:r>
+                        <a:rPr lang="es-MX" sz="700" u="none" strike="noStrike" dirty="0">
+                          <a:effectLst/>
+                        </a:rPr>
+                        <a:t>LBPG</a:t>
+                      </a:r>
+                      <a:endParaRPr lang="es-MX" sz="700" b="0" i="0" u="none" strike="noStrike" dirty="0">
+                        <a:solidFill>
+                          <a:srgbClr val="000000"/>
+                        </a:solidFill>
+                        <a:effectLst/>
+                        <a:latin typeface="Arial"/>
+                      </a:endParaRPr>
+                    </a:p>
+                  </a:txBody>
+                  <a:tcPr marL="6920" marR="6920" marT="6920" marB="0" anchor="ctr"/>
+                </a:tc>
+              </a:tr>
+            </a:tbl>
+          </a:graphicData>
+        </a:graphic>
+      </p:graphicFrame>
     </p:spTree>
   </p:cSld>
   <p:clrMapOvr>
@@ -6238,7 +7976,7 @@
           <a:graphicData uri="http://schemas.openxmlformats.org/presentationml/2006/ole">
             <mc:AlternateContent xmlns:mc="http://schemas.openxmlformats.org/markup-compatibility/2006">
               <mc:Choice xmlns:v="urn:schemas-microsoft-com:vml" Requires="v">
-                <p:oleObj spid="_x0000_s2055" name="Hoja de cálculo" r:id="rId4" imgW="8001047" imgH="6667629" progId="Excel.Sheet.12">
+                <p:oleObj spid="_x0000_s2056" name="Hoja de cálculo" r:id="rId4" imgW="8001047" imgH="6667629" progId="Excel.Sheet.12">
                   <p:embed/>
                 </p:oleObj>
               </mc:Choice>
@@ -7450,8 +9188,17 @@
               <a:rPr lang="es-MX" sz="2800" b="1" dirty="0">
                 <a:latin typeface="+mj-lt"/>
               </a:rPr>
-              <a:t>Pasar las materias de las cuales depende el proyecto</a:t>
-            </a:r>
+              <a:t>Pasar las materias de las cuales depende el </a:t>
+            </a:r>
+            <a:r>
+              <a:rPr lang="es-MX" sz="2800" b="1" dirty="0" smtClean="0">
+                <a:latin typeface="+mj-lt"/>
+              </a:rPr>
+              <a:t>proyecto.</a:t>
+            </a:r>
+            <a:endParaRPr lang="es-MX" sz="2800" b="1" dirty="0">
+              <a:latin typeface="+mj-lt"/>
+            </a:endParaRPr>
           </a:p>
           <a:p>
             <a:pPr marL="109728" indent="0">
@@ -7464,8 +9211,17 @@
               <a:rPr lang="es-MX" sz="2800" b="1" dirty="0">
                 <a:latin typeface="+mj-lt"/>
               </a:rPr>
-              <a:t>Liberar el servicio social</a:t>
-            </a:r>
+              <a:t>Liberar el servicio </a:t>
+            </a:r>
+            <a:r>
+              <a:rPr lang="es-MX" sz="2800" b="1" dirty="0" smtClean="0">
+                <a:latin typeface="+mj-lt"/>
+              </a:rPr>
+              <a:t>social.</a:t>
+            </a:r>
+            <a:endParaRPr lang="es-MX" sz="2800" b="1" dirty="0">
+              <a:latin typeface="+mj-lt"/>
+            </a:endParaRPr>
           </a:p>
           <a:p>
             <a:pPr fontAlgn="auto">
@@ -7583,8 +9339,9 @@
           <a:p>
             <a:r>
               <a:rPr lang="es-MX" dirty="0" smtClean="0"/>
-              <a:t>Inicio</a:t>
-            </a:r>
+              <a:t>Inicio.</a:t>
+            </a:r>
+            <a:endParaRPr lang="es-MX" dirty="0" smtClean="0"/>
           </a:p>
           <a:p>
             <a:pPr marL="109728" indent="0">
@@ -7592,8 +9349,13 @@
             </a:pPr>
             <a:r>
               <a:rPr lang="es-MX" dirty="0" smtClean="0"/>
-              <a:t>Lunes 23 de Febrero del 2015</a:t>
-            </a:r>
+              <a:t>Lunes 23 de Febrero del </a:t>
+            </a:r>
+            <a:r>
+              <a:rPr lang="es-MX" dirty="0" smtClean="0"/>
+              <a:t>2015.</a:t>
+            </a:r>
+            <a:endParaRPr lang="es-MX" dirty="0" smtClean="0"/>
           </a:p>
           <a:p>
             <a:pPr marL="109728" indent="0">
@@ -7604,8 +9366,9 @@
           <a:p>
             <a:r>
               <a:rPr lang="es-MX" dirty="0" smtClean="0"/>
-              <a:t>Fin</a:t>
-            </a:r>
+              <a:t>Fin.</a:t>
+            </a:r>
+            <a:endParaRPr lang="es-MX" dirty="0" smtClean="0"/>
           </a:p>
           <a:p>
             <a:pPr marL="109728" indent="0">
@@ -7613,7 +9376,11 @@
             </a:pPr>
             <a:r>
               <a:rPr lang="es-MX" dirty="0" smtClean="0"/>
-              <a:t>Miércoles 25 de Noviembre del 2015</a:t>
+              <a:t>Miércoles 25 de Noviembre del </a:t>
+            </a:r>
+            <a:r>
+              <a:rPr lang="es-MX" dirty="0" smtClean="0"/>
+              <a:t>2015.</a:t>
             </a:r>
             <a:endParaRPr lang="es-MX" dirty="0"/>
           </a:p>

--- a/Documentacion/UPIIZ_PTLL_PresentaciónAprobaciónProyecto.pptx
+++ b/Documentacion/UPIIZ_PTLL_PresentaciónAprobaciónProyecto.pptx
@@ -151,6 +151,22 @@
       </a:defRPr>
     </a:lvl9pPr>
   </p:defaultTextStyle>
+  <p:extLst>
+    <p:ext uri="{EFAFB233-063F-42B5-8137-9DF3F51BA10A}">
+      <p15:sldGuideLst xmlns:p15="http://schemas.microsoft.com/office/powerpoint/2012/main">
+        <p15:guide id="1" orient="horz" pos="2160">
+          <p15:clr>
+            <a:srgbClr val="A4A3A4"/>
+          </p15:clr>
+        </p15:guide>
+        <p15:guide id="2" pos="2880">
+          <p15:clr>
+            <a:srgbClr val="A4A3A4"/>
+          </p15:clr>
+        </p15:guide>
+      </p15:sldGuideLst>
+    </p:ext>
+  </p:extLst>
 </p:presentation>
 </file>
 
@@ -276,7 +292,7 @@
               <a:pPr>
                 <a:defRPr/>
               </a:pPr>
-              <a:t>19/02/2015</a:t>
+              <a:t>20/02/2015</a:t>
             </a:fld>
             <a:endParaRPr lang="es-ES"/>
           </a:p>
@@ -505,7 +521,7 @@
               <a:pPr>
                 <a:defRPr/>
               </a:pPr>
-              <a:t>19/02/2015</a:t>
+              <a:t>20/02/2015</a:t>
             </a:fld>
             <a:endParaRPr lang="es-PE"/>
           </a:p>
@@ -1668,7 +1684,7 @@
               <a:pPr>
                 <a:defRPr/>
               </a:pPr>
-              <a:t>19/02/2015</a:t>
+              <a:t>20/02/2015</a:t>
             </a:fld>
             <a:endParaRPr lang="es-PE"/>
           </a:p>
@@ -1879,7 +1895,7 @@
               <a:pPr>
                 <a:defRPr/>
               </a:pPr>
-              <a:t>19/02/2015</a:t>
+              <a:t>20/02/2015</a:t>
             </a:fld>
             <a:endParaRPr lang="es-PE"/>
           </a:p>
@@ -2079,7 +2095,7 @@
               <a:pPr>
                 <a:defRPr/>
               </a:pPr>
-              <a:t>19/02/2015</a:t>
+              <a:t>20/02/2015</a:t>
             </a:fld>
             <a:endParaRPr lang="es-PE"/>
           </a:p>
@@ -2244,7 +2260,7 @@
               <a:pPr>
                 <a:defRPr/>
               </a:pPr>
-              <a:t>19/02/2015</a:t>
+              <a:t>20/02/2015</a:t>
             </a:fld>
             <a:endParaRPr lang="es-PE"/>
           </a:p>
@@ -2514,7 +2530,7 @@
               <a:pPr>
                 <a:defRPr/>
               </a:pPr>
-              <a:t>19/02/2015</a:t>
+              <a:t>20/02/2015</a:t>
             </a:fld>
             <a:endParaRPr lang="es-PE"/>
           </a:p>
@@ -2938,7 +2954,7 @@
               <a:pPr>
                 <a:defRPr/>
               </a:pPr>
-              <a:t>19/02/2015</a:t>
+              <a:t>20/02/2015</a:t>
             </a:fld>
             <a:endParaRPr lang="es-PE"/>
           </a:p>
@@ -3399,7 +3415,7 @@
               <a:pPr>
                 <a:defRPr/>
               </a:pPr>
-              <a:t>19/02/2015</a:t>
+              <a:t>20/02/2015</a:t>
             </a:fld>
             <a:endParaRPr lang="es-PE"/>
           </a:p>
@@ -3515,7 +3531,7 @@
               <a:pPr>
                 <a:defRPr/>
               </a:pPr>
-              <a:t>19/02/2015</a:t>
+              <a:t>20/02/2015</a:t>
             </a:fld>
             <a:endParaRPr lang="es-PE"/>
           </a:p>
@@ -3651,7 +3667,7 @@
               <a:pPr>
                 <a:defRPr/>
               </a:pPr>
-              <a:t>19/02/2015</a:t>
+              <a:t>20/02/2015</a:t>
             </a:fld>
             <a:endParaRPr lang="es-PE"/>
           </a:p>
@@ -3940,7 +3956,7 @@
               <a:pPr>
                 <a:defRPr/>
               </a:pPr>
-              <a:t>19/02/2015</a:t>
+              <a:t>20/02/2015</a:t>
             </a:fld>
             <a:endParaRPr lang="es-PE"/>
           </a:p>
@@ -4160,7 +4176,7 @@
               <a:pPr>
                 <a:defRPr/>
               </a:pPr>
-              <a:t>19/02/2015</a:t>
+              <a:t>20/02/2015</a:t>
             </a:fld>
             <a:endParaRPr lang="es-PE"/>
           </a:p>
@@ -5284,7 +5300,7 @@
               <a:pPr>
                 <a:defRPr/>
               </a:pPr>
-              <a:t>19/02/2015</a:t>
+              <a:t>20/02/2015</a:t>
             </a:fld>
             <a:endParaRPr lang="es-PE"/>
           </a:p>
@@ -5809,7 +5825,7 @@
                 <a:ea typeface="+mj-ea"/>
                 <a:cs typeface="+mj-cs"/>
               </a:rPr>
-              <a:t>20-Febrero-2014</a:t>
+              <a:t>20-Febrero-2015</a:t>
             </a:r>
             <a:endParaRPr lang="es-ES" sz="2400" dirty="0">
               <a:solidFill>
@@ -6076,21 +6092,15 @@
       </p:sp>
       <p:graphicFrame>
         <p:nvGraphicFramePr>
-          <p:cNvPr id="2" name="1 Tabla"/>
+          <p:cNvPr id="3" name="Tabla 2"/>
           <p:cNvGraphicFramePr>
             <a:graphicFrameLocks noGrp="1"/>
           </p:cNvGraphicFramePr>
-          <p:nvPr>
-            <p:extLst>
-              <p:ext uri="{D42A27DB-BD31-4B8C-83A1-F6EECF244321}">
-                <p14:modId xmlns:p14="http://schemas.microsoft.com/office/powerpoint/2010/main" val="1646142264"/>
-              </p:ext>
-            </p:extLst>
-          </p:nvPr>
+          <p:nvPr/>
         </p:nvGraphicFramePr>
         <p:xfrm>
-          <a:off x="265236" y="1021732"/>
-          <a:ext cx="8699253" cy="3847429"/>
+          <a:off x="457200" y="1631950"/>
+          <a:ext cx="8229600" cy="3596828"/>
         </p:xfrm>
         <a:graphic>
           <a:graphicData uri="http://schemas.openxmlformats.org/drawingml/2006/table">
@@ -6099,102 +6109,15 @@
                 <a:tableStyleId>{5C22544A-7EE6-4342-B048-85BDC9FD1C3A}</a:tableStyleId>
               </a:tblPr>
               <a:tblGrid>
-                <a:gridCol w="604487"/>
-                <a:gridCol w="723922"/>
-                <a:gridCol w="545989"/>
-                <a:gridCol w="3110184"/>
-                <a:gridCol w="3110184"/>
-                <a:gridCol w="604487"/>
+                <a:gridCol w="183844"/>
+                <a:gridCol w="643456"/>
+                <a:gridCol w="2719369"/>
+                <a:gridCol w="2719369"/>
+                <a:gridCol w="633242"/>
+                <a:gridCol w="758359"/>
+                <a:gridCol w="571961"/>
               </a:tblGrid>
-              <a:tr h="147644">
-                <a:tc gridSpan="3">
-                  <a:txBody>
-                    <a:bodyPr/>
-                    <a:lstStyle/>
-                    <a:p>
-                      <a:pPr algn="ctr" fontAlgn="ctr"/>
-                      <a:r>
-                        <a:rPr lang="es-MX" sz="700" u="none" strike="noStrike" dirty="0">
-                          <a:effectLst/>
-                        </a:rPr>
-                        <a:t>EVALUACIÓN DEL RIESGO</a:t>
-                      </a:r>
-                      <a:endParaRPr lang="es-MX" sz="700" b="1" i="0" u="none" strike="noStrike" dirty="0">
-                        <a:solidFill>
-                          <a:srgbClr val="FFFFFF"/>
-                        </a:solidFill>
-                        <a:effectLst/>
-                        <a:latin typeface="Arial"/>
-                      </a:endParaRPr>
-                    </a:p>
-                  </a:txBody>
-                  <a:tcPr marL="6920" marR="6920" marT="6920" marB="0" anchor="ctr"/>
-                </a:tc>
-                <a:tc hMerge="1">
-                  <a:txBody>
-                    <a:bodyPr/>
-                    <a:lstStyle/>
-                    <a:p>
-                      <a:endParaRPr lang="es-MX"/>
-                    </a:p>
-                  </a:txBody>
-                  <a:tcPr/>
-                </a:tc>
-                <a:tc hMerge="1">
-                  <a:txBody>
-                    <a:bodyPr/>
-                    <a:lstStyle/>
-                    <a:p>
-                      <a:endParaRPr lang="es-MX"/>
-                    </a:p>
-                  </a:txBody>
-                  <a:tcPr/>
-                </a:tc>
-                <a:tc gridSpan="3">
-                  <a:txBody>
-                    <a:bodyPr/>
-                    <a:lstStyle/>
-                    <a:p>
-                      <a:pPr algn="ctr" fontAlgn="ctr"/>
-                      <a:r>
-                        <a:rPr lang="es-MX" sz="700" u="none" strike="noStrike">
-                          <a:effectLst/>
-                        </a:rPr>
-                        <a:t>ADMINISTRACIÓN DEL RIESGO</a:t>
-                      </a:r>
-                      <a:endParaRPr lang="es-MX" sz="700" b="1" i="0" u="none" strike="noStrike">
-                        <a:solidFill>
-                          <a:srgbClr val="FFFFFF"/>
-                        </a:solidFill>
-                        <a:effectLst/>
-                        <a:latin typeface="Arial"/>
-                      </a:endParaRPr>
-                    </a:p>
-                  </a:txBody>
-                  <a:tcPr marL="6920" marR="6920" marT="6920" marB="0" anchor="ctr"/>
-                </a:tc>
-                <a:tc hMerge="1">
-                  <a:txBody>
-                    <a:bodyPr/>
-                    <a:lstStyle/>
-                    <a:p>
-                      <a:endParaRPr lang="es-MX"/>
-                    </a:p>
-                  </a:txBody>
-                  <a:tcPr/>
-                </a:tc>
-                <a:tc hMerge="1">
-                  <a:txBody>
-                    <a:bodyPr/>
-                    <a:lstStyle/>
-                    <a:p>
-                      <a:endParaRPr lang="es-MX"/>
-                    </a:p>
-                  </a:txBody>
-                  <a:tcPr/>
-                </a:tc>
-              </a:tr>
-              <a:tr h="303973">
+              <a:tr h="268357">
                 <a:tc>
                   <a:txBody>
                     <a:bodyPr/>
@@ -6202,18 +6125,18 @@
                     <a:p>
                       <a:pPr algn="ctr" fontAlgn="ctr"/>
                       <a:r>
-                        <a:rPr lang="es-MX" sz="700" u="none" strike="noStrike">
+                        <a:rPr lang="es-MX" sz="800" u="none" strike="noStrike">
                           <a:effectLst/>
                         </a:rPr>
-                        <a:t>Severidad</a:t>
+                        <a:t>Id</a:t>
                       </a:r>
-                      <a:endParaRPr lang="es-MX" sz="700" b="0" i="0" u="none" strike="noStrike">
+                      <a:endParaRPr lang="es-MX" sz="800" b="0" i="0" u="none" strike="noStrike">
                         <a:effectLst/>
-                        <a:latin typeface="Arial"/>
+                        <a:latin typeface="Arial" panose="020B0604020202020204" pitchFamily="34" charset="0"/>
                       </a:endParaRPr>
                     </a:p>
                   </a:txBody>
-                  <a:tcPr marL="6920" marR="6920" marT="6920" marB="0" anchor="ctr"/>
+                  <a:tcPr marL="7667" marR="7667" marT="7667" marB="0" anchor="ctr"/>
                 </a:tc>
                 <a:tc>
                   <a:txBody>
@@ -6222,18 +6145,18 @@
                     <a:p>
                       <a:pPr algn="ctr" fontAlgn="ctr"/>
                       <a:r>
-                        <a:rPr lang="es-MX" sz="700" u="none" strike="noStrike">
+                        <a:rPr lang="es-MX" sz="800" u="none" strike="noStrike">
                           <a:effectLst/>
                         </a:rPr>
-                        <a:t>Probabilidad</a:t>
+                        <a:t>Fecha de identificación</a:t>
                       </a:r>
-                      <a:endParaRPr lang="es-MX" sz="700" b="0" i="0" u="none" strike="noStrike">
+                      <a:endParaRPr lang="es-MX" sz="800" b="0" i="0" u="none" strike="noStrike">
                         <a:effectLst/>
-                        <a:latin typeface="Arial"/>
+                        <a:latin typeface="Arial" panose="020B0604020202020204" pitchFamily="34" charset="0"/>
                       </a:endParaRPr>
                     </a:p>
                   </a:txBody>
-                  <a:tcPr marL="6920" marR="6920" marT="6920" marB="0" anchor="ctr"/>
+                  <a:tcPr marL="7667" marR="7667" marT="7667" marB="0" anchor="ctr"/>
                 </a:tc>
                 <a:tc>
                   <a:txBody>
@@ -6242,18 +6165,18 @@
                     <a:p>
                       <a:pPr algn="ctr" fontAlgn="ctr"/>
                       <a:r>
-                        <a:rPr lang="es-MX" sz="700" u="none" strike="noStrike">
+                        <a:rPr lang="es-MX" sz="800" u="none" strike="noStrike">
                           <a:effectLst/>
                         </a:rPr>
-                        <a:t>Prioridad de atención</a:t>
+                        <a:t>Descripción</a:t>
                       </a:r>
-                      <a:endParaRPr lang="es-MX" sz="700" b="0" i="0" u="none" strike="noStrike">
+                      <a:endParaRPr lang="es-MX" sz="800" b="0" i="0" u="none" strike="noStrike">
                         <a:effectLst/>
-                        <a:latin typeface="Arial"/>
+                        <a:latin typeface="Arial" panose="020B0604020202020204" pitchFamily="34" charset="0"/>
                       </a:endParaRPr>
                     </a:p>
                   </a:txBody>
-                  <a:tcPr marL="6920" marR="6920" marT="6920" marB="0" anchor="ctr"/>
+                  <a:tcPr marL="7667" marR="7667" marT="7667" marB="0" anchor="ctr"/>
                 </a:tc>
                 <a:tc>
                   <a:txBody>
@@ -6262,18 +6185,18 @@
                     <a:p>
                       <a:pPr algn="ctr" fontAlgn="ctr"/>
                       <a:r>
-                        <a:rPr lang="es-MX" sz="700" u="none" strike="noStrike">
+                        <a:rPr lang="es-MX" sz="800" u="none" strike="noStrike">
                           <a:effectLst/>
                         </a:rPr>
-                        <a:t>Plan de contingencia</a:t>
+                        <a:t>Consecuencias</a:t>
                       </a:r>
-                      <a:endParaRPr lang="es-MX" sz="700" b="0" i="0" u="none" strike="noStrike">
+                      <a:endParaRPr lang="es-MX" sz="800" b="0" i="0" u="none" strike="noStrike">
                         <a:effectLst/>
-                        <a:latin typeface="Arial"/>
+                        <a:latin typeface="Arial" panose="020B0604020202020204" pitchFamily="34" charset="0"/>
                       </a:endParaRPr>
                     </a:p>
                   </a:txBody>
-                  <a:tcPr marL="6920" marR="6920" marT="6920" marB="0" anchor="ctr"/>
+                  <a:tcPr marL="7667" marR="7667" marT="7667" marB="0" anchor="ctr"/>
                 </a:tc>
                 <a:tc>
                   <a:txBody>
@@ -6282,18 +6205,18 @@
                     <a:p>
                       <a:pPr algn="ctr" fontAlgn="ctr"/>
                       <a:r>
-                        <a:rPr lang="es-MX" sz="700" u="none" strike="noStrike">
+                        <a:rPr lang="es-MX" sz="800" u="none" strike="noStrike">
                           <a:effectLst/>
                         </a:rPr>
-                        <a:t>Plan de mitigación</a:t>
+                        <a:t>Severidad</a:t>
                       </a:r>
-                      <a:endParaRPr lang="es-MX" sz="700" b="0" i="0" u="none" strike="noStrike">
+                      <a:endParaRPr lang="es-MX" sz="800" b="0" i="0" u="none" strike="noStrike">
                         <a:effectLst/>
-                        <a:latin typeface="Arial"/>
+                        <a:latin typeface="Arial" panose="020B0604020202020204" pitchFamily="34" charset="0"/>
                       </a:endParaRPr>
                     </a:p>
                   </a:txBody>
-                  <a:tcPr marL="6920" marR="6920" marT="6920" marB="0" anchor="ctr"/>
+                  <a:tcPr marL="7667" marR="7667" marT="7667" marB="0" anchor="ctr"/>
                 </a:tc>
                 <a:tc>
                   <a:txBody>
@@ -6302,40 +6225,18 @@
                     <a:p>
                       <a:pPr algn="ctr" fontAlgn="ctr"/>
                       <a:r>
-                        <a:rPr lang="es-MX" sz="700" u="none" strike="noStrike">
+                        <a:rPr lang="es-MX" sz="800" u="none" strike="noStrike">
                           <a:effectLst/>
                         </a:rPr>
-                        <a:t>Responsable</a:t>
+                        <a:t>Probabilidad</a:t>
                       </a:r>
-                      <a:endParaRPr lang="es-MX" sz="700" b="0" i="0" u="none" strike="noStrike">
+                      <a:endParaRPr lang="es-MX" sz="800" b="0" i="0" u="none" strike="noStrike">
                         <a:effectLst/>
-                        <a:latin typeface="Arial"/>
+                        <a:latin typeface="Arial" panose="020B0604020202020204" pitchFamily="34" charset="0"/>
                       </a:endParaRPr>
                     </a:p>
                   </a:txBody>
-                  <a:tcPr marL="6920" marR="6920" marT="6920" marB="0" anchor="ctr"/>
-                </a:tc>
-              </a:tr>
-              <a:tr h="295288">
-                <a:tc>
-                  <a:txBody>
-                    <a:bodyPr/>
-                    <a:lstStyle/>
-                    <a:p>
-                      <a:pPr algn="ctr" fontAlgn="ctr"/>
-                      <a:r>
-                        <a:rPr lang="es-MX" sz="700" u="none" strike="noStrike">
-                          <a:effectLst/>
-                        </a:rPr>
-                        <a:t> </a:t>
-                      </a:r>
-                      <a:endParaRPr lang="es-MX" sz="700" b="0" i="0" u="none" strike="noStrike">
-                        <a:effectLst/>
-                        <a:latin typeface="Arial"/>
-                      </a:endParaRPr>
-                    </a:p>
-                  </a:txBody>
-                  <a:tcPr marL="6920" marR="6920" marT="6920" marB="0" anchor="ctr"/>
+                  <a:tcPr marL="7667" marR="7667" marT="7667" marB="0" anchor="ctr"/>
                 </a:tc>
                 <a:tc>
                   <a:txBody>
@@ -6344,18 +6245,40 @@
                     <a:p>
                       <a:pPr algn="ctr" fontAlgn="ctr"/>
                       <a:r>
-                        <a:rPr lang="es-MX" sz="700" u="none" strike="noStrike">
+                        <a:rPr lang="es-MX" sz="800" u="none" strike="noStrike">
+                          <a:effectLst/>
+                        </a:rPr>
+                        <a:t>Prioridad de atención</a:t>
+                      </a:r>
+                      <a:endParaRPr lang="es-MX" sz="800" b="0" i="0" u="none" strike="noStrike">
+                        <a:effectLst/>
+                        <a:latin typeface="Arial" panose="020B0604020202020204" pitchFamily="34" charset="0"/>
+                      </a:endParaRPr>
+                    </a:p>
+                  </a:txBody>
+                  <a:tcPr marL="7667" marR="7667" marT="7667" marB="0" anchor="ctr"/>
+                </a:tc>
+              </a:tr>
+              <a:tr h="260689">
+                <a:tc>
+                  <a:txBody>
+                    <a:bodyPr/>
+                    <a:lstStyle/>
+                    <a:p>
+                      <a:pPr algn="ctr" fontAlgn="ctr"/>
+                      <a:r>
+                        <a:rPr lang="es-MX" sz="800" u="none" strike="noStrike">
                           <a:effectLst/>
                         </a:rPr>
                         <a:t> </a:t>
                       </a:r>
-                      <a:endParaRPr lang="es-MX" sz="700" b="0" i="0" u="none" strike="noStrike">
+                      <a:endParaRPr lang="es-MX" sz="800" b="0" i="0" u="none" strike="noStrike">
                         <a:effectLst/>
-                        <a:latin typeface="Arial"/>
+                        <a:latin typeface="Arial" panose="020B0604020202020204" pitchFamily="34" charset="0"/>
                       </a:endParaRPr>
                     </a:p>
                   </a:txBody>
-                  <a:tcPr marL="6920" marR="6920" marT="6920" marB="0" anchor="ctr"/>
+                  <a:tcPr marL="7667" marR="7667" marT="7667" marB="0" anchor="ctr"/>
                 </a:tc>
                 <a:tc>
                   <a:txBody>
@@ -6364,18 +6287,18 @@
                     <a:p>
                       <a:pPr algn="ctr" fontAlgn="ctr"/>
                       <a:r>
-                        <a:rPr lang="es-MX" sz="700" u="none" strike="noStrike">
+                        <a:rPr lang="es-MX" sz="800" u="none" strike="noStrike">
                           <a:effectLst/>
                         </a:rPr>
-                        <a:t> </a:t>
+                        <a:t>[dd/mmm/aa]</a:t>
                       </a:r>
-                      <a:endParaRPr lang="es-MX" sz="700" b="0" i="0" u="none" strike="noStrike">
+                      <a:endParaRPr lang="es-MX" sz="800" b="0" i="0" u="none" strike="noStrike">
                         <a:effectLst/>
-                        <a:latin typeface="Arial"/>
+                        <a:latin typeface="Arial" panose="020B0604020202020204" pitchFamily="34" charset="0"/>
                       </a:endParaRPr>
                     </a:p>
                   </a:txBody>
-                  <a:tcPr marL="6920" marR="6920" marT="6920" marB="0" anchor="ctr"/>
+                  <a:tcPr marL="7667" marR="7667" marT="7667" marB="0" anchor="ctr"/>
                 </a:tc>
                 <a:tc>
                   <a:txBody>
@@ -6384,18 +6307,18 @@
                     <a:p>
                       <a:pPr algn="l" fontAlgn="ctr"/>
                       <a:r>
-                        <a:rPr lang="es-MX" sz="700" u="none" strike="noStrike">
+                        <a:rPr lang="es-MX" sz="800" u="none" strike="noStrike">
                           <a:effectLst/>
                         </a:rPr>
-                        <a:t>Describa las actividades dirigidas a evitar que el riesgo se dispare. Incluya claramente cómos y cuándos.</a:t>
+                        <a:t>Describa el riesgo lo más claramente posible.</a:t>
                       </a:r>
-                      <a:endParaRPr lang="es-MX" sz="700" b="0" i="0" u="none" strike="noStrike">
+                      <a:endParaRPr lang="es-MX" sz="800" b="0" i="0" u="none" strike="noStrike">
                         <a:effectLst/>
-                        <a:latin typeface="Arial"/>
+                        <a:latin typeface="Arial" panose="020B0604020202020204" pitchFamily="34" charset="0"/>
                       </a:endParaRPr>
                     </a:p>
                   </a:txBody>
-                  <a:tcPr marL="6920" marR="6920" marT="6920" marB="0" anchor="ctr"/>
+                  <a:tcPr marL="7667" marR="7667" marT="7667" marB="0" anchor="ctr"/>
                 </a:tc>
                 <a:tc>
                   <a:txBody>
@@ -6404,18 +6327,126 @@
                     <a:p>
                       <a:pPr algn="l" fontAlgn="ctr"/>
                       <a:r>
-                        <a:rPr lang="es-MX" sz="700" u="none" strike="noStrike">
+                        <a:rPr lang="es-MX" sz="800" u="none" strike="noStrike">
                           <a:effectLst/>
                         </a:rPr>
-                        <a:t>Describa las actividades dirigidas a administrar los problemas si el riesgo se dispara. Incluya claramente cómos y cuándos.</a:t>
+                        <a:t>Describa las consecuencias de que el riesgo se dispare.</a:t>
                       </a:r>
-                      <a:endParaRPr lang="es-MX" sz="700" b="0" i="0" u="none" strike="noStrike">
+                      <a:endParaRPr lang="es-MX" sz="800" b="0" i="0" u="none" strike="noStrike">
                         <a:effectLst/>
-                        <a:latin typeface="Arial"/>
+                        <a:latin typeface="Arial" panose="020B0604020202020204" pitchFamily="34" charset="0"/>
                       </a:endParaRPr>
                     </a:p>
                   </a:txBody>
-                  <a:tcPr marL="6920" marR="6920" marT="6920" marB="0" anchor="ctr"/>
+                  <a:tcPr marL="7667" marR="7667" marT="7667" marB="0" anchor="ctr"/>
+                </a:tc>
+                <a:tc>
+                  <a:txBody>
+                    <a:bodyPr/>
+                    <a:lstStyle/>
+                    <a:p>
+                      <a:pPr algn="ctr" fontAlgn="ctr"/>
+                      <a:r>
+                        <a:rPr lang="es-MX" sz="800" u="none" strike="noStrike">
+                          <a:effectLst/>
+                        </a:rPr>
+                        <a:t> </a:t>
+                      </a:r>
+                      <a:endParaRPr lang="es-MX" sz="800" b="0" i="0" u="none" strike="noStrike">
+                        <a:effectLst/>
+                        <a:latin typeface="Arial" panose="020B0604020202020204" pitchFamily="34" charset="0"/>
+                      </a:endParaRPr>
+                    </a:p>
+                  </a:txBody>
+                  <a:tcPr marL="7667" marR="7667" marT="7667" marB="0" anchor="ctr"/>
+                </a:tc>
+                <a:tc>
+                  <a:txBody>
+                    <a:bodyPr/>
+                    <a:lstStyle/>
+                    <a:p>
+                      <a:pPr algn="ctr" fontAlgn="ctr"/>
+                      <a:r>
+                        <a:rPr lang="es-MX" sz="800" u="none" strike="noStrike">
+                          <a:effectLst/>
+                        </a:rPr>
+                        <a:t> </a:t>
+                      </a:r>
+                      <a:endParaRPr lang="es-MX" sz="800" b="0" i="0" u="none" strike="noStrike">
+                        <a:effectLst/>
+                        <a:latin typeface="Arial" panose="020B0604020202020204" pitchFamily="34" charset="0"/>
+                      </a:endParaRPr>
+                    </a:p>
+                  </a:txBody>
+                  <a:tcPr marL="7667" marR="7667" marT="7667" marB="0" anchor="ctr"/>
+                </a:tc>
+                <a:tc>
+                  <a:txBody>
+                    <a:bodyPr/>
+                    <a:lstStyle/>
+                    <a:p>
+                      <a:pPr algn="ctr" fontAlgn="ctr"/>
+                      <a:r>
+                        <a:rPr lang="es-MX" sz="800" u="none" strike="noStrike">
+                          <a:effectLst/>
+                        </a:rPr>
+                        <a:t> </a:t>
+                      </a:r>
+                      <a:endParaRPr lang="es-MX" sz="800" b="0" i="0" u="none" strike="noStrike">
+                        <a:effectLst/>
+                        <a:latin typeface="Arial" panose="020B0604020202020204" pitchFamily="34" charset="0"/>
+                      </a:endParaRPr>
+                    </a:p>
+                  </a:txBody>
+                  <a:tcPr marL="7667" marR="7667" marT="7667" marB="0" anchor="ctr"/>
+                </a:tc>
+              </a:tr>
+              <a:tr h="260689">
+                <a:tc>
+                  <a:txBody>
+                    <a:bodyPr/>
+                    <a:lstStyle/>
+                    <a:p>
+                      <a:pPr algn="ctr" fontAlgn="ctr"/>
+                      <a:r>
+                        <a:rPr lang="es-MX" sz="800" u="none" strike="noStrike">
+                          <a:effectLst/>
+                        </a:rPr>
+                        <a:t>1</a:t>
+                      </a:r>
+                      <a:endParaRPr lang="es-MX" sz="800" b="0" i="0" u="none" strike="noStrike">
+                        <a:solidFill>
+                          <a:srgbClr val="000000"/>
+                        </a:solidFill>
+                        <a:effectLst/>
+                        <a:latin typeface="Arial" panose="020B0604020202020204" pitchFamily="34" charset="0"/>
+                      </a:endParaRPr>
+                    </a:p>
+                  </a:txBody>
+                  <a:tcPr marL="7667" marR="7667" marT="7667" marB="0" anchor="ctr"/>
+                </a:tc>
+                <a:tc>
+                  <a:txBody>
+                    <a:bodyPr/>
+                    <a:lstStyle/>
+                    <a:p>
+                      <a:pPr algn="ctr" fontAlgn="ctr"/>
+                      <a:r>
+                        <a:rPr lang="es-MX" sz="800" u="none" strike="noStrike">
+                          <a:effectLst/>
+                        </a:rPr>
+                        <a:t>10/ene/15</a:t>
+                      </a:r>
+                      <a:endParaRPr lang="es-MX" sz="800" b="0" i="0" u="none" strike="noStrike">
+                        <a:solidFill>
+                          <a:srgbClr val="000000"/>
+                        </a:solidFill>
+                        <a:effectLst/>
+                        <a:latin typeface="Arial" panose="020B0604020202020204" pitchFamily="34" charset="0"/>
+                      </a:endParaRPr>
+                    </a:p>
+                  </a:txBody>
+                  <a:tcPr marL="7667" marR="7667" marT="7667" marB="0" anchor="ctr"/>
                 </a:tc>
                 <a:tc>
                   <a:txBody>
@@ -6424,43 +6455,44 @@
                     <a:p>
                       <a:pPr algn="l" fontAlgn="ctr"/>
                       <a:r>
-                        <a:rPr lang="es-MX" sz="700" u="none" strike="noStrike">
+                        <a:rPr lang="es-MX" sz="800" u="none" strike="noStrike">
                           <a:effectLst/>
                         </a:rPr>
-                        <a:t>[Iniciales]</a:t>
+                        <a:t>Problemas en relación al desarrollo de la aplicación web.</a:t>
                       </a:r>
-                      <a:endParaRPr lang="es-MX" sz="700" b="0" i="0" u="none" strike="noStrike">
+                      <a:endParaRPr lang="es-MX" sz="800" b="0" i="0" u="none" strike="noStrike">
+                        <a:solidFill>
+                          <a:srgbClr val="000000"/>
+                        </a:solidFill>
                         <a:effectLst/>
-                        <a:latin typeface="Arial"/>
+                        <a:latin typeface="Arial" panose="020B0604020202020204" pitchFamily="34" charset="0"/>
                       </a:endParaRPr>
                     </a:p>
                   </a:txBody>
-                  <a:tcPr marL="6920" marR="6920" marT="6920" marB="0" anchor="ctr"/>
+                  <a:tcPr marL="7667" marR="7667" marT="7667" marB="0" anchor="ctr"/>
                 </a:tc>
-              </a:tr>
-              <a:tr h="295288">
                 <a:tc>
                   <a:txBody>
                     <a:bodyPr/>
                     <a:lstStyle/>
                     <a:p>
-                      <a:pPr algn="ctr" fontAlgn="ctr"/>
+                      <a:pPr algn="l" fontAlgn="ctr"/>
                       <a:r>
-                        <a:rPr lang="es-MX" sz="700" u="none" strike="noStrike">
+                        <a:rPr lang="es-MX" sz="800" u="none" strike="noStrike">
                           <a:effectLst/>
                         </a:rPr>
-                        <a:t>Alta</a:t>
+                        <a:t>Retasar la fase de desarrollo del proyecto</a:t>
                       </a:r>
-                      <a:endParaRPr lang="es-MX" sz="700" b="0" i="0" u="none" strike="noStrike">
+                      <a:endParaRPr lang="es-MX" sz="800" b="0" i="0" u="none" strike="noStrike">
                         <a:solidFill>
                           <a:srgbClr val="000000"/>
                         </a:solidFill>
                         <a:effectLst/>
-                        <a:latin typeface="Arial"/>
+                        <a:latin typeface="Arial" panose="020B0604020202020204" pitchFamily="34" charset="0"/>
                       </a:endParaRPr>
                     </a:p>
                   </a:txBody>
-                  <a:tcPr marL="6920" marR="6920" marT="6920" marB="0" anchor="ctr"/>
+                  <a:tcPr marL="7667" marR="7667" marT="7667" marB="0" anchor="ctr"/>
                 </a:tc>
                 <a:tc>
                   <a:txBody>
@@ -6469,21 +6501,21 @@
                     <a:p>
                       <a:pPr algn="ctr" fontAlgn="ctr"/>
                       <a:r>
-                        <a:rPr lang="es-MX" sz="700" u="none" strike="noStrike">
+                        <a:rPr lang="es-MX" sz="800" u="none" strike="noStrike">
                           <a:effectLst/>
                         </a:rPr>
-                        <a:t>Media</a:t>
+                        <a:t>Alta</a:t>
                       </a:r>
-                      <a:endParaRPr lang="es-MX" sz="700" b="0" i="0" u="none" strike="noStrike">
+                      <a:endParaRPr lang="es-MX" sz="800" b="0" i="0" u="none" strike="noStrike">
                         <a:solidFill>
                           <a:srgbClr val="000000"/>
                         </a:solidFill>
                         <a:effectLst/>
-                        <a:latin typeface="Arial"/>
+                        <a:latin typeface="Arial" panose="020B0604020202020204" pitchFamily="34" charset="0"/>
                       </a:endParaRPr>
                     </a:p>
                   </a:txBody>
-                  <a:tcPr marL="6920" marR="6920" marT="6920" marB="0" anchor="ctr"/>
+                  <a:tcPr marL="7667" marR="7667" marT="7667" marB="0" anchor="ctr"/>
                 </a:tc>
                 <a:tc>
                   <a:txBody>
@@ -6492,21 +6524,92 @@
                     <a:p>
                       <a:pPr algn="ctr" fontAlgn="ctr"/>
                       <a:r>
-                        <a:rPr lang="es-MX" sz="700" u="none" strike="noStrike">
+                        <a:rPr lang="es-MX" sz="800" u="none" strike="noStrike">
+                          <a:effectLst/>
+                        </a:rPr>
+                        <a:t>Media</a:t>
+                      </a:r>
+                      <a:endParaRPr lang="es-MX" sz="800" b="0" i="0" u="none" strike="noStrike">
+                        <a:solidFill>
+                          <a:srgbClr val="000000"/>
+                        </a:solidFill>
+                        <a:effectLst/>
+                        <a:latin typeface="Arial" panose="020B0604020202020204" pitchFamily="34" charset="0"/>
+                      </a:endParaRPr>
+                    </a:p>
+                  </a:txBody>
+                  <a:tcPr marL="7667" marR="7667" marT="7667" marB="0" anchor="ctr"/>
+                </a:tc>
+                <a:tc>
+                  <a:txBody>
+                    <a:bodyPr/>
+                    <a:lstStyle/>
+                    <a:p>
+                      <a:pPr algn="ctr" fontAlgn="ctr"/>
+                      <a:r>
+                        <a:rPr lang="es-MX" sz="800" u="none" strike="noStrike">
                           <a:effectLst/>
                         </a:rPr>
                         <a:t>6</a:t>
                       </a:r>
-                      <a:endParaRPr lang="es-MX" sz="700" b="1" i="0" u="none" strike="noStrike">
+                      <a:endParaRPr lang="es-MX" sz="800" b="1" i="0" u="none" strike="noStrike">
                         <a:solidFill>
                           <a:srgbClr val="9C6500"/>
                         </a:solidFill>
                         <a:effectLst/>
-                        <a:latin typeface="Arial"/>
+                        <a:latin typeface="Arial" panose="020B0604020202020204" pitchFamily="34" charset="0"/>
                       </a:endParaRPr>
                     </a:p>
                   </a:txBody>
-                  <a:tcPr marL="6920" marR="6920" marT="6920" marB="0" anchor="ctr"/>
+                  <a:tcPr marL="7667" marR="7667" marT="7667" marB="0" anchor="ctr"/>
+                </a:tc>
+              </a:tr>
+              <a:tr h="130345">
+                <a:tc>
+                  <a:txBody>
+                    <a:bodyPr/>
+                    <a:lstStyle/>
+                    <a:p>
+                      <a:pPr algn="ctr" fontAlgn="ctr"/>
+                      <a:r>
+                        <a:rPr lang="es-MX" sz="800" u="none" strike="noStrike">
+                          <a:effectLst/>
+                        </a:rPr>
+                        <a:t>2</a:t>
+                      </a:r>
+                      <a:endParaRPr lang="es-MX" sz="800" b="0" i="0" u="none" strike="noStrike">
+                        <a:solidFill>
+                          <a:srgbClr val="000000"/>
+                        </a:solidFill>
+                        <a:effectLst/>
+                        <a:latin typeface="Arial" panose="020B0604020202020204" pitchFamily="34" charset="0"/>
+                      </a:endParaRPr>
+                    </a:p>
+                  </a:txBody>
+                  <a:tcPr marL="7667" marR="7667" marT="7667" marB="0" anchor="ctr"/>
+                </a:tc>
+                <a:tc>
+                  <a:txBody>
+                    <a:bodyPr/>
+                    <a:lstStyle/>
+                    <a:p>
+                      <a:pPr algn="ctr" fontAlgn="ctr"/>
+                      <a:r>
+                        <a:rPr lang="es-MX" sz="800" u="none" strike="noStrike">
+                          <a:effectLst/>
+                        </a:rPr>
+                        <a:t>10/ene/15</a:t>
+                      </a:r>
+                      <a:endParaRPr lang="es-MX" sz="800" b="0" i="0" u="none" strike="noStrike">
+                        <a:solidFill>
+                          <a:srgbClr val="000000"/>
+                        </a:solidFill>
+                        <a:effectLst/>
+                        <a:latin typeface="Arial" panose="020B0604020202020204" pitchFamily="34" charset="0"/>
+                      </a:endParaRPr>
+                    </a:p>
+                  </a:txBody>
+                  <a:tcPr marL="7667" marR="7667" marT="7667" marB="0" anchor="ctr"/>
                 </a:tc>
                 <a:tc>
                   <a:txBody>
@@ -6515,21 +6618,21 @@
                     <a:p>
                       <a:pPr algn="l" fontAlgn="ctr"/>
                       <a:r>
-                        <a:rPr lang="es-MX" sz="700" u="none" strike="noStrike">
+                        <a:rPr lang="es-MX" sz="800" u="none" strike="noStrike">
                           <a:effectLst/>
                         </a:rPr>
-                        <a:t>Buscar sistemas que utilicen la misma tecnología para aplicaciones parecidas. Investigar más sobre desarrollo de aplicaciones web.</a:t>
+                        <a:t>No entregar a tiempo</a:t>
                       </a:r>
-                      <a:endParaRPr lang="es-MX" sz="700" b="0" i="0" u="none" strike="noStrike">
+                      <a:endParaRPr lang="es-MX" sz="800" b="0" i="0" u="none" strike="noStrike">
                         <a:solidFill>
                           <a:srgbClr val="000000"/>
                         </a:solidFill>
                         <a:effectLst/>
-                        <a:latin typeface="Arial"/>
+                        <a:latin typeface="Arial" panose="020B0604020202020204" pitchFamily="34" charset="0"/>
                       </a:endParaRPr>
                     </a:p>
                   </a:txBody>
-                  <a:tcPr marL="6920" marR="6920" marT="6920" marB="0" anchor="ctr"/>
+                  <a:tcPr marL="7667" marR="7667" marT="7667" marB="0" anchor="ctr"/>
                 </a:tc>
                 <a:tc>
                   <a:txBody>
@@ -6538,21 +6641,138 @@
                     <a:p>
                       <a:pPr algn="l" fontAlgn="ctr"/>
                       <a:r>
-                        <a:rPr lang="es-MX" sz="700" u="none" strike="noStrike">
+                        <a:rPr lang="es-MX" sz="800" u="none" strike="noStrike">
                           <a:effectLst/>
                         </a:rPr>
-                        <a:t>Consultar con expertos en el tema.</a:t>
+                        <a:t>Quedar mal con el cliente. Perder el proyecto</a:t>
                       </a:r>
-                      <a:endParaRPr lang="es-MX" sz="700" b="0" i="0" u="none" strike="noStrike">
+                      <a:endParaRPr lang="es-MX" sz="800" b="0" i="0" u="none" strike="noStrike">
                         <a:solidFill>
                           <a:srgbClr val="000000"/>
                         </a:solidFill>
                         <a:effectLst/>
-                        <a:latin typeface="Arial"/>
+                        <a:latin typeface="Arial" panose="020B0604020202020204" pitchFamily="34" charset="0"/>
                       </a:endParaRPr>
                     </a:p>
                   </a:txBody>
-                  <a:tcPr marL="6920" marR="6920" marT="6920" marB="0" anchor="ctr"/>
+                  <a:tcPr marL="7667" marR="7667" marT="7667" marB="0" anchor="ctr"/>
+                </a:tc>
+                <a:tc>
+                  <a:txBody>
+                    <a:bodyPr/>
+                    <a:lstStyle/>
+                    <a:p>
+                      <a:pPr algn="ctr" fontAlgn="ctr"/>
+                      <a:r>
+                        <a:rPr lang="es-MX" sz="800" u="none" strike="noStrike">
+                          <a:effectLst/>
+                        </a:rPr>
+                        <a:t>Alta</a:t>
+                      </a:r>
+                      <a:endParaRPr lang="es-MX" sz="800" b="0" i="0" u="none" strike="noStrike">
+                        <a:solidFill>
+                          <a:srgbClr val="000000"/>
+                        </a:solidFill>
+                        <a:effectLst/>
+                        <a:latin typeface="Arial" panose="020B0604020202020204" pitchFamily="34" charset="0"/>
+                      </a:endParaRPr>
+                    </a:p>
+                  </a:txBody>
+                  <a:tcPr marL="7667" marR="7667" marT="7667" marB="0" anchor="ctr"/>
+                </a:tc>
+                <a:tc>
+                  <a:txBody>
+                    <a:bodyPr/>
+                    <a:lstStyle/>
+                    <a:p>
+                      <a:pPr algn="ctr" fontAlgn="ctr"/>
+                      <a:r>
+                        <a:rPr lang="es-MX" sz="800" u="none" strike="noStrike">
+                          <a:effectLst/>
+                        </a:rPr>
+                        <a:t>Media</a:t>
+                      </a:r>
+                      <a:endParaRPr lang="es-MX" sz="800" b="0" i="0" u="none" strike="noStrike">
+                        <a:solidFill>
+                          <a:srgbClr val="000000"/>
+                        </a:solidFill>
+                        <a:effectLst/>
+                        <a:latin typeface="Arial" panose="020B0604020202020204" pitchFamily="34" charset="0"/>
+                      </a:endParaRPr>
+                    </a:p>
+                  </a:txBody>
+                  <a:tcPr marL="7667" marR="7667" marT="7667" marB="0" anchor="ctr"/>
+                </a:tc>
+                <a:tc>
+                  <a:txBody>
+                    <a:bodyPr/>
+                    <a:lstStyle/>
+                    <a:p>
+                      <a:pPr algn="ctr" fontAlgn="ctr"/>
+                      <a:r>
+                        <a:rPr lang="es-MX" sz="800" u="none" strike="noStrike">
+                          <a:effectLst/>
+                        </a:rPr>
+                        <a:t>6</a:t>
+                      </a:r>
+                      <a:endParaRPr lang="es-MX" sz="800" b="1" i="0" u="none" strike="noStrike">
+                        <a:solidFill>
+                          <a:srgbClr val="9C6500"/>
+                        </a:solidFill>
+                        <a:effectLst/>
+                        <a:latin typeface="Arial" panose="020B0604020202020204" pitchFamily="34" charset="0"/>
+                      </a:endParaRPr>
+                    </a:p>
+                  </a:txBody>
+                  <a:tcPr marL="7667" marR="7667" marT="7667" marB="0" anchor="ctr"/>
+                </a:tc>
+              </a:tr>
+              <a:tr h="260689">
+                <a:tc>
+                  <a:txBody>
+                    <a:bodyPr/>
+                    <a:lstStyle/>
+                    <a:p>
+                      <a:pPr algn="ctr" fontAlgn="ctr"/>
+                      <a:r>
+                        <a:rPr lang="es-MX" sz="800" u="none" strike="noStrike">
+                          <a:effectLst/>
+                        </a:rPr>
+                        <a:t>3</a:t>
+                      </a:r>
+                      <a:endParaRPr lang="es-MX" sz="800" b="0" i="0" u="none" strike="noStrike">
+                        <a:solidFill>
+                          <a:srgbClr val="000000"/>
+                        </a:solidFill>
+                        <a:effectLst/>
+                        <a:latin typeface="Arial" panose="020B0604020202020204" pitchFamily="34" charset="0"/>
+                      </a:endParaRPr>
+                    </a:p>
+                  </a:txBody>
+                  <a:tcPr marL="7667" marR="7667" marT="7667" marB="0" anchor="ctr"/>
+                </a:tc>
+                <a:tc>
+                  <a:txBody>
+                    <a:bodyPr/>
+                    <a:lstStyle/>
+                    <a:p>
+                      <a:pPr algn="ctr" fontAlgn="ctr"/>
+                      <a:r>
+                        <a:rPr lang="es-MX" sz="800" u="none" strike="noStrike">
+                          <a:effectLst/>
+                        </a:rPr>
+                        <a:t>11/ene/15</a:t>
+                      </a:r>
+                      <a:endParaRPr lang="es-MX" sz="800" b="0" i="0" u="none" strike="noStrike">
+                        <a:solidFill>
+                          <a:srgbClr val="000000"/>
+                        </a:solidFill>
+                        <a:effectLst/>
+                        <a:latin typeface="Arial" panose="020B0604020202020204" pitchFamily="34" charset="0"/>
+                      </a:endParaRPr>
+                    </a:p>
+                  </a:txBody>
+                  <a:tcPr marL="7667" marR="7667" marT="7667" marB="0" anchor="ctr"/>
                 </a:tc>
                 <a:tc>
                   <a:txBody>
@@ -6561,46 +6781,44 @@
                     <a:p>
                       <a:pPr algn="l" fontAlgn="ctr"/>
                       <a:r>
-                        <a:rPr lang="es-MX" sz="700" u="none" strike="noStrike">
+                        <a:rPr lang="es-MX" sz="800" u="none" strike="noStrike">
                           <a:effectLst/>
                         </a:rPr>
-                        <a:t>FERM</a:t>
+                        <a:t>Que el cliente no apruebe los prototipos actuales de la aplicación</a:t>
                       </a:r>
-                      <a:endParaRPr lang="es-MX" sz="700" b="0" i="0" u="none" strike="noStrike">
+                      <a:endParaRPr lang="es-MX" sz="800" b="0" i="0" u="none" strike="noStrike">
                         <a:solidFill>
                           <a:srgbClr val="000000"/>
                         </a:solidFill>
                         <a:effectLst/>
-                        <a:latin typeface="Arial"/>
+                        <a:latin typeface="Arial" panose="020B0604020202020204" pitchFamily="34" charset="0"/>
                       </a:endParaRPr>
                     </a:p>
                   </a:txBody>
-                  <a:tcPr marL="6920" marR="6920" marT="6920" marB="0" anchor="ctr"/>
+                  <a:tcPr marL="7667" marR="7667" marT="7667" marB="0" anchor="ctr"/>
                 </a:tc>
-              </a:tr>
-              <a:tr h="147644">
                 <a:tc>
                   <a:txBody>
                     <a:bodyPr/>
                     <a:lstStyle/>
                     <a:p>
-                      <a:pPr algn="ctr" fontAlgn="ctr"/>
+                      <a:pPr algn="l" fontAlgn="ctr"/>
                       <a:r>
-                        <a:rPr lang="es-MX" sz="700" u="none" strike="noStrike">
+                        <a:rPr lang="es-MX" sz="800" u="none" strike="noStrike">
                           <a:effectLst/>
                         </a:rPr>
-                        <a:t>Alta</a:t>
+                        <a:t>Retrasar el proyecto. Trabajar más de lo planeado en una fase.</a:t>
                       </a:r>
-                      <a:endParaRPr lang="es-MX" sz="700" b="0" i="0" u="none" strike="noStrike">
+                      <a:endParaRPr lang="es-MX" sz="800" b="0" i="0" u="none" strike="noStrike">
                         <a:solidFill>
                           <a:srgbClr val="000000"/>
                         </a:solidFill>
                         <a:effectLst/>
-                        <a:latin typeface="Arial"/>
+                        <a:latin typeface="Arial" panose="020B0604020202020204" pitchFamily="34" charset="0"/>
                       </a:endParaRPr>
                     </a:p>
                   </a:txBody>
-                  <a:tcPr marL="6920" marR="6920" marT="6920" marB="0" anchor="ctr"/>
+                  <a:tcPr marL="7667" marR="7667" marT="7667" marB="0" anchor="ctr"/>
                 </a:tc>
                 <a:tc>
                   <a:txBody>
@@ -6609,21 +6827,21 @@
                     <a:p>
                       <a:pPr algn="ctr" fontAlgn="ctr"/>
                       <a:r>
-                        <a:rPr lang="es-MX" sz="700" u="none" strike="noStrike">
+                        <a:rPr lang="es-MX" sz="800" u="none" strike="noStrike">
                           <a:effectLst/>
                         </a:rPr>
                         <a:t>Media</a:t>
                       </a:r>
-                      <a:endParaRPr lang="es-MX" sz="700" b="0" i="0" u="none" strike="noStrike">
+                      <a:endParaRPr lang="es-MX" sz="800" b="0" i="0" u="none" strike="noStrike">
                         <a:solidFill>
                           <a:srgbClr val="000000"/>
                         </a:solidFill>
                         <a:effectLst/>
-                        <a:latin typeface="Arial"/>
+                        <a:latin typeface="Arial" panose="020B0604020202020204" pitchFamily="34" charset="0"/>
                       </a:endParaRPr>
                     </a:p>
                   </a:txBody>
-                  <a:tcPr marL="6920" marR="6920" marT="6920" marB="0" anchor="ctr"/>
+                  <a:tcPr marL="7667" marR="7667" marT="7667" marB="0" anchor="ctr"/>
                 </a:tc>
                 <a:tc>
                   <a:txBody>
@@ -6632,21 +6850,92 @@
                     <a:p>
                       <a:pPr algn="ctr" fontAlgn="ctr"/>
                       <a:r>
-                        <a:rPr lang="es-MX" sz="700" u="none" strike="noStrike">
+                        <a:rPr lang="es-MX" sz="800" u="none" strike="noStrike">
                           <a:effectLst/>
                         </a:rPr>
-                        <a:t>6</a:t>
+                        <a:t>Media</a:t>
                       </a:r>
-                      <a:endParaRPr lang="es-MX" sz="700" b="1" i="0" u="none" strike="noStrike">
+                      <a:endParaRPr lang="es-MX" sz="800" b="0" i="0" u="none" strike="noStrike">
+                        <a:solidFill>
+                          <a:srgbClr val="000000"/>
+                        </a:solidFill>
+                        <a:effectLst/>
+                        <a:latin typeface="Arial" panose="020B0604020202020204" pitchFamily="34" charset="0"/>
+                      </a:endParaRPr>
+                    </a:p>
+                  </a:txBody>
+                  <a:tcPr marL="7667" marR="7667" marT="7667" marB="0" anchor="ctr"/>
+                </a:tc>
+                <a:tc>
+                  <a:txBody>
+                    <a:bodyPr/>
+                    <a:lstStyle/>
+                    <a:p>
+                      <a:pPr algn="ctr" fontAlgn="ctr"/>
+                      <a:r>
+                        <a:rPr lang="es-MX" sz="800" u="none" strike="noStrike">
+                          <a:effectLst/>
+                        </a:rPr>
+                        <a:t>4</a:t>
+                      </a:r>
+                      <a:endParaRPr lang="es-MX" sz="800" b="1" i="0" u="none" strike="noStrike">
                         <a:solidFill>
                           <a:srgbClr val="9C6500"/>
                         </a:solidFill>
                         <a:effectLst/>
-                        <a:latin typeface="Arial"/>
+                        <a:latin typeface="Arial" panose="020B0604020202020204" pitchFamily="34" charset="0"/>
                       </a:endParaRPr>
                     </a:p>
                   </a:txBody>
-                  <a:tcPr marL="6920" marR="6920" marT="6920" marB="0" anchor="ctr"/>
+                  <a:tcPr marL="7667" marR="7667" marT="7667" marB="0" anchor="ctr"/>
+                </a:tc>
+              </a:tr>
+              <a:tr h="260689">
+                <a:tc>
+                  <a:txBody>
+                    <a:bodyPr/>
+                    <a:lstStyle/>
+                    <a:p>
+                      <a:pPr algn="ctr" fontAlgn="ctr"/>
+                      <a:r>
+                        <a:rPr lang="es-MX" sz="800" u="none" strike="noStrike">
+                          <a:effectLst/>
+                        </a:rPr>
+                        <a:t>4</a:t>
+                      </a:r>
+                      <a:endParaRPr lang="es-MX" sz="800" b="0" i="0" u="none" strike="noStrike">
+                        <a:solidFill>
+                          <a:srgbClr val="000000"/>
+                        </a:solidFill>
+                        <a:effectLst/>
+                        <a:latin typeface="Arial" panose="020B0604020202020204" pitchFamily="34" charset="0"/>
+                      </a:endParaRPr>
+                    </a:p>
+                  </a:txBody>
+                  <a:tcPr marL="7667" marR="7667" marT="7667" marB="0" anchor="ctr"/>
+                </a:tc>
+                <a:tc>
+                  <a:txBody>
+                    <a:bodyPr/>
+                    <a:lstStyle/>
+                    <a:p>
+                      <a:pPr algn="ctr" fontAlgn="ctr"/>
+                      <a:r>
+                        <a:rPr lang="es-MX" sz="800" u="none" strike="noStrike">
+                          <a:effectLst/>
+                        </a:rPr>
+                        <a:t>11/ene/15</a:t>
+                      </a:r>
+                      <a:endParaRPr lang="es-MX" sz="800" b="0" i="0" u="none" strike="noStrike">
+                        <a:solidFill>
+                          <a:srgbClr val="000000"/>
+                        </a:solidFill>
+                        <a:effectLst/>
+                        <a:latin typeface="Arial" panose="020B0604020202020204" pitchFamily="34" charset="0"/>
+                      </a:endParaRPr>
+                    </a:p>
+                  </a:txBody>
+                  <a:tcPr marL="7667" marR="7667" marT="7667" marB="0" anchor="ctr"/>
                 </a:tc>
                 <a:tc>
                   <a:txBody>
@@ -6655,21 +6944,21 @@
                     <a:p>
                       <a:pPr algn="l" fontAlgn="ctr"/>
                       <a:r>
-                        <a:rPr lang="es-MX" sz="700" u="none" strike="noStrike">
+                        <a:rPr lang="es-MX" sz="800" u="none" strike="noStrike">
                           <a:effectLst/>
                         </a:rPr>
-                        <a:t>Trabajar más de lo establecido en el plan</a:t>
+                        <a:t>Que el cliente falte a la junta de revisión de prototipos programada para el jueves 15 de enero.</a:t>
                       </a:r>
-                      <a:endParaRPr lang="es-MX" sz="700" b="0" i="0" u="none" strike="noStrike">
+                      <a:endParaRPr lang="es-MX" sz="800" b="0" i="0" u="none" strike="noStrike">
                         <a:solidFill>
                           <a:srgbClr val="000000"/>
                         </a:solidFill>
                         <a:effectLst/>
-                        <a:latin typeface="Arial"/>
+                        <a:latin typeface="Arial" panose="020B0604020202020204" pitchFamily="34" charset="0"/>
                       </a:endParaRPr>
                     </a:p>
                   </a:txBody>
-                  <a:tcPr marL="6920" marR="6920" marT="6920" marB="0" anchor="ctr"/>
+                  <a:tcPr marL="7667" marR="7667" marT="7667" marB="0" anchor="ctr"/>
                 </a:tc>
                 <a:tc>
                   <a:txBody>
@@ -6678,21 +6967,301 @@
                     <a:p>
                       <a:pPr algn="l" fontAlgn="ctr"/>
                       <a:r>
-                        <a:rPr lang="es-MX" sz="700" u="none" strike="noStrike">
+                        <a:rPr lang="es-MX" sz="800" u="none" strike="noStrike">
                           <a:effectLst/>
                         </a:rPr>
-                        <a:t>Presentarle al cliente un nuevo plan, además de avance tangibles.</a:t>
+                        <a:t>Retraso en el plan de trabajo del proyecto.</a:t>
                       </a:r>
-                      <a:endParaRPr lang="es-MX" sz="700" b="0" i="0" u="none" strike="noStrike">
+                      <a:endParaRPr lang="es-MX" sz="800" b="0" i="0" u="none" strike="noStrike">
                         <a:solidFill>
                           <a:srgbClr val="000000"/>
                         </a:solidFill>
                         <a:effectLst/>
-                        <a:latin typeface="Arial"/>
+                        <a:latin typeface="Arial" panose="020B0604020202020204" pitchFamily="34" charset="0"/>
                       </a:endParaRPr>
                     </a:p>
                   </a:txBody>
-                  <a:tcPr marL="6920" marR="6920" marT="6920" marB="0" anchor="ctr"/>
+                  <a:tcPr marL="7667" marR="7667" marT="7667" marB="0" anchor="ctr"/>
+                </a:tc>
+                <a:tc>
+                  <a:txBody>
+                    <a:bodyPr/>
+                    <a:lstStyle/>
+                    <a:p>
+                      <a:pPr algn="ctr" fontAlgn="ctr"/>
+                      <a:r>
+                        <a:rPr lang="es-MX" sz="800" u="none" strike="noStrike">
+                          <a:effectLst/>
+                        </a:rPr>
+                        <a:t>Media</a:t>
+                      </a:r>
+                      <a:endParaRPr lang="es-MX" sz="800" b="0" i="0" u="none" strike="noStrike">
+                        <a:solidFill>
+                          <a:srgbClr val="000000"/>
+                        </a:solidFill>
+                        <a:effectLst/>
+                        <a:latin typeface="Arial" panose="020B0604020202020204" pitchFamily="34" charset="0"/>
+                      </a:endParaRPr>
+                    </a:p>
+                  </a:txBody>
+                  <a:tcPr marL="7667" marR="7667" marT="7667" marB="0" anchor="ctr"/>
+                </a:tc>
+                <a:tc>
+                  <a:txBody>
+                    <a:bodyPr/>
+                    <a:lstStyle/>
+                    <a:p>
+                      <a:pPr algn="ctr" fontAlgn="ctr"/>
+                      <a:r>
+                        <a:rPr lang="es-MX" sz="800" u="none" strike="noStrike">
+                          <a:effectLst/>
+                        </a:rPr>
+                        <a:t>Media</a:t>
+                      </a:r>
+                      <a:endParaRPr lang="es-MX" sz="800" b="0" i="0" u="none" strike="noStrike">
+                        <a:solidFill>
+                          <a:srgbClr val="000000"/>
+                        </a:solidFill>
+                        <a:effectLst/>
+                        <a:latin typeface="Arial" panose="020B0604020202020204" pitchFamily="34" charset="0"/>
+                      </a:endParaRPr>
+                    </a:p>
+                  </a:txBody>
+                  <a:tcPr marL="7667" marR="7667" marT="7667" marB="0" anchor="ctr"/>
+                </a:tc>
+                <a:tc>
+                  <a:txBody>
+                    <a:bodyPr/>
+                    <a:lstStyle/>
+                    <a:p>
+                      <a:pPr algn="ctr" fontAlgn="ctr"/>
+                      <a:r>
+                        <a:rPr lang="es-MX" sz="800" u="none" strike="noStrike">
+                          <a:effectLst/>
+                        </a:rPr>
+                        <a:t>4</a:t>
+                      </a:r>
+                      <a:endParaRPr lang="es-MX" sz="800" b="1" i="0" u="none" strike="noStrike">
+                        <a:solidFill>
+                          <a:srgbClr val="9C6500"/>
+                        </a:solidFill>
+                        <a:effectLst/>
+                        <a:latin typeface="Arial" panose="020B0604020202020204" pitchFamily="34" charset="0"/>
+                      </a:endParaRPr>
+                    </a:p>
+                  </a:txBody>
+                  <a:tcPr marL="7667" marR="7667" marT="7667" marB="0" anchor="ctr"/>
+                </a:tc>
+              </a:tr>
+              <a:tr h="260689">
+                <a:tc>
+                  <a:txBody>
+                    <a:bodyPr/>
+                    <a:lstStyle/>
+                    <a:p>
+                      <a:pPr algn="ctr" fontAlgn="ctr"/>
+                      <a:r>
+                        <a:rPr lang="es-MX" sz="800" u="none" strike="noStrike">
+                          <a:effectLst/>
+                        </a:rPr>
+                        <a:t>5</a:t>
+                      </a:r>
+                      <a:endParaRPr lang="es-MX" sz="800" b="0" i="0" u="none" strike="noStrike">
+                        <a:solidFill>
+                          <a:srgbClr val="000000"/>
+                        </a:solidFill>
+                        <a:effectLst/>
+                        <a:latin typeface="Arial" panose="020B0604020202020204" pitchFamily="34" charset="0"/>
+                      </a:endParaRPr>
+                    </a:p>
+                  </a:txBody>
+                  <a:tcPr marL="7667" marR="7667" marT="7667" marB="0" anchor="ctr"/>
+                </a:tc>
+                <a:tc>
+                  <a:txBody>
+                    <a:bodyPr/>
+                    <a:lstStyle/>
+                    <a:p>
+                      <a:pPr algn="ctr" fontAlgn="b"/>
+                      <a:r>
+                        <a:rPr lang="es-MX" sz="800" u="none" strike="noStrike">
+                          <a:effectLst/>
+                        </a:rPr>
+                        <a:t>11-ene-15</a:t>
+                      </a:r>
+                      <a:endParaRPr lang="es-MX" sz="800" b="0" i="0" u="none" strike="noStrike">
+                        <a:solidFill>
+                          <a:srgbClr val="000000"/>
+                        </a:solidFill>
+                        <a:effectLst/>
+                        <a:latin typeface="Arial" panose="020B0604020202020204" pitchFamily="34" charset="0"/>
+                      </a:endParaRPr>
+                    </a:p>
+                  </a:txBody>
+                  <a:tcPr marL="7667" marR="7667" marT="7667" marB="0" anchor="b"/>
+                </a:tc>
+                <a:tc>
+                  <a:txBody>
+                    <a:bodyPr/>
+                    <a:lstStyle/>
+                    <a:p>
+                      <a:pPr algn="l" fontAlgn="b"/>
+                      <a:r>
+                        <a:rPr lang="es-MX" sz="800" u="none" strike="noStrike">
+                          <a:effectLst/>
+                        </a:rPr>
+                        <a:t>No tener el software requerido para trabajar en alguna de las fases de desarrollo del proyecto</a:t>
+                      </a:r>
+                      <a:endParaRPr lang="es-MX" sz="800" b="0" i="0" u="none" strike="noStrike">
+                        <a:solidFill>
+                          <a:srgbClr val="000000"/>
+                        </a:solidFill>
+                        <a:effectLst/>
+                        <a:latin typeface="Arial" panose="020B0604020202020204" pitchFamily="34" charset="0"/>
+                      </a:endParaRPr>
+                    </a:p>
+                  </a:txBody>
+                  <a:tcPr marL="7667" marR="7667" marT="7667" marB="0" anchor="b"/>
+                </a:tc>
+                <a:tc>
+                  <a:txBody>
+                    <a:bodyPr/>
+                    <a:lstStyle/>
+                    <a:p>
+                      <a:pPr algn="l" fontAlgn="b"/>
+                      <a:r>
+                        <a:rPr lang="es-MX" sz="800" u="none" strike="noStrike">
+                          <a:effectLst/>
+                        </a:rPr>
+                        <a:t>Retrasar la entrega del proyecto.</a:t>
+                      </a:r>
+                      <a:endParaRPr lang="es-MX" sz="800" b="0" i="0" u="none" strike="noStrike">
+                        <a:solidFill>
+                          <a:srgbClr val="000000"/>
+                        </a:solidFill>
+                        <a:effectLst/>
+                        <a:latin typeface="Arial" panose="020B0604020202020204" pitchFamily="34" charset="0"/>
+                      </a:endParaRPr>
+                    </a:p>
+                  </a:txBody>
+                  <a:tcPr marL="7667" marR="7667" marT="7667" marB="0" anchor="b"/>
+                </a:tc>
+                <a:tc>
+                  <a:txBody>
+                    <a:bodyPr/>
+                    <a:lstStyle/>
+                    <a:p>
+                      <a:pPr algn="ctr" fontAlgn="ctr"/>
+                      <a:r>
+                        <a:rPr lang="es-MX" sz="800" u="none" strike="noStrike">
+                          <a:effectLst/>
+                        </a:rPr>
+                        <a:t>Media</a:t>
+                      </a:r>
+                      <a:endParaRPr lang="es-MX" sz="800" b="0" i="0" u="none" strike="noStrike">
+                        <a:solidFill>
+                          <a:srgbClr val="000000"/>
+                        </a:solidFill>
+                        <a:effectLst/>
+                        <a:latin typeface="Arial" panose="020B0604020202020204" pitchFamily="34" charset="0"/>
+                      </a:endParaRPr>
+                    </a:p>
+                  </a:txBody>
+                  <a:tcPr marL="7667" marR="7667" marT="7667" marB="0" anchor="ctr"/>
+                </a:tc>
+                <a:tc>
+                  <a:txBody>
+                    <a:bodyPr/>
+                    <a:lstStyle/>
+                    <a:p>
+                      <a:pPr algn="ctr" fontAlgn="ctr"/>
+                      <a:r>
+                        <a:rPr lang="es-MX" sz="800" u="none" strike="noStrike">
+                          <a:effectLst/>
+                        </a:rPr>
+                        <a:t>Baja</a:t>
+                      </a:r>
+                      <a:endParaRPr lang="es-MX" sz="800" b="0" i="0" u="none" strike="noStrike">
+                        <a:solidFill>
+                          <a:srgbClr val="000000"/>
+                        </a:solidFill>
+                        <a:effectLst/>
+                        <a:latin typeface="Arial" panose="020B0604020202020204" pitchFamily="34" charset="0"/>
+                      </a:endParaRPr>
+                    </a:p>
+                  </a:txBody>
+                  <a:tcPr marL="7667" marR="7667" marT="7667" marB="0" anchor="ctr"/>
+                </a:tc>
+                <a:tc>
+                  <a:txBody>
+                    <a:bodyPr/>
+                    <a:lstStyle/>
+                    <a:p>
+                      <a:pPr algn="ctr" fontAlgn="ctr"/>
+                      <a:r>
+                        <a:rPr lang="es-MX" sz="800" u="none" strike="noStrike">
+                          <a:effectLst/>
+                        </a:rPr>
+                        <a:t>2</a:t>
+                      </a:r>
+                      <a:endParaRPr lang="es-MX" sz="800" b="1" i="0" u="none" strike="noStrike">
+                        <a:solidFill>
+                          <a:srgbClr val="006100"/>
+                        </a:solidFill>
+                        <a:effectLst/>
+                        <a:latin typeface="Arial" panose="020B0604020202020204" pitchFamily="34" charset="0"/>
+                      </a:endParaRPr>
+                    </a:p>
+                  </a:txBody>
+                  <a:tcPr marL="7667" marR="7667" marT="7667" marB="0" anchor="ctr"/>
+                </a:tc>
+              </a:tr>
+              <a:tr h="260689">
+                <a:tc>
+                  <a:txBody>
+                    <a:bodyPr/>
+                    <a:lstStyle/>
+                    <a:p>
+                      <a:pPr algn="ctr" fontAlgn="ctr"/>
+                      <a:r>
+                        <a:rPr lang="es-MX" sz="800" u="none" strike="noStrike">
+                          <a:effectLst/>
+                        </a:rPr>
+                        <a:t>6</a:t>
+                      </a:r>
+                      <a:endParaRPr lang="es-MX" sz="800" b="0" i="0" u="none" strike="noStrike">
+                        <a:solidFill>
+                          <a:srgbClr val="000000"/>
+                        </a:solidFill>
+                        <a:effectLst/>
+                        <a:latin typeface="Arial" panose="020B0604020202020204" pitchFamily="34" charset="0"/>
+                      </a:endParaRPr>
+                    </a:p>
+                  </a:txBody>
+                  <a:tcPr marL="7667" marR="7667" marT="7667" marB="0" anchor="ctr"/>
+                </a:tc>
+                <a:tc>
+                  <a:txBody>
+                    <a:bodyPr/>
+                    <a:lstStyle/>
+                    <a:p>
+                      <a:pPr algn="ctr" fontAlgn="ctr"/>
+                      <a:r>
+                        <a:rPr lang="es-MX" sz="800" u="none" strike="noStrike">
+                          <a:effectLst/>
+                        </a:rPr>
+                        <a:t>11/ene/15</a:t>
+                      </a:r>
+                      <a:endParaRPr lang="es-MX" sz="800" b="0" i="0" u="none" strike="noStrike">
+                        <a:solidFill>
+                          <a:srgbClr val="000000"/>
+                        </a:solidFill>
+                        <a:effectLst/>
+                        <a:latin typeface="Arial" panose="020B0604020202020204" pitchFamily="34" charset="0"/>
+                      </a:endParaRPr>
+                    </a:p>
+                  </a:txBody>
+                  <a:tcPr marL="7667" marR="7667" marT="7667" marB="0" anchor="ctr"/>
                 </a:tc>
                 <a:tc>
                   <a:txBody>
@@ -6701,46 +7270,44 @@
                     <a:p>
                       <a:pPr algn="l" fontAlgn="ctr"/>
                       <a:r>
-                        <a:rPr lang="es-MX" sz="700" u="none" strike="noStrike">
+                        <a:rPr lang="es-MX" sz="800" u="none" strike="noStrike">
                           <a:effectLst/>
                         </a:rPr>
-                        <a:t>FJAM</a:t>
+                        <a:t>Una o varias personas del equipop de desarrollo no pueden presentarse a la junta del día juves 15 de enero.</a:t>
                       </a:r>
-                      <a:endParaRPr lang="es-MX" sz="700" b="0" i="0" u="none" strike="noStrike">
+                      <a:endParaRPr lang="es-MX" sz="800" b="0" i="0" u="none" strike="noStrike">
                         <a:solidFill>
                           <a:srgbClr val="000000"/>
                         </a:solidFill>
                         <a:effectLst/>
-                        <a:latin typeface="Arial"/>
+                        <a:latin typeface="Arial" panose="020B0604020202020204" pitchFamily="34" charset="0"/>
                       </a:endParaRPr>
                     </a:p>
                   </a:txBody>
-                  <a:tcPr marL="6920" marR="6920" marT="6920" marB="0" anchor="ctr"/>
+                  <a:tcPr marL="7667" marR="7667" marT="7667" marB="0" anchor="ctr"/>
                 </a:tc>
-              </a:tr>
-              <a:tr h="295288">
                 <a:tc>
                   <a:txBody>
                     <a:bodyPr/>
                     <a:lstStyle/>
                     <a:p>
-                      <a:pPr algn="ctr" fontAlgn="ctr"/>
+                      <a:pPr algn="l" fontAlgn="ctr"/>
                       <a:r>
-                        <a:rPr lang="es-MX" sz="700" u="none" strike="noStrike">
+                        <a:rPr lang="es-MX" sz="800" u="none" strike="noStrike">
                           <a:effectLst/>
                         </a:rPr>
-                        <a:t>Media</a:t>
+                        <a:t>Se pueden perder datos o indicacaciones del cliente.</a:t>
                       </a:r>
-                      <a:endParaRPr lang="es-MX" sz="700" b="0" i="0" u="none" strike="noStrike">
+                      <a:endParaRPr lang="es-MX" sz="800" b="0" i="0" u="none" strike="noStrike">
                         <a:solidFill>
                           <a:srgbClr val="000000"/>
                         </a:solidFill>
                         <a:effectLst/>
-                        <a:latin typeface="Arial"/>
+                        <a:latin typeface="Arial" panose="020B0604020202020204" pitchFamily="34" charset="0"/>
                       </a:endParaRPr>
                     </a:p>
                   </a:txBody>
-                  <a:tcPr marL="6920" marR="6920" marT="6920" marB="0" anchor="ctr"/>
+                  <a:tcPr marL="7667" marR="7667" marT="7667" marB="0" anchor="ctr"/>
                 </a:tc>
                 <a:tc>
                   <a:txBody>
@@ -6749,21 +7316,21 @@
                     <a:p>
                       <a:pPr algn="ctr" fontAlgn="ctr"/>
                       <a:r>
-                        <a:rPr lang="es-MX" sz="700" u="none" strike="noStrike">
+                        <a:rPr lang="es-MX" sz="800" u="none" strike="noStrike">
                           <a:effectLst/>
                         </a:rPr>
-                        <a:t>Media</a:t>
+                        <a:t>Baja</a:t>
                       </a:r>
-                      <a:endParaRPr lang="es-MX" sz="700" b="0" i="0" u="none" strike="noStrike">
+                      <a:endParaRPr lang="es-MX" sz="800" b="0" i="0" u="none" strike="noStrike">
                         <a:solidFill>
                           <a:srgbClr val="000000"/>
                         </a:solidFill>
                         <a:effectLst/>
-                        <a:latin typeface="Arial"/>
+                        <a:latin typeface="Arial" panose="020B0604020202020204" pitchFamily="34" charset="0"/>
                       </a:endParaRPr>
                     </a:p>
                   </a:txBody>
-                  <a:tcPr marL="6920" marR="6920" marT="6920" marB="0" anchor="ctr"/>
+                  <a:tcPr marL="7667" marR="7667" marT="7667" marB="0" anchor="ctr"/>
                 </a:tc>
                 <a:tc>
                   <a:txBody>
@@ -6772,21 +7339,92 @@
                     <a:p>
                       <a:pPr algn="ctr" fontAlgn="ctr"/>
                       <a:r>
-                        <a:rPr lang="es-MX" sz="700" u="none" strike="noStrike">
+                        <a:rPr lang="es-MX" sz="800" u="none" strike="noStrike">
                           <a:effectLst/>
                         </a:rPr>
-                        <a:t>4</a:t>
+                        <a:t>Media</a:t>
                       </a:r>
-                      <a:endParaRPr lang="es-MX" sz="700" b="1" i="0" u="none" strike="noStrike">
+                      <a:endParaRPr lang="es-MX" sz="800" b="0" i="0" u="none" strike="noStrike">
                         <a:solidFill>
-                          <a:srgbClr val="9C6500"/>
+                          <a:srgbClr val="000000"/>
                         </a:solidFill>
                         <a:effectLst/>
-                        <a:latin typeface="Arial"/>
+                        <a:latin typeface="Arial" panose="020B0604020202020204" pitchFamily="34" charset="0"/>
                       </a:endParaRPr>
                     </a:p>
                   </a:txBody>
-                  <a:tcPr marL="6920" marR="6920" marT="6920" marB="0" anchor="ctr"/>
+                  <a:tcPr marL="7667" marR="7667" marT="7667" marB="0" anchor="ctr"/>
+                </a:tc>
+                <a:tc>
+                  <a:txBody>
+                    <a:bodyPr/>
+                    <a:lstStyle/>
+                    <a:p>
+                      <a:pPr algn="ctr" fontAlgn="ctr"/>
+                      <a:r>
+                        <a:rPr lang="es-MX" sz="800" u="none" strike="noStrike">
+                          <a:effectLst/>
+                        </a:rPr>
+                        <a:t>2</a:t>
+                      </a:r>
+                      <a:endParaRPr lang="es-MX" sz="800" b="1" i="0" u="none" strike="noStrike">
+                        <a:solidFill>
+                          <a:srgbClr val="006100"/>
+                        </a:solidFill>
+                        <a:effectLst/>
+                        <a:latin typeface="Arial" panose="020B0604020202020204" pitchFamily="34" charset="0"/>
+                      </a:endParaRPr>
+                    </a:p>
+                  </a:txBody>
+                  <a:tcPr marL="7667" marR="7667" marT="7667" marB="0" anchor="ctr"/>
+                </a:tc>
+              </a:tr>
+              <a:tr h="391034">
+                <a:tc>
+                  <a:txBody>
+                    <a:bodyPr/>
+                    <a:lstStyle/>
+                    <a:p>
+                      <a:pPr algn="ctr" fontAlgn="ctr"/>
+                      <a:r>
+                        <a:rPr lang="es-MX" sz="800" u="none" strike="noStrike">
+                          <a:effectLst/>
+                        </a:rPr>
+                        <a:t>7</a:t>
+                      </a:r>
+                      <a:endParaRPr lang="es-MX" sz="800" b="0" i="0" u="none" strike="noStrike">
+                        <a:solidFill>
+                          <a:srgbClr val="000000"/>
+                        </a:solidFill>
+                        <a:effectLst/>
+                        <a:latin typeface="Arial" panose="020B0604020202020204" pitchFamily="34" charset="0"/>
+                      </a:endParaRPr>
+                    </a:p>
+                  </a:txBody>
+                  <a:tcPr marL="7667" marR="7667" marT="7667" marB="0" anchor="ctr"/>
+                </a:tc>
+                <a:tc>
+                  <a:txBody>
+                    <a:bodyPr/>
+                    <a:lstStyle/>
+                    <a:p>
+                      <a:pPr algn="ctr" fontAlgn="ctr"/>
+                      <a:r>
+                        <a:rPr lang="es-MX" sz="800" u="none" strike="noStrike">
+                          <a:effectLst/>
+                        </a:rPr>
+                        <a:t>11/ene/15</a:t>
+                      </a:r>
+                      <a:endParaRPr lang="es-MX" sz="800" b="0" i="0" u="none" strike="noStrike">
+                        <a:solidFill>
+                          <a:srgbClr val="000000"/>
+                        </a:solidFill>
+                        <a:effectLst/>
+                        <a:latin typeface="Arial" panose="020B0604020202020204" pitchFamily="34" charset="0"/>
+                      </a:endParaRPr>
+                    </a:p>
+                  </a:txBody>
+                  <a:tcPr marL="7667" marR="7667" marT="7667" marB="0" anchor="ctr"/>
                 </a:tc>
                 <a:tc>
                   <a:txBody>
@@ -6795,21 +7433,21 @@
                     <a:p>
                       <a:pPr algn="l" fontAlgn="ctr"/>
                       <a:r>
-                        <a:rPr lang="es-MX" sz="700" u="none" strike="noStrike" dirty="0">
+                        <a:rPr lang="es-MX" sz="800" u="none" strike="noStrike">
                           <a:effectLst/>
                         </a:rPr>
-                        <a:t>Crear un prototipo funcional que sugiera el diseño correcto de la aplicación.</a:t>
+                        <a:t>Agentes externos al equipo de desarrollo (paros estudiantiles, por ejemplo) frenen el desarrollo del proyecto.</a:t>
                       </a:r>
-                      <a:endParaRPr lang="es-MX" sz="700" b="0" i="0" u="none" strike="noStrike" dirty="0">
+                      <a:endParaRPr lang="es-MX" sz="800" b="0" i="0" u="none" strike="noStrike">
                         <a:solidFill>
                           <a:srgbClr val="000000"/>
                         </a:solidFill>
                         <a:effectLst/>
-                        <a:latin typeface="Arial"/>
+                        <a:latin typeface="Arial" panose="020B0604020202020204" pitchFamily="34" charset="0"/>
                       </a:endParaRPr>
                     </a:p>
                   </a:txBody>
-                  <a:tcPr marL="6920" marR="6920" marT="6920" marB="0" anchor="ctr"/>
+                  <a:tcPr marL="7667" marR="7667" marT="7667" marB="0" anchor="ctr"/>
                 </a:tc>
                 <a:tc>
                   <a:txBody>
@@ -6818,21 +7456,138 @@
                     <a:p>
                       <a:pPr algn="l" fontAlgn="ctr"/>
                       <a:r>
-                        <a:rPr lang="es-MX" sz="700" u="none" strike="noStrike">
+                        <a:rPr lang="es-MX" sz="800" u="none" strike="noStrike">
                           <a:effectLst/>
                         </a:rPr>
-                        <a:t>Actualizar el prototipo de tal forma que sea aprobado por el cliente</a:t>
+                        <a:t>Tener que reacomodar los planes de riesgo y del proyecto.</a:t>
                       </a:r>
-                      <a:endParaRPr lang="es-MX" sz="700" b="0" i="0" u="none" strike="noStrike">
+                      <a:endParaRPr lang="es-MX" sz="800" b="0" i="0" u="none" strike="noStrike">
                         <a:solidFill>
                           <a:srgbClr val="000000"/>
                         </a:solidFill>
                         <a:effectLst/>
-                        <a:latin typeface="Arial"/>
+                        <a:latin typeface="Arial" panose="020B0604020202020204" pitchFamily="34" charset="0"/>
                       </a:endParaRPr>
                     </a:p>
                   </a:txBody>
-                  <a:tcPr marL="6920" marR="6920" marT="6920" marB="0" anchor="ctr"/>
+                  <a:tcPr marL="7667" marR="7667" marT="7667" marB="0" anchor="ctr"/>
+                </a:tc>
+                <a:tc>
+                  <a:txBody>
+                    <a:bodyPr/>
+                    <a:lstStyle/>
+                    <a:p>
+                      <a:pPr algn="ctr" fontAlgn="ctr"/>
+                      <a:r>
+                        <a:rPr lang="es-MX" sz="800" u="none" strike="noStrike">
+                          <a:effectLst/>
+                        </a:rPr>
+                        <a:t>Media</a:t>
+                      </a:r>
+                      <a:endParaRPr lang="es-MX" sz="800" b="0" i="0" u="none" strike="noStrike">
+                        <a:solidFill>
+                          <a:srgbClr val="000000"/>
+                        </a:solidFill>
+                        <a:effectLst/>
+                        <a:latin typeface="Arial" panose="020B0604020202020204" pitchFamily="34" charset="0"/>
+                      </a:endParaRPr>
+                    </a:p>
+                  </a:txBody>
+                  <a:tcPr marL="7667" marR="7667" marT="7667" marB="0" anchor="ctr"/>
+                </a:tc>
+                <a:tc>
+                  <a:txBody>
+                    <a:bodyPr/>
+                    <a:lstStyle/>
+                    <a:p>
+                      <a:pPr algn="ctr" fontAlgn="ctr"/>
+                      <a:r>
+                        <a:rPr lang="es-MX" sz="800" u="none" strike="noStrike">
+                          <a:effectLst/>
+                        </a:rPr>
+                        <a:t>Baja</a:t>
+                      </a:r>
+                      <a:endParaRPr lang="es-MX" sz="800" b="0" i="0" u="none" strike="noStrike">
+                        <a:solidFill>
+                          <a:srgbClr val="000000"/>
+                        </a:solidFill>
+                        <a:effectLst/>
+                        <a:latin typeface="Arial" panose="020B0604020202020204" pitchFamily="34" charset="0"/>
+                      </a:endParaRPr>
+                    </a:p>
+                  </a:txBody>
+                  <a:tcPr marL="7667" marR="7667" marT="7667" marB="0" anchor="ctr"/>
+                </a:tc>
+                <a:tc>
+                  <a:txBody>
+                    <a:bodyPr/>
+                    <a:lstStyle/>
+                    <a:p>
+                      <a:pPr algn="ctr" fontAlgn="ctr"/>
+                      <a:r>
+                        <a:rPr lang="es-MX" sz="800" u="none" strike="noStrike">
+                          <a:effectLst/>
+                        </a:rPr>
+                        <a:t>2</a:t>
+                      </a:r>
+                      <a:endParaRPr lang="es-MX" sz="800" b="1" i="0" u="none" strike="noStrike">
+                        <a:solidFill>
+                          <a:srgbClr val="006100"/>
+                        </a:solidFill>
+                        <a:effectLst/>
+                        <a:latin typeface="Arial" panose="020B0604020202020204" pitchFamily="34" charset="0"/>
+                      </a:endParaRPr>
+                    </a:p>
+                  </a:txBody>
+                  <a:tcPr marL="7667" marR="7667" marT="7667" marB="0" anchor="ctr"/>
+                </a:tc>
+              </a:tr>
+              <a:tr h="260689">
+                <a:tc>
+                  <a:txBody>
+                    <a:bodyPr/>
+                    <a:lstStyle/>
+                    <a:p>
+                      <a:pPr algn="ctr" fontAlgn="ctr"/>
+                      <a:r>
+                        <a:rPr lang="es-MX" sz="800" u="none" strike="noStrike">
+                          <a:effectLst/>
+                        </a:rPr>
+                        <a:t>8</a:t>
+                      </a:r>
+                      <a:endParaRPr lang="es-MX" sz="800" b="0" i="0" u="none" strike="noStrike">
+                        <a:solidFill>
+                          <a:srgbClr val="000000"/>
+                        </a:solidFill>
+                        <a:effectLst/>
+                        <a:latin typeface="Arial" panose="020B0604020202020204" pitchFamily="34" charset="0"/>
+                      </a:endParaRPr>
+                    </a:p>
+                  </a:txBody>
+                  <a:tcPr marL="7667" marR="7667" marT="7667" marB="0" anchor="ctr"/>
+                </a:tc>
+                <a:tc>
+                  <a:txBody>
+                    <a:bodyPr/>
+                    <a:lstStyle/>
+                    <a:p>
+                      <a:pPr algn="ctr" fontAlgn="ctr"/>
+                      <a:r>
+                        <a:rPr lang="es-MX" sz="800" u="none" strike="noStrike">
+                          <a:effectLst/>
+                        </a:rPr>
+                        <a:t>11/ene/15</a:t>
+                      </a:r>
+                      <a:endParaRPr lang="es-MX" sz="800" b="0" i="0" u="none" strike="noStrike">
+                        <a:solidFill>
+                          <a:srgbClr val="000000"/>
+                        </a:solidFill>
+                        <a:effectLst/>
+                        <a:latin typeface="Arial" panose="020B0604020202020204" pitchFamily="34" charset="0"/>
+                      </a:endParaRPr>
+                    </a:p>
+                  </a:txBody>
+                  <a:tcPr marL="7667" marR="7667" marT="7667" marB="0" anchor="ctr"/>
                 </a:tc>
                 <a:tc>
                   <a:txBody>
@@ -6841,46 +7596,44 @@
                     <a:p>
                       <a:pPr algn="l" fontAlgn="ctr"/>
                       <a:r>
-                        <a:rPr lang="es-MX" sz="700" u="none" strike="noStrike">
+                        <a:rPr lang="es-MX" sz="800" u="none" strike="noStrike">
                           <a:effectLst/>
                         </a:rPr>
-                        <a:t>EPSF</a:t>
+                        <a:t>Por cuestiones escolares no se podrá cumplir con las tres horas extra escolares asiganadas para el proyecto.</a:t>
                       </a:r>
-                      <a:endParaRPr lang="es-MX" sz="700" b="0" i="0" u="none" strike="noStrike">
+                      <a:endParaRPr lang="es-MX" sz="800" b="0" i="0" u="none" strike="noStrike">
                         <a:solidFill>
                           <a:srgbClr val="000000"/>
                         </a:solidFill>
                         <a:effectLst/>
-                        <a:latin typeface="Arial"/>
+                        <a:latin typeface="Arial" panose="020B0604020202020204" pitchFamily="34" charset="0"/>
                       </a:endParaRPr>
                     </a:p>
                   </a:txBody>
-                  <a:tcPr marL="6920" marR="6920" marT="6920" marB="0" anchor="ctr"/>
+                  <a:tcPr marL="7667" marR="7667" marT="7667" marB="0" anchor="ctr"/>
                 </a:tc>
-              </a:tr>
-              <a:tr h="295288">
                 <a:tc>
                   <a:txBody>
                     <a:bodyPr/>
                     <a:lstStyle/>
                     <a:p>
-                      <a:pPr algn="ctr" fontAlgn="ctr"/>
+                      <a:pPr algn="l" fontAlgn="ctr"/>
                       <a:r>
-                        <a:rPr lang="es-MX" sz="700" u="none" strike="noStrike">
+                        <a:rPr lang="es-MX" sz="800" u="none" strike="noStrike">
                           <a:effectLst/>
                         </a:rPr>
-                        <a:t>Media</a:t>
+                        <a:t>Retrasar el proyecto. </a:t>
                       </a:r>
-                      <a:endParaRPr lang="es-MX" sz="700" b="0" i="0" u="none" strike="noStrike">
+                      <a:endParaRPr lang="es-MX" sz="800" b="0" i="0" u="none" strike="noStrike">
                         <a:solidFill>
                           <a:srgbClr val="000000"/>
                         </a:solidFill>
                         <a:effectLst/>
-                        <a:latin typeface="Arial"/>
+                        <a:latin typeface="Arial" panose="020B0604020202020204" pitchFamily="34" charset="0"/>
                       </a:endParaRPr>
                     </a:p>
                   </a:txBody>
-                  <a:tcPr marL="6920" marR="6920" marT="6920" marB="0" anchor="ctr"/>
+                  <a:tcPr marL="7667" marR="7667" marT="7667" marB="0" anchor="ctr"/>
                 </a:tc>
                 <a:tc>
                   <a:txBody>
@@ -6889,21 +7642,21 @@
                     <a:p>
                       <a:pPr algn="ctr" fontAlgn="ctr"/>
                       <a:r>
-                        <a:rPr lang="es-MX" sz="700" u="none" strike="noStrike">
+                        <a:rPr lang="es-MX" sz="800" u="none" strike="noStrike">
                           <a:effectLst/>
                         </a:rPr>
                         <a:t>Media</a:t>
                       </a:r>
-                      <a:endParaRPr lang="es-MX" sz="700" b="0" i="0" u="none" strike="noStrike">
+                      <a:endParaRPr lang="es-MX" sz="800" b="0" i="0" u="none" strike="noStrike">
                         <a:solidFill>
                           <a:srgbClr val="000000"/>
                         </a:solidFill>
                         <a:effectLst/>
-                        <a:latin typeface="Arial"/>
+                        <a:latin typeface="Arial" panose="020B0604020202020204" pitchFamily="34" charset="0"/>
                       </a:endParaRPr>
                     </a:p>
                   </a:txBody>
-                  <a:tcPr marL="6920" marR="6920" marT="6920" marB="0" anchor="ctr"/>
+                  <a:tcPr marL="7667" marR="7667" marT="7667" marB="0" anchor="ctr"/>
                 </a:tc>
                 <a:tc>
                   <a:txBody>
@@ -6912,21 +7665,92 @@
                     <a:p>
                       <a:pPr algn="ctr" fontAlgn="ctr"/>
                       <a:r>
-                        <a:rPr lang="es-MX" sz="700" u="none" strike="noStrike">
+                        <a:rPr lang="es-MX" sz="800" u="none" strike="noStrike">
+                          <a:effectLst/>
+                        </a:rPr>
+                        <a:t>Media</a:t>
+                      </a:r>
+                      <a:endParaRPr lang="es-MX" sz="800" b="0" i="0" u="none" strike="noStrike">
+                        <a:solidFill>
+                          <a:srgbClr val="000000"/>
+                        </a:solidFill>
+                        <a:effectLst/>
+                        <a:latin typeface="Arial" panose="020B0604020202020204" pitchFamily="34" charset="0"/>
+                      </a:endParaRPr>
+                    </a:p>
+                  </a:txBody>
+                  <a:tcPr marL="7667" marR="7667" marT="7667" marB="0" anchor="ctr"/>
+                </a:tc>
+                <a:tc>
+                  <a:txBody>
+                    <a:bodyPr/>
+                    <a:lstStyle/>
+                    <a:p>
+                      <a:pPr algn="ctr" fontAlgn="ctr"/>
+                      <a:r>
+                        <a:rPr lang="es-MX" sz="800" u="none" strike="noStrike">
                           <a:effectLst/>
                         </a:rPr>
                         <a:t>4</a:t>
                       </a:r>
-                      <a:endParaRPr lang="es-MX" sz="700" b="1" i="0" u="none" strike="noStrike">
+                      <a:endParaRPr lang="es-MX" sz="800" b="1" i="0" u="none" strike="noStrike">
                         <a:solidFill>
                           <a:srgbClr val="9C6500"/>
                         </a:solidFill>
                         <a:effectLst/>
-                        <a:latin typeface="Arial"/>
+                        <a:latin typeface="Arial" panose="020B0604020202020204" pitchFamily="34" charset="0"/>
                       </a:endParaRPr>
                     </a:p>
                   </a:txBody>
-                  <a:tcPr marL="6920" marR="6920" marT="6920" marB="0" anchor="ctr"/>
+                  <a:tcPr marL="7667" marR="7667" marT="7667" marB="0" anchor="ctr"/>
+                </a:tc>
+              </a:tr>
+              <a:tr h="260689">
+                <a:tc>
+                  <a:txBody>
+                    <a:bodyPr/>
+                    <a:lstStyle/>
+                    <a:p>
+                      <a:pPr algn="ctr" fontAlgn="ctr"/>
+                      <a:r>
+                        <a:rPr lang="es-MX" sz="800" u="none" strike="noStrike">
+                          <a:effectLst/>
+                        </a:rPr>
+                        <a:t>9</a:t>
+                      </a:r>
+                      <a:endParaRPr lang="es-MX" sz="800" b="0" i="0" u="none" strike="noStrike">
+                        <a:solidFill>
+                          <a:srgbClr val="000000"/>
+                        </a:solidFill>
+                        <a:effectLst/>
+                        <a:latin typeface="Arial" panose="020B0604020202020204" pitchFamily="34" charset="0"/>
+                      </a:endParaRPr>
+                    </a:p>
+                  </a:txBody>
+                  <a:tcPr marL="7667" marR="7667" marT="7667" marB="0" anchor="ctr"/>
+                </a:tc>
+                <a:tc>
+                  <a:txBody>
+                    <a:bodyPr/>
+                    <a:lstStyle/>
+                    <a:p>
+                      <a:pPr algn="ctr" fontAlgn="ctr"/>
+                      <a:r>
+                        <a:rPr lang="es-MX" sz="800" u="none" strike="noStrike">
+                          <a:effectLst/>
+                        </a:rPr>
+                        <a:t>11/ene/15</a:t>
+                      </a:r>
+                      <a:endParaRPr lang="es-MX" sz="800" b="0" i="0" u="none" strike="noStrike">
+                        <a:solidFill>
+                          <a:srgbClr val="000000"/>
+                        </a:solidFill>
+                        <a:effectLst/>
+                        <a:latin typeface="Arial" panose="020B0604020202020204" pitchFamily="34" charset="0"/>
+                      </a:endParaRPr>
+                    </a:p>
+                  </a:txBody>
+                  <a:tcPr marL="7667" marR="7667" marT="7667" marB="0" anchor="ctr"/>
                 </a:tc>
                 <a:tc>
                   <a:txBody>
@@ -6935,21 +7759,21 @@
                     <a:p>
                       <a:pPr algn="l" fontAlgn="ctr"/>
                       <a:r>
-                        <a:rPr lang="es-MX" sz="700" u="none" strike="noStrike">
+                        <a:rPr lang="es-MX" sz="800" u="none" strike="noStrike">
                           <a:effectLst/>
                         </a:rPr>
-                        <a:t>Confirmar la asistencia del cliente a la junta un día antes de la fecha planeada para ésta.</a:t>
+                        <a:t>Por alguna razón alguno de los miembros del equipo no puede asistir a las juntas de estatus.</a:t>
                       </a:r>
-                      <a:endParaRPr lang="es-MX" sz="700" b="0" i="0" u="none" strike="noStrike">
+                      <a:endParaRPr lang="es-MX" sz="800" b="0" i="0" u="none" strike="noStrike">
                         <a:solidFill>
                           <a:srgbClr val="000000"/>
                         </a:solidFill>
                         <a:effectLst/>
-                        <a:latin typeface="Arial"/>
+                        <a:latin typeface="Arial" panose="020B0604020202020204" pitchFamily="34" charset="0"/>
                       </a:endParaRPr>
                     </a:p>
                   </a:txBody>
-                  <a:tcPr marL="6920" marR="6920" marT="6920" marB="0" anchor="ctr"/>
+                  <a:tcPr marL="7667" marR="7667" marT="7667" marB="0" anchor="ctr"/>
                 </a:tc>
                 <a:tc>
                   <a:txBody>
@@ -6958,21 +7782,138 @@
                     <a:p>
                       <a:pPr algn="l" fontAlgn="ctr"/>
                       <a:r>
-                        <a:rPr lang="es-MX" sz="700" u="none" strike="noStrike">
+                        <a:rPr lang="es-MX" sz="800" u="none" strike="noStrike">
                           <a:effectLst/>
                         </a:rPr>
-                        <a:t>Programar otra junta lo antes posible.</a:t>
+                        <a:t>Perder el hilo de los avances y quizá reatrasarse en alguna tarea asignada.</a:t>
                       </a:r>
-                      <a:endParaRPr lang="es-MX" sz="700" b="0" i="0" u="none" strike="noStrike">
+                      <a:endParaRPr lang="es-MX" sz="800" b="0" i="0" u="none" strike="noStrike">
                         <a:solidFill>
                           <a:srgbClr val="000000"/>
                         </a:solidFill>
                         <a:effectLst/>
-                        <a:latin typeface="Arial"/>
+                        <a:latin typeface="Arial" panose="020B0604020202020204" pitchFamily="34" charset="0"/>
                       </a:endParaRPr>
                     </a:p>
                   </a:txBody>
-                  <a:tcPr marL="6920" marR="6920" marT="6920" marB="0" anchor="ctr"/>
+                  <a:tcPr marL="7667" marR="7667" marT="7667" marB="0" anchor="ctr"/>
+                </a:tc>
+                <a:tc>
+                  <a:txBody>
+                    <a:bodyPr/>
+                    <a:lstStyle/>
+                    <a:p>
+                      <a:pPr algn="ctr" fontAlgn="ctr"/>
+                      <a:r>
+                        <a:rPr lang="es-MX" sz="800" u="none" strike="noStrike">
+                          <a:effectLst/>
+                        </a:rPr>
+                        <a:t>Baja</a:t>
+                      </a:r>
+                      <a:endParaRPr lang="es-MX" sz="800" b="0" i="0" u="none" strike="noStrike">
+                        <a:solidFill>
+                          <a:srgbClr val="000000"/>
+                        </a:solidFill>
+                        <a:effectLst/>
+                        <a:latin typeface="Arial" panose="020B0604020202020204" pitchFamily="34" charset="0"/>
+                      </a:endParaRPr>
+                    </a:p>
+                  </a:txBody>
+                  <a:tcPr marL="7667" marR="7667" marT="7667" marB="0" anchor="ctr"/>
+                </a:tc>
+                <a:tc>
+                  <a:txBody>
+                    <a:bodyPr/>
+                    <a:lstStyle/>
+                    <a:p>
+                      <a:pPr algn="ctr" fontAlgn="ctr"/>
+                      <a:r>
+                        <a:rPr lang="es-MX" sz="800" u="none" strike="noStrike">
+                          <a:effectLst/>
+                        </a:rPr>
+                        <a:t>Alta</a:t>
+                      </a:r>
+                      <a:endParaRPr lang="es-MX" sz="800" b="0" i="0" u="none" strike="noStrike">
+                        <a:solidFill>
+                          <a:srgbClr val="000000"/>
+                        </a:solidFill>
+                        <a:effectLst/>
+                        <a:latin typeface="Arial" panose="020B0604020202020204" pitchFamily="34" charset="0"/>
+                      </a:endParaRPr>
+                    </a:p>
+                  </a:txBody>
+                  <a:tcPr marL="7667" marR="7667" marT="7667" marB="0" anchor="ctr"/>
+                </a:tc>
+                <a:tc>
+                  <a:txBody>
+                    <a:bodyPr/>
+                    <a:lstStyle/>
+                    <a:p>
+                      <a:pPr algn="ctr" fontAlgn="ctr"/>
+                      <a:r>
+                        <a:rPr lang="es-MX" sz="800" u="none" strike="noStrike">
+                          <a:effectLst/>
+                        </a:rPr>
+                        <a:t>3</a:t>
+                      </a:r>
+                      <a:endParaRPr lang="es-MX" sz="800" b="1" i="0" u="none" strike="noStrike">
+                        <a:solidFill>
+                          <a:srgbClr val="006100"/>
+                        </a:solidFill>
+                        <a:effectLst/>
+                        <a:latin typeface="Arial" panose="020B0604020202020204" pitchFamily="34" charset="0"/>
+                      </a:endParaRPr>
+                    </a:p>
+                  </a:txBody>
+                  <a:tcPr marL="7667" marR="7667" marT="7667" marB="0" anchor="ctr"/>
+                </a:tc>
+              </a:tr>
+              <a:tr h="391034">
+                <a:tc>
+                  <a:txBody>
+                    <a:bodyPr/>
+                    <a:lstStyle/>
+                    <a:p>
+                      <a:pPr algn="ctr" fontAlgn="ctr"/>
+                      <a:r>
+                        <a:rPr lang="es-MX" sz="800" u="none" strike="noStrike">
+                          <a:effectLst/>
+                        </a:rPr>
+                        <a:t>10</a:t>
+                      </a:r>
+                      <a:endParaRPr lang="es-MX" sz="800" b="0" i="0" u="none" strike="noStrike">
+                        <a:solidFill>
+                          <a:srgbClr val="000000"/>
+                        </a:solidFill>
+                        <a:effectLst/>
+                        <a:latin typeface="Arial" panose="020B0604020202020204" pitchFamily="34" charset="0"/>
+                      </a:endParaRPr>
+                    </a:p>
+                  </a:txBody>
+                  <a:tcPr marL="7667" marR="7667" marT="7667" marB="0" anchor="ctr"/>
+                </a:tc>
+                <a:tc>
+                  <a:txBody>
+                    <a:bodyPr/>
+                    <a:lstStyle/>
+                    <a:p>
+                      <a:pPr algn="ctr" fontAlgn="ctr"/>
+                      <a:r>
+                        <a:rPr lang="es-MX" sz="800" u="none" strike="noStrike">
+                          <a:effectLst/>
+                        </a:rPr>
+                        <a:t>11/ene/15</a:t>
+                      </a:r>
+                      <a:endParaRPr lang="es-MX" sz="800" b="0" i="0" u="none" strike="noStrike">
+                        <a:solidFill>
+                          <a:srgbClr val="000000"/>
+                        </a:solidFill>
+                        <a:effectLst/>
+                        <a:latin typeface="Arial" panose="020B0604020202020204" pitchFamily="34" charset="0"/>
+                      </a:endParaRPr>
+                    </a:p>
+                  </a:txBody>
+                  <a:tcPr marL="7667" marR="7667" marT="7667" marB="0" anchor="ctr"/>
                 </a:tc>
                 <a:tc>
                   <a:txBody>
@@ -6981,46 +7922,44 @@
                     <a:p>
                       <a:pPr algn="l" fontAlgn="ctr"/>
                       <a:r>
-                        <a:rPr lang="es-MX" sz="700" u="none" strike="noStrike">
+                        <a:rPr lang="es-MX" sz="800" u="none" strike="noStrike">
                           <a:effectLst/>
                         </a:rPr>
-                        <a:t>JASS</a:t>
+                        <a:t>Debido a la situación por la que pasó el IPN (ajena al equipo de desarrollo) el cliente decide no continuar con el mismo.</a:t>
                       </a:r>
-                      <a:endParaRPr lang="es-MX" sz="700" b="0" i="0" u="none" strike="noStrike">
+                      <a:endParaRPr lang="es-MX" sz="800" b="0" i="0" u="none" strike="noStrike">
                         <a:solidFill>
                           <a:srgbClr val="000000"/>
                         </a:solidFill>
                         <a:effectLst/>
-                        <a:latin typeface="Arial"/>
+                        <a:latin typeface="Arial" panose="020B0604020202020204" pitchFamily="34" charset="0"/>
                       </a:endParaRPr>
                     </a:p>
                   </a:txBody>
-                  <a:tcPr marL="6920" marR="6920" marT="6920" marB="0" anchor="ctr"/>
+                  <a:tcPr marL="7667" marR="7667" marT="7667" marB="0" anchor="ctr"/>
                 </a:tc>
-              </a:tr>
-              <a:tr h="295288">
                 <a:tc>
                   <a:txBody>
                     <a:bodyPr/>
                     <a:lstStyle/>
                     <a:p>
-                      <a:pPr algn="ctr" fontAlgn="ctr"/>
+                      <a:pPr algn="l" fontAlgn="ctr"/>
                       <a:r>
-                        <a:rPr lang="es-MX" sz="700" u="none" strike="noStrike">
+                        <a:rPr lang="es-MX" sz="800" u="none" strike="noStrike">
                           <a:effectLst/>
                         </a:rPr>
-                        <a:t>Media</a:t>
+                        <a:t>Perder el proyecto</a:t>
                       </a:r>
-                      <a:endParaRPr lang="es-MX" sz="700" b="0" i="0" u="none" strike="noStrike">
+                      <a:endParaRPr lang="es-MX" sz="800" b="0" i="0" u="none" strike="noStrike">
                         <a:solidFill>
                           <a:srgbClr val="000000"/>
                         </a:solidFill>
                         <a:effectLst/>
-                        <a:latin typeface="Arial"/>
+                        <a:latin typeface="Arial" panose="020B0604020202020204" pitchFamily="34" charset="0"/>
                       </a:endParaRPr>
                     </a:p>
                   </a:txBody>
-                  <a:tcPr marL="6920" marR="6920" marT="6920" marB="0" anchor="ctr"/>
+                  <a:tcPr marL="7667" marR="7667" marT="7667" marB="0" anchor="ctr"/>
                 </a:tc>
                 <a:tc>
                   <a:txBody>
@@ -7029,21 +7968,21 @@
                     <a:p>
                       <a:pPr algn="ctr" fontAlgn="ctr"/>
                       <a:r>
-                        <a:rPr lang="es-MX" sz="700" u="none" strike="noStrike">
+                        <a:rPr lang="es-MX" sz="800" u="none" strike="noStrike">
                           <a:effectLst/>
                         </a:rPr>
-                        <a:t>Baja</a:t>
+                        <a:t>Alta</a:t>
                       </a:r>
-                      <a:endParaRPr lang="es-MX" sz="700" b="0" i="0" u="none" strike="noStrike">
+                      <a:endParaRPr lang="es-MX" sz="800" b="0" i="0" u="none" strike="noStrike">
                         <a:solidFill>
                           <a:srgbClr val="000000"/>
                         </a:solidFill>
                         <a:effectLst/>
-                        <a:latin typeface="Arial"/>
+                        <a:latin typeface="Arial" panose="020B0604020202020204" pitchFamily="34" charset="0"/>
                       </a:endParaRPr>
                     </a:p>
                   </a:txBody>
-                  <a:tcPr marL="6920" marR="6920" marT="6920" marB="0" anchor="ctr"/>
+                  <a:tcPr marL="7667" marR="7667" marT="7667" marB="0" anchor="ctr"/>
                 </a:tc>
                 <a:tc>
                   <a:txBody>
@@ -7052,115 +7991,21 @@
                     <a:p>
                       <a:pPr algn="ctr" fontAlgn="ctr"/>
                       <a:r>
-                        <a:rPr lang="es-MX" sz="700" u="none" strike="noStrike">
+                        <a:rPr lang="es-MX" sz="800" u="none" strike="noStrike">
                           <a:effectLst/>
                         </a:rPr>
-                        <a:t>2</a:t>
+                        <a:t>Media</a:t>
                       </a:r>
-                      <a:endParaRPr lang="es-MX" sz="700" b="1" i="0" u="none" strike="noStrike">
-                        <a:solidFill>
-                          <a:srgbClr val="006100"/>
-                        </a:solidFill>
-                        <a:effectLst/>
-                        <a:latin typeface="Arial"/>
-                      </a:endParaRPr>
-                    </a:p>
-                  </a:txBody>
-                  <a:tcPr marL="6920" marR="6920" marT="6920" marB="0" anchor="ctr"/>
-                </a:tc>
-                <a:tc>
-                  <a:txBody>
-                    <a:bodyPr/>
-                    <a:lstStyle/>
-                    <a:p>
-                      <a:pPr algn="l" fontAlgn="b"/>
-                      <a:r>
-                        <a:rPr lang="es-MX" sz="700" u="none" strike="noStrike">
-                          <a:effectLst/>
-                        </a:rPr>
-                        <a:t>Antes de avanzar a otra fase del proyecto verificar qué programas se necesitan o se necesitrán para trabajar.</a:t>
-                      </a:r>
-                      <a:endParaRPr lang="es-MX" sz="700" b="0" i="0" u="none" strike="noStrike">
+                      <a:endParaRPr lang="es-MX" sz="800" b="0" i="0" u="none" strike="noStrike">
                         <a:solidFill>
                           <a:srgbClr val="000000"/>
                         </a:solidFill>
                         <a:effectLst/>
-                        <a:latin typeface="Arial"/>
+                        <a:latin typeface="Arial" panose="020B0604020202020204" pitchFamily="34" charset="0"/>
                       </a:endParaRPr>
                     </a:p>
                   </a:txBody>
-                  <a:tcPr marL="6920" marR="6920" marT="6920" marB="0" anchor="b"/>
-                </a:tc>
-                <a:tc>
-                  <a:txBody>
-                    <a:bodyPr/>
-                    <a:lstStyle/>
-                    <a:p>
-                      <a:pPr algn="l" fontAlgn="b"/>
-                      <a:r>
-                        <a:rPr lang="es-MX" sz="700" u="none" strike="noStrike">
-                          <a:effectLst/>
-                        </a:rPr>
-                        <a:t>Conseguir los softwares lo antes posible.</a:t>
-                      </a:r>
-                      <a:endParaRPr lang="es-MX" sz="700" b="0" i="0" u="none" strike="noStrike">
-                        <a:solidFill>
-                          <a:srgbClr val="000000"/>
-                        </a:solidFill>
-                        <a:effectLst/>
-                        <a:latin typeface="Arial"/>
-                      </a:endParaRPr>
-                    </a:p>
-                  </a:txBody>
-                  <a:tcPr marL="6920" marR="6920" marT="6920" marB="0" anchor="b"/>
-                </a:tc>
-                <a:tc>
-                  <a:txBody>
-                    <a:bodyPr/>
-                    <a:lstStyle/>
-                    <a:p>
-                      <a:pPr algn="l" fontAlgn="b"/>
-                      <a:r>
-                        <a:rPr lang="es-MX" sz="700" u="none" strike="noStrike">
-                          <a:effectLst/>
-                        </a:rPr>
-                        <a:t>LBPG</a:t>
-                      </a:r>
-                      <a:endParaRPr lang="es-MX" sz="700" b="0" i="0" u="none" strike="noStrike">
-                        <a:solidFill>
-                          <a:srgbClr val="000000"/>
-                        </a:solidFill>
-                        <a:effectLst/>
-                        <a:latin typeface="Arial"/>
-                      </a:endParaRPr>
-                    </a:p>
-                  </a:txBody>
-                  <a:tcPr marL="6920" marR="6920" marT="6920" marB="0" anchor="b"/>
-                </a:tc>
-              </a:tr>
-              <a:tr h="295288">
-                <a:tc>
-                  <a:txBody>
-                    <a:bodyPr/>
-                    <a:lstStyle/>
-                    <a:p>
-                      <a:pPr algn="ctr" fontAlgn="ctr"/>
-                      <a:r>
-                        <a:rPr lang="es-MX" sz="700" u="none" strike="noStrike">
-                          <a:effectLst/>
-                        </a:rPr>
-                        <a:t>Baja</a:t>
-                      </a:r>
-                      <a:endParaRPr lang="es-MX" sz="700" b="0" i="0" u="none" strike="noStrike">
-                        <a:solidFill>
-                          <a:srgbClr val="000000"/>
-                        </a:solidFill>
-                        <a:effectLst/>
-                        <a:latin typeface="Arial"/>
-                      </a:endParaRPr>
-                    </a:p>
-                  </a:txBody>
-                  <a:tcPr marL="6920" marR="6920" marT="6920" marB="0" anchor="ctr"/>
+                  <a:tcPr marL="7667" marR="7667" marT="7667" marB="0" anchor="ctr"/>
                 </a:tc>
                 <a:tc>
                   <a:txBody>
@@ -7169,673 +8014,21 @@
                     <a:p>
                       <a:pPr algn="ctr" fontAlgn="ctr"/>
                       <a:r>
-                        <a:rPr lang="es-MX" sz="700" u="none" strike="noStrike">
+                        <a:rPr lang="es-MX" sz="800" u="none" strike="noStrike" dirty="0">
                           <a:effectLst/>
                         </a:rPr>
-                        <a:t>Media</a:t>
+                        <a:t>6</a:t>
                       </a:r>
-                      <a:endParaRPr lang="es-MX" sz="700" b="0" i="0" u="none" strike="noStrike">
-                        <a:solidFill>
-                          <a:srgbClr val="000000"/>
-                        </a:solidFill>
-                        <a:effectLst/>
-                        <a:latin typeface="Arial"/>
-                      </a:endParaRPr>
-                    </a:p>
-                  </a:txBody>
-                  <a:tcPr marL="6920" marR="6920" marT="6920" marB="0" anchor="ctr"/>
-                </a:tc>
-                <a:tc>
-                  <a:txBody>
-                    <a:bodyPr/>
-                    <a:lstStyle/>
-                    <a:p>
-                      <a:pPr algn="ctr" fontAlgn="ctr"/>
-                      <a:r>
-                        <a:rPr lang="es-MX" sz="700" u="none" strike="noStrike">
-                          <a:effectLst/>
-                        </a:rPr>
-                        <a:t>2</a:t>
-                      </a:r>
-                      <a:endParaRPr lang="es-MX" sz="700" b="1" i="0" u="none" strike="noStrike">
-                        <a:solidFill>
-                          <a:srgbClr val="006100"/>
-                        </a:solidFill>
-                        <a:effectLst/>
-                        <a:latin typeface="Arial"/>
-                      </a:endParaRPr>
-                    </a:p>
-                  </a:txBody>
-                  <a:tcPr marL="6920" marR="6920" marT="6920" marB="0" anchor="ctr"/>
-                </a:tc>
-                <a:tc>
-                  <a:txBody>
-                    <a:bodyPr/>
-                    <a:lstStyle/>
-                    <a:p>
-                      <a:pPr algn="l" fontAlgn="ctr"/>
-                      <a:r>
-                        <a:rPr lang="es-MX" sz="700" u="none" strike="noStrike">
-                          <a:effectLst/>
-                        </a:rPr>
-                        <a:t>Asignar responsables para que el equipo no resienta las faltas.</a:t>
-                      </a:r>
-                      <a:endParaRPr lang="es-MX" sz="700" b="0" i="0" u="none" strike="noStrike">
-                        <a:solidFill>
-                          <a:srgbClr val="000000"/>
-                        </a:solidFill>
-                        <a:effectLst/>
-                        <a:latin typeface="Arial"/>
-                      </a:endParaRPr>
-                    </a:p>
-                  </a:txBody>
-                  <a:tcPr marL="6920" marR="6920" marT="6920" marB="0" anchor="ctr"/>
-                </a:tc>
-                <a:tc>
-                  <a:txBody>
-                    <a:bodyPr/>
-                    <a:lstStyle/>
-                    <a:p>
-                      <a:pPr algn="l" fontAlgn="ctr"/>
-                      <a:r>
-                        <a:rPr lang="es-MX" sz="700" u="none" strike="noStrike">
-                          <a:effectLst/>
-                        </a:rPr>
-                        <a:t>Prestar atención y escribir todo lo que la clienta nos indique.</a:t>
-                      </a:r>
-                      <a:endParaRPr lang="es-MX" sz="700" b="0" i="0" u="none" strike="noStrike">
-                        <a:solidFill>
-                          <a:srgbClr val="000000"/>
-                        </a:solidFill>
-                        <a:effectLst/>
-                        <a:latin typeface="Arial"/>
-                      </a:endParaRPr>
-                    </a:p>
-                  </a:txBody>
-                  <a:tcPr marL="6920" marR="6920" marT="6920" marB="0" anchor="ctr"/>
-                </a:tc>
-                <a:tc>
-                  <a:txBody>
-                    <a:bodyPr/>
-                    <a:lstStyle/>
-                    <a:p>
-                      <a:pPr algn="l" fontAlgn="ctr"/>
-                      <a:r>
-                        <a:rPr lang="es-MX" sz="700" u="none" strike="noStrike">
-                          <a:effectLst/>
-                        </a:rPr>
-                        <a:t>FERM</a:t>
-                      </a:r>
-                      <a:endParaRPr lang="es-MX" sz="700" b="0" i="0" u="none" strike="noStrike">
-                        <a:solidFill>
-                          <a:srgbClr val="000000"/>
-                        </a:solidFill>
-                        <a:effectLst/>
-                        <a:latin typeface="Arial"/>
-                      </a:endParaRPr>
-                    </a:p>
-                  </a:txBody>
-                  <a:tcPr marL="6920" marR="6920" marT="6920" marB="0" anchor="ctr"/>
-                </a:tc>
-              </a:tr>
-              <a:tr h="442932">
-                <a:tc>
-                  <a:txBody>
-                    <a:bodyPr/>
-                    <a:lstStyle/>
-                    <a:p>
-                      <a:pPr algn="ctr" fontAlgn="ctr"/>
-                      <a:r>
-                        <a:rPr lang="es-MX" sz="700" u="none" strike="noStrike">
-                          <a:effectLst/>
-                        </a:rPr>
-                        <a:t>Media</a:t>
-                      </a:r>
-                      <a:endParaRPr lang="es-MX" sz="700" b="0" i="0" u="none" strike="noStrike">
-                        <a:solidFill>
-                          <a:srgbClr val="000000"/>
-                        </a:solidFill>
-                        <a:effectLst/>
-                        <a:latin typeface="Arial"/>
-                      </a:endParaRPr>
-                    </a:p>
-                  </a:txBody>
-                  <a:tcPr marL="6920" marR="6920" marT="6920" marB="0" anchor="ctr"/>
-                </a:tc>
-                <a:tc>
-                  <a:txBody>
-                    <a:bodyPr/>
-                    <a:lstStyle/>
-                    <a:p>
-                      <a:pPr algn="ctr" fontAlgn="ctr"/>
-                      <a:r>
-                        <a:rPr lang="es-MX" sz="700" u="none" strike="noStrike">
-                          <a:effectLst/>
-                        </a:rPr>
-                        <a:t>Baja</a:t>
-                      </a:r>
-                      <a:endParaRPr lang="es-MX" sz="700" b="0" i="0" u="none" strike="noStrike">
-                        <a:solidFill>
-                          <a:srgbClr val="000000"/>
-                        </a:solidFill>
-                        <a:effectLst/>
-                        <a:latin typeface="Arial"/>
-                      </a:endParaRPr>
-                    </a:p>
-                  </a:txBody>
-                  <a:tcPr marL="6920" marR="6920" marT="6920" marB="0" anchor="ctr"/>
-                </a:tc>
-                <a:tc>
-                  <a:txBody>
-                    <a:bodyPr/>
-                    <a:lstStyle/>
-                    <a:p>
-                      <a:pPr algn="ctr" fontAlgn="ctr"/>
-                      <a:r>
-                        <a:rPr lang="es-MX" sz="700" u="none" strike="noStrike">
-                          <a:effectLst/>
-                        </a:rPr>
-                        <a:t>2</a:t>
-                      </a:r>
-                      <a:endParaRPr lang="es-MX" sz="700" b="1" i="0" u="none" strike="noStrike">
-                        <a:solidFill>
-                          <a:srgbClr val="006100"/>
-                        </a:solidFill>
-                        <a:effectLst/>
-                        <a:latin typeface="Arial"/>
-                      </a:endParaRPr>
-                    </a:p>
-                  </a:txBody>
-                  <a:tcPr marL="6920" marR="6920" marT="6920" marB="0" anchor="ctr"/>
-                </a:tc>
-                <a:tc>
-                  <a:txBody>
-                    <a:bodyPr/>
-                    <a:lstStyle/>
-                    <a:p>
-                      <a:pPr algn="l" fontAlgn="ctr"/>
-                      <a:r>
-                        <a:rPr lang="es-MX" sz="700" u="none" strike="noStrike">
-                          <a:effectLst/>
-                        </a:rPr>
-                        <a:t>Replanear el proyecto, asignando más horas de trabajo por persona,</a:t>
-                      </a:r>
-                      <a:endParaRPr lang="es-MX" sz="700" b="0" i="0" u="none" strike="noStrike">
-                        <a:solidFill>
-                          <a:srgbClr val="000000"/>
-                        </a:solidFill>
-                        <a:effectLst/>
-                        <a:latin typeface="Arial"/>
-                      </a:endParaRPr>
-                    </a:p>
-                  </a:txBody>
-                  <a:tcPr marL="6920" marR="6920" marT="6920" marB="0" anchor="ctr"/>
-                </a:tc>
-                <a:tc>
-                  <a:txBody>
-                    <a:bodyPr/>
-                    <a:lstStyle/>
-                    <a:p>
-                      <a:pPr algn="l" fontAlgn="ctr"/>
-                      <a:r>
-                        <a:rPr lang="es-MX" sz="700" u="none" strike="noStrike">
-                          <a:effectLst/>
-                        </a:rPr>
-                        <a:t>Continuar con el proyecto a pesar de la situación ocurrida.</a:t>
-                      </a:r>
-                      <a:endParaRPr lang="es-MX" sz="700" b="0" i="0" u="none" strike="noStrike">
-                        <a:solidFill>
-                          <a:srgbClr val="000000"/>
-                        </a:solidFill>
-                        <a:effectLst/>
-                        <a:latin typeface="Arial"/>
-                      </a:endParaRPr>
-                    </a:p>
-                  </a:txBody>
-                  <a:tcPr marL="6920" marR="6920" marT="6920" marB="0" anchor="ctr"/>
-                </a:tc>
-                <a:tc>
-                  <a:txBody>
-                    <a:bodyPr/>
-                    <a:lstStyle/>
-                    <a:p>
-                      <a:pPr algn="l" fontAlgn="ctr"/>
-                      <a:r>
-                        <a:rPr lang="es-MX" sz="700" u="none" strike="noStrike">
-                          <a:effectLst/>
-                        </a:rPr>
-                        <a:t>FJAM</a:t>
-                      </a:r>
-                      <a:endParaRPr lang="es-MX" sz="700" b="0" i="0" u="none" strike="noStrike">
-                        <a:solidFill>
-                          <a:srgbClr val="000000"/>
-                        </a:solidFill>
-                        <a:effectLst/>
-                        <a:latin typeface="Arial"/>
-                      </a:endParaRPr>
-                    </a:p>
-                  </a:txBody>
-                  <a:tcPr marL="6920" marR="6920" marT="6920" marB="0" anchor="ctr"/>
-                </a:tc>
-              </a:tr>
-              <a:tr h="295288">
-                <a:tc>
-                  <a:txBody>
-                    <a:bodyPr/>
-                    <a:lstStyle/>
-                    <a:p>
-                      <a:pPr algn="ctr" fontAlgn="ctr"/>
-                      <a:r>
-                        <a:rPr lang="es-MX" sz="700" u="none" strike="noStrike">
-                          <a:effectLst/>
-                        </a:rPr>
-                        <a:t>Media</a:t>
-                      </a:r>
-                      <a:endParaRPr lang="es-MX" sz="700" b="0" i="0" u="none" strike="noStrike">
-                        <a:solidFill>
-                          <a:srgbClr val="000000"/>
-                        </a:solidFill>
-                        <a:effectLst/>
-                        <a:latin typeface="Arial"/>
-                      </a:endParaRPr>
-                    </a:p>
-                  </a:txBody>
-                  <a:tcPr marL="6920" marR="6920" marT="6920" marB="0" anchor="ctr"/>
-                </a:tc>
-                <a:tc>
-                  <a:txBody>
-                    <a:bodyPr/>
-                    <a:lstStyle/>
-                    <a:p>
-                      <a:pPr algn="ctr" fontAlgn="ctr"/>
-                      <a:r>
-                        <a:rPr lang="es-MX" sz="700" u="none" strike="noStrike">
-                          <a:effectLst/>
-                        </a:rPr>
-                        <a:t>Media</a:t>
-                      </a:r>
-                      <a:endParaRPr lang="es-MX" sz="700" b="0" i="0" u="none" strike="noStrike">
-                        <a:solidFill>
-                          <a:srgbClr val="000000"/>
-                        </a:solidFill>
-                        <a:effectLst/>
-                        <a:latin typeface="Arial"/>
-                      </a:endParaRPr>
-                    </a:p>
-                  </a:txBody>
-                  <a:tcPr marL="6920" marR="6920" marT="6920" marB="0" anchor="ctr"/>
-                </a:tc>
-                <a:tc>
-                  <a:txBody>
-                    <a:bodyPr/>
-                    <a:lstStyle/>
-                    <a:p>
-                      <a:pPr algn="ctr" fontAlgn="ctr"/>
-                      <a:r>
-                        <a:rPr lang="es-MX" sz="700" u="none" strike="noStrike">
-                          <a:effectLst/>
-                        </a:rPr>
-                        <a:t>4</a:t>
-                      </a:r>
-                      <a:endParaRPr lang="es-MX" sz="700" b="1" i="0" u="none" strike="noStrike">
+                      <a:endParaRPr lang="es-MX" sz="800" b="1" i="0" u="none" strike="noStrike" dirty="0">
                         <a:solidFill>
                           <a:srgbClr val="9C6500"/>
                         </a:solidFill>
                         <a:effectLst/>
-                        <a:latin typeface="Arial"/>
+                        <a:latin typeface="Arial" panose="020B0604020202020204" pitchFamily="34" charset="0"/>
                       </a:endParaRPr>
                     </a:p>
                   </a:txBody>
-                  <a:tcPr marL="6920" marR="6920" marT="6920" marB="0" anchor="ctr"/>
-                </a:tc>
-                <a:tc>
-                  <a:txBody>
-                    <a:bodyPr/>
-                    <a:lstStyle/>
-                    <a:p>
-                      <a:pPr algn="l" fontAlgn="ctr"/>
-                      <a:r>
-                        <a:rPr lang="es-MX" sz="700" u="none" strike="noStrike">
-                          <a:effectLst/>
-                        </a:rPr>
-                        <a:t>Organizarse tomando en cuenta como obligación las tres horas extra escolares de trabajo.</a:t>
-                      </a:r>
-                      <a:endParaRPr lang="es-MX" sz="700" b="0" i="0" u="none" strike="noStrike">
-                        <a:solidFill>
-                          <a:srgbClr val="000000"/>
-                        </a:solidFill>
-                        <a:effectLst/>
-                        <a:latin typeface="Arial"/>
-                      </a:endParaRPr>
-                    </a:p>
-                  </a:txBody>
-                  <a:tcPr marL="6920" marR="6920" marT="6920" marB="0" anchor="ctr"/>
-                </a:tc>
-                <a:tc>
-                  <a:txBody>
-                    <a:bodyPr/>
-                    <a:lstStyle/>
-                    <a:p>
-                      <a:pPr algn="l" fontAlgn="ctr"/>
-                      <a:r>
-                        <a:rPr lang="es-MX" sz="700" u="none" strike="noStrike">
-                          <a:effectLst/>
-                        </a:rPr>
-                        <a:t>Recuperar las horas perdidas.</a:t>
-                      </a:r>
-                      <a:endParaRPr lang="es-MX" sz="700" b="0" i="0" u="none" strike="noStrike">
-                        <a:solidFill>
-                          <a:srgbClr val="000000"/>
-                        </a:solidFill>
-                        <a:effectLst/>
-                        <a:latin typeface="Arial"/>
-                      </a:endParaRPr>
-                    </a:p>
-                  </a:txBody>
-                  <a:tcPr marL="6920" marR="6920" marT="6920" marB="0" anchor="ctr"/>
-                </a:tc>
-                <a:tc>
-                  <a:txBody>
-                    <a:bodyPr/>
-                    <a:lstStyle/>
-                    <a:p>
-                      <a:pPr algn="l" fontAlgn="ctr"/>
-                      <a:r>
-                        <a:rPr lang="es-MX" sz="700" u="none" strike="noStrike">
-                          <a:effectLst/>
-                        </a:rPr>
-                        <a:t>EPSF</a:t>
-                      </a:r>
-                      <a:endParaRPr lang="es-MX" sz="700" b="0" i="0" u="none" strike="noStrike">
-                        <a:solidFill>
-                          <a:srgbClr val="000000"/>
-                        </a:solidFill>
-                        <a:effectLst/>
-                        <a:latin typeface="Arial"/>
-                      </a:endParaRPr>
-                    </a:p>
-                  </a:txBody>
-                  <a:tcPr marL="6920" marR="6920" marT="6920" marB="0" anchor="ctr"/>
-                </a:tc>
-              </a:tr>
-              <a:tr h="295288">
-                <a:tc>
-                  <a:txBody>
-                    <a:bodyPr/>
-                    <a:lstStyle/>
-                    <a:p>
-                      <a:pPr algn="ctr" fontAlgn="ctr"/>
-                      <a:r>
-                        <a:rPr lang="es-MX" sz="700" u="none" strike="noStrike">
-                          <a:effectLst/>
-                        </a:rPr>
-                        <a:t>Baja</a:t>
-                      </a:r>
-                      <a:endParaRPr lang="es-MX" sz="700" b="0" i="0" u="none" strike="noStrike">
-                        <a:solidFill>
-                          <a:srgbClr val="000000"/>
-                        </a:solidFill>
-                        <a:effectLst/>
-                        <a:latin typeface="Arial"/>
-                      </a:endParaRPr>
-                    </a:p>
-                  </a:txBody>
-                  <a:tcPr marL="6920" marR="6920" marT="6920" marB="0" anchor="ctr"/>
-                </a:tc>
-                <a:tc>
-                  <a:txBody>
-                    <a:bodyPr/>
-                    <a:lstStyle/>
-                    <a:p>
-                      <a:pPr algn="ctr" fontAlgn="ctr"/>
-                      <a:r>
-                        <a:rPr lang="es-MX" sz="700" u="none" strike="noStrike">
-                          <a:effectLst/>
-                        </a:rPr>
-                        <a:t>Alta</a:t>
-                      </a:r>
-                      <a:endParaRPr lang="es-MX" sz="700" b="0" i="0" u="none" strike="noStrike">
-                        <a:solidFill>
-                          <a:srgbClr val="000000"/>
-                        </a:solidFill>
-                        <a:effectLst/>
-                        <a:latin typeface="Arial"/>
-                      </a:endParaRPr>
-                    </a:p>
-                  </a:txBody>
-                  <a:tcPr marL="6920" marR="6920" marT="6920" marB="0" anchor="ctr"/>
-                </a:tc>
-                <a:tc>
-                  <a:txBody>
-                    <a:bodyPr/>
-                    <a:lstStyle/>
-                    <a:p>
-                      <a:pPr algn="ctr" fontAlgn="ctr"/>
-                      <a:r>
-                        <a:rPr lang="es-MX" sz="700" u="none" strike="noStrike">
-                          <a:effectLst/>
-                        </a:rPr>
-                        <a:t>3</a:t>
-                      </a:r>
-                      <a:endParaRPr lang="es-MX" sz="700" b="1" i="0" u="none" strike="noStrike">
-                        <a:solidFill>
-                          <a:srgbClr val="006100"/>
-                        </a:solidFill>
-                        <a:effectLst/>
-                        <a:latin typeface="Arial"/>
-                      </a:endParaRPr>
-                    </a:p>
-                  </a:txBody>
-                  <a:tcPr marL="6920" marR="6920" marT="6920" marB="0" anchor="ctr"/>
-                </a:tc>
-                <a:tc>
-                  <a:txBody>
-                    <a:bodyPr/>
-                    <a:lstStyle/>
-                    <a:p>
-                      <a:pPr algn="l" fontAlgn="ctr"/>
-                      <a:r>
-                        <a:rPr lang="es-MX" sz="700" u="none" strike="noStrike">
-                          <a:effectLst/>
-                        </a:rPr>
-                        <a:t>Si alguien va a faltar tiene que avisarle a los demás integrantes del equipo.</a:t>
-                      </a:r>
-                      <a:endParaRPr lang="es-MX" sz="700" b="0" i="0" u="none" strike="noStrike">
-                        <a:solidFill>
-                          <a:srgbClr val="000000"/>
-                        </a:solidFill>
-                        <a:effectLst/>
-                        <a:latin typeface="Arial"/>
-                      </a:endParaRPr>
-                    </a:p>
-                  </a:txBody>
-                  <a:tcPr marL="6920" marR="6920" marT="6920" marB="0" anchor="ctr"/>
-                </a:tc>
-                <a:tc>
-                  <a:txBody>
-                    <a:bodyPr/>
-                    <a:lstStyle/>
-                    <a:p>
-                      <a:pPr algn="l" fontAlgn="ctr"/>
-                      <a:r>
-                        <a:rPr lang="es-MX" sz="700" u="none" strike="noStrike">
-                          <a:effectLst/>
-                        </a:rPr>
-                        <a:t>Enviarle las minutas de la reunión al integrante que faltó a la junta.</a:t>
-                      </a:r>
-                      <a:endParaRPr lang="es-MX" sz="700" b="0" i="0" u="none" strike="noStrike">
-                        <a:solidFill>
-                          <a:srgbClr val="000000"/>
-                        </a:solidFill>
-                        <a:effectLst/>
-                        <a:latin typeface="Arial"/>
-                      </a:endParaRPr>
-                    </a:p>
-                  </a:txBody>
-                  <a:tcPr marL="6920" marR="6920" marT="6920" marB="0" anchor="ctr"/>
-                </a:tc>
-                <a:tc>
-                  <a:txBody>
-                    <a:bodyPr/>
-                    <a:lstStyle/>
-                    <a:p>
-                      <a:pPr algn="l" fontAlgn="ctr"/>
-                      <a:r>
-                        <a:rPr lang="es-MX" sz="700" u="none" strike="noStrike">
-                          <a:effectLst/>
-                        </a:rPr>
-                        <a:t>JASS</a:t>
-                      </a:r>
-                      <a:endParaRPr lang="es-MX" sz="700" b="0" i="0" u="none" strike="noStrike">
-                        <a:solidFill>
-                          <a:srgbClr val="000000"/>
-                        </a:solidFill>
-                        <a:effectLst/>
-                        <a:latin typeface="Arial"/>
-                      </a:endParaRPr>
-                    </a:p>
-                  </a:txBody>
-                  <a:tcPr marL="6920" marR="6920" marT="6920" marB="0" anchor="ctr"/>
-                </a:tc>
-              </a:tr>
-              <a:tr h="442932">
-                <a:tc>
-                  <a:txBody>
-                    <a:bodyPr/>
-                    <a:lstStyle/>
-                    <a:p>
-                      <a:pPr algn="ctr" fontAlgn="ctr"/>
-                      <a:r>
-                        <a:rPr lang="es-MX" sz="700" u="none" strike="noStrike">
-                          <a:effectLst/>
-                        </a:rPr>
-                        <a:t>Alta</a:t>
-                      </a:r>
-                      <a:endParaRPr lang="es-MX" sz="700" b="0" i="0" u="none" strike="noStrike">
-                        <a:solidFill>
-                          <a:srgbClr val="000000"/>
-                        </a:solidFill>
-                        <a:effectLst/>
-                        <a:latin typeface="Arial"/>
-                      </a:endParaRPr>
-                    </a:p>
-                  </a:txBody>
-                  <a:tcPr marL="6920" marR="6920" marT="6920" marB="0" anchor="ctr"/>
-                </a:tc>
-                <a:tc>
-                  <a:txBody>
-                    <a:bodyPr/>
-                    <a:lstStyle/>
-                    <a:p>
-                      <a:pPr algn="ctr" fontAlgn="ctr"/>
-                      <a:r>
-                        <a:rPr lang="es-MX" sz="700" u="none" strike="noStrike">
-                          <a:effectLst/>
-                        </a:rPr>
-                        <a:t>Media</a:t>
-                      </a:r>
-                      <a:endParaRPr lang="es-MX" sz="700" b="0" i="0" u="none" strike="noStrike">
-                        <a:solidFill>
-                          <a:srgbClr val="000000"/>
-                        </a:solidFill>
-                        <a:effectLst/>
-                        <a:latin typeface="Arial"/>
-                      </a:endParaRPr>
-                    </a:p>
-                  </a:txBody>
-                  <a:tcPr marL="6920" marR="6920" marT="6920" marB="0" anchor="ctr"/>
-                </a:tc>
-                <a:tc>
-                  <a:txBody>
-                    <a:bodyPr/>
-                    <a:lstStyle/>
-                    <a:p>
-                      <a:pPr algn="ctr" fontAlgn="ctr"/>
-                      <a:r>
-                        <a:rPr lang="es-MX" sz="700" u="none" strike="noStrike">
-                          <a:effectLst/>
-                        </a:rPr>
-                        <a:t>6</a:t>
-                      </a:r>
-                      <a:endParaRPr lang="es-MX" sz="700" b="1" i="0" u="none" strike="noStrike">
-                        <a:solidFill>
-                          <a:srgbClr val="9C6500"/>
-                        </a:solidFill>
-                        <a:effectLst/>
-                        <a:latin typeface="Arial"/>
-                      </a:endParaRPr>
-                    </a:p>
-                  </a:txBody>
-                  <a:tcPr marL="6920" marR="6920" marT="6920" marB="0" anchor="ctr"/>
-                </a:tc>
-                <a:tc>
-                  <a:txBody>
-                    <a:bodyPr/>
-                    <a:lstStyle/>
-                    <a:p>
-                      <a:pPr algn="l" fontAlgn="ctr"/>
-                      <a:r>
-                        <a:rPr lang="es-MX" sz="700" u="none" strike="noStrike">
-                          <a:effectLst/>
-                        </a:rPr>
-                        <a:t>Explicar que la situación presentada no estaba contemplada y era ajena a nosotros.</a:t>
-                      </a:r>
-                      <a:endParaRPr lang="es-MX" sz="700" b="0" i="0" u="none" strike="noStrike">
-                        <a:solidFill>
-                          <a:srgbClr val="000000"/>
-                        </a:solidFill>
-                        <a:effectLst/>
-                        <a:latin typeface="Arial"/>
-                      </a:endParaRPr>
-                    </a:p>
-                  </a:txBody>
-                  <a:tcPr marL="6920" marR="6920" marT="6920" marB="0" anchor="ctr"/>
-                </a:tc>
-                <a:tc>
-                  <a:txBody>
-                    <a:bodyPr/>
-                    <a:lstStyle/>
-                    <a:p>
-                      <a:pPr algn="l" fontAlgn="ctr"/>
-                      <a:r>
-                        <a:rPr lang="es-MX" sz="700" u="none" strike="noStrike">
-                          <a:effectLst/>
-                        </a:rPr>
-                        <a:t>Negociar con el cliente. Presentando el plan y mostrándole una nueva fecha de entrega</a:t>
-                      </a:r>
-                      <a:endParaRPr lang="es-MX" sz="700" b="0" i="0" u="none" strike="noStrike">
-                        <a:solidFill>
-                          <a:srgbClr val="000000"/>
-                        </a:solidFill>
-                        <a:effectLst/>
-                        <a:latin typeface="Arial"/>
-                      </a:endParaRPr>
-                    </a:p>
-                  </a:txBody>
-                  <a:tcPr marL="6920" marR="6920" marT="6920" marB="0" anchor="ctr"/>
-                </a:tc>
-                <a:tc>
-                  <a:txBody>
-                    <a:bodyPr/>
-                    <a:lstStyle/>
-                    <a:p>
-                      <a:pPr algn="l" fontAlgn="ctr"/>
-                      <a:r>
-                        <a:rPr lang="es-MX" sz="700" u="none" strike="noStrike" dirty="0">
-                          <a:effectLst/>
-                        </a:rPr>
-                        <a:t>LBPG</a:t>
-                      </a:r>
-                      <a:endParaRPr lang="es-MX" sz="700" b="0" i="0" u="none" strike="noStrike" dirty="0">
-                        <a:solidFill>
-                          <a:srgbClr val="000000"/>
-                        </a:solidFill>
-                        <a:effectLst/>
-                        <a:latin typeface="Arial"/>
-                      </a:endParaRPr>
-                    </a:p>
-                  </a:txBody>
-                  <a:tcPr marL="6920" marR="6920" marT="6920" marB="0" anchor="ctr"/>
+                  <a:tcPr marL="7667" marR="7667" marT="7667" marB="0" anchor="ctr"/>
                 </a:tc>
               </a:tr>
             </a:tbl>
@@ -7976,7 +8169,7 @@
           <a:graphicData uri="http://schemas.openxmlformats.org/presentationml/2006/ole">
             <mc:AlternateContent xmlns:mc="http://schemas.openxmlformats.org/markup-compatibility/2006">
               <mc:Choice xmlns:v="urn:schemas-microsoft-com:vml" Requires="v">
-                <p:oleObj spid="_x0000_s2056" name="Hoja de cálculo" r:id="rId4" imgW="8001047" imgH="6667629" progId="Excel.Sheet.12">
+                <p:oleObj spid="_x0000_s2061" name="Hoja de cálculo" r:id="rId4" imgW="8001047" imgH="6667629" progId="Excel.Sheet.12">
                   <p:embed/>
                 </p:oleObj>
               </mc:Choice>
@@ -9341,7 +9534,6 @@
               <a:rPr lang="es-MX" dirty="0" smtClean="0"/>
               <a:t>Inicio.</a:t>
             </a:r>
-            <a:endParaRPr lang="es-MX" dirty="0" smtClean="0"/>
           </a:p>
           <a:p>
             <a:pPr marL="109728" indent="0">
@@ -9349,13 +9541,8 @@
             </a:pPr>
             <a:r>
               <a:rPr lang="es-MX" dirty="0" smtClean="0"/>
-              <a:t>Lunes 23 de Febrero del </a:t>
-            </a:r>
-            <a:r>
-              <a:rPr lang="es-MX" dirty="0" smtClean="0"/>
-              <a:t>2015.</a:t>
-            </a:r>
-            <a:endParaRPr lang="es-MX" dirty="0" smtClean="0"/>
+              <a:t>Lunes 23 de Febrero del 2015.</a:t>
+            </a:r>
           </a:p>
           <a:p>
             <a:pPr marL="109728" indent="0">
@@ -9368,7 +9555,6 @@
               <a:rPr lang="es-MX" dirty="0" smtClean="0"/>
               <a:t>Fin.</a:t>
             </a:r>
-            <a:endParaRPr lang="es-MX" dirty="0" smtClean="0"/>
           </a:p>
           <a:p>
             <a:pPr marL="109728" indent="0">
@@ -9376,11 +9562,7 @@
             </a:pPr>
             <a:r>
               <a:rPr lang="es-MX" dirty="0" smtClean="0"/>
-              <a:t>Miércoles 25 de Noviembre del </a:t>
-            </a:r>
-            <a:r>
-              <a:rPr lang="es-MX" dirty="0" smtClean="0"/>
-              <a:t>2015.</a:t>
+              <a:t>Miércoles 25 de Noviembre del 2015.</a:t>
             </a:r>
             <a:endParaRPr lang="es-MX" dirty="0"/>
           </a:p>
@@ -10324,7 +10506,7 @@
                 <a:latin typeface="+mn-lt"/>
                 <a:cs typeface="+mn-cs"/>
               </a:rPr>
-              <a:t>Generación de prototipos.</a:t>
+              <a:t>Generación de prototipos</a:t>
             </a:r>
           </a:p>
           <a:p>
@@ -10376,7 +10558,7 @@
             </a:r>
           </a:p>
           <a:p>
-            <a:pPr marL="571500" indent="-571500" fontAlgn="auto">
+            <a:pPr marL="1028700" lvl="1" indent="-571500" fontAlgn="auto">
               <a:spcBef>
                 <a:spcPct val="20000"/>
               </a:spcBef>
@@ -10396,11 +10578,11 @@
                 <a:latin typeface="+mn-lt"/>
                 <a:cs typeface="+mn-cs"/>
               </a:rPr>
-              <a:t>Aplicación móvil.</a:t>
-            </a:r>
-          </a:p>
-          <a:p>
-            <a:pPr marL="571500" indent="-571500" fontAlgn="auto">
+              <a:t>Aplicación móvil</a:t>
+            </a:r>
+          </a:p>
+          <a:p>
+            <a:pPr marL="1028700" lvl="1" indent="-571500" fontAlgn="auto">
               <a:spcBef>
                 <a:spcPct val="20000"/>
               </a:spcBef>
@@ -10420,7 +10602,7 @@
                 <a:latin typeface="+mn-lt"/>
                 <a:cs typeface="+mn-cs"/>
               </a:rPr>
-              <a:t>Aplicación web.</a:t>
+              <a:t>Aplicación web</a:t>
             </a:r>
           </a:p>
           <a:p>
@@ -10602,10 +10784,67 @@
                   <a:srgbClr val="943634"/>
                 </a:solidFill>
               </a:rPr>
-              <a:t>15 horas semanales por integrante.</a:t>
-            </a:r>
-          </a:p>
-          <a:p>
+              <a:t>15 horas semanales por integrante</a:t>
+            </a:r>
+            <a:r>
+              <a:rPr lang="es-MX" sz="2400" b="1" dirty="0" smtClean="0">
+                <a:solidFill>
+                  <a:srgbClr val="943634"/>
+                </a:solidFill>
+              </a:rPr>
+              <a:t>.</a:t>
+            </a:r>
+          </a:p>
+          <a:p>
+            <a:pPr marL="342900" indent="-342900">
+              <a:spcBef>
+                <a:spcPct val="20000"/>
+              </a:spcBef>
+              <a:buSzPct val="70000"/>
+              <a:buFont typeface="Wingdings" pitchFamily="2" charset="2"/>
+              <a:buChar char="Ø"/>
+              <a:defRPr/>
+            </a:pPr>
+            <a:endParaRPr lang="es-MX" sz="2400" b="1" dirty="0">
+              <a:solidFill>
+                <a:srgbClr val="943634"/>
+              </a:solidFill>
+            </a:endParaRPr>
+          </a:p>
+          <a:p>
+            <a:pPr marL="342900" indent="-342900">
+              <a:spcBef>
+                <a:spcPct val="20000"/>
+              </a:spcBef>
+              <a:buSzPct val="70000"/>
+              <a:buFont typeface="Wingdings" pitchFamily="2" charset="2"/>
+              <a:buChar char="Ø"/>
+              <a:defRPr/>
+            </a:pPr>
+            <a:r>
+              <a:rPr lang="es-MX" sz="2400" b="1" dirty="0" smtClean="0">
+                <a:solidFill>
+                  <a:srgbClr val="943634"/>
+                </a:solidFill>
+              </a:rPr>
+              <a:t>65 </a:t>
+            </a:r>
+            <a:r>
+              <a:rPr lang="es-MX" sz="2400" b="1" dirty="0">
+                <a:solidFill>
+                  <a:srgbClr val="943634"/>
+                </a:solidFill>
+              </a:rPr>
+              <a:t>d</a:t>
+            </a:r>
+            <a:r>
+              <a:rPr lang="es-MX" sz="2400" b="1" dirty="0" smtClean="0">
+                <a:solidFill>
+                  <a:srgbClr val="943634"/>
+                </a:solidFill>
+              </a:rPr>
+              <a:t>ías en total del proyecto</a:t>
+            </a:r>
             <a:endParaRPr lang="es-MX" dirty="0"/>
           </a:p>
         </p:txBody>

--- a/Documentacion/UPIIZ_PTLL_PresentaciónAprobaciónProyecto.pptx
+++ b/Documentacion/UPIIZ_PTLL_PresentaciónAprobaciónProyecto.pptx
@@ -8169,7 +8169,7 @@
           <a:graphicData uri="http://schemas.openxmlformats.org/presentationml/2006/ole">
             <mc:AlternateContent xmlns:mc="http://schemas.openxmlformats.org/markup-compatibility/2006">
               <mc:Choice xmlns:v="urn:schemas-microsoft-com:vml" Requires="v">
-                <p:oleObj spid="_x0000_s2061" name="Hoja de cálculo" r:id="rId4" imgW="8001047" imgH="6667629" progId="Excel.Sheet.12">
+                <p:oleObj spid="_x0000_s2062" name="Hoja de cálculo" r:id="rId4" imgW="8001047" imgH="6667629" progId="Excel.Sheet.12">
                   <p:embed/>
                 </p:oleObj>
               </mc:Choice>
@@ -9845,7 +9845,7 @@
           <p:nvPr>
             <p:extLst>
               <p:ext uri="{D42A27DB-BD31-4B8C-83A1-F6EECF244321}">
-                <p14:modId xmlns:p14="http://schemas.microsoft.com/office/powerpoint/2010/main" val="147091415"/>
+                <p14:modId xmlns:p14="http://schemas.microsoft.com/office/powerpoint/2010/main" val="773420117"/>
               </p:ext>
             </p:extLst>
           </p:nvPr>
@@ -9983,12 +9983,24 @@
                         </a:spcAft>
                       </a:pPr>
                       <a:r>
-                        <a:rPr lang="es-MX" sz="1100">
+                        <a:rPr lang="es-MX" sz="1100" dirty="0" smtClean="0">
                           <a:effectLst/>
+                          <a:latin typeface="+mn-lt"/>
+                          <a:ea typeface="+mn-ea"/>
+                          <a:cs typeface="+mn-cs"/>
                         </a:rPr>
-                        <a:t>José Alejandro Salas Serna</a:t>
+                        <a:t>Luis</a:t>
                       </a:r>
-                      <a:endParaRPr lang="es-MX" sz="1200">
+                      <a:r>
+                        <a:rPr lang="es-MX" sz="1100" baseline="0" dirty="0" smtClean="0">
+                          <a:effectLst/>
+                          <a:latin typeface="+mn-lt"/>
+                          <a:ea typeface="+mn-ea"/>
+                          <a:cs typeface="+mn-cs"/>
+                        </a:rPr>
+                        <a:t> Bernardo Pulido Gaytán</a:t>
+                      </a:r>
+                      <a:endParaRPr lang="es-MX" sz="1200" dirty="0">
                         <a:effectLst/>
                         <a:latin typeface="Verdana"/>
                         <a:ea typeface="DejaVu Sans"/>
@@ -10009,12 +10021,12 @@
                         </a:spcAft>
                       </a:pPr>
                       <a:r>
-                        <a:rPr lang="es-MX" sz="1100">
+                        <a:rPr lang="es-MX" sz="1100" dirty="0" smtClean="0">
                           <a:effectLst/>
                         </a:rPr>
-                        <a:t>Luis Bernardo Pulido Gaytán</a:t>
+                        <a:t>José Alejandro Salas Serna</a:t>
                       </a:r>
-                      <a:endParaRPr lang="es-MX" sz="1200">
+                      <a:endParaRPr lang="es-MX" sz="1200" dirty="0">
                         <a:effectLst/>
                         <a:latin typeface="Verdana"/>
                         <a:ea typeface="DejaVu Sans"/>
@@ -10303,12 +10315,12 @@
                         </a:spcAft>
                       </a:pPr>
                       <a:r>
-                        <a:rPr lang="es-MX" sz="1100">
+                        <a:rPr lang="es-MX" sz="1100" dirty="0" smtClean="0">
                           <a:effectLst/>
                         </a:rPr>
-                        <a:t>Luis Bernardo Pulido Gaytán</a:t>
+                        <a:t>José Alejandro Salas Serna</a:t>
                       </a:r>
-                      <a:endParaRPr lang="es-MX" sz="1200">
+                      <a:endParaRPr lang="es-MX" sz="1200" dirty="0">
                         <a:effectLst/>
                         <a:latin typeface="Verdana"/>
                         <a:ea typeface="DejaVu Sans"/>
@@ -10329,10 +10341,22 @@
                         </a:spcAft>
                       </a:pPr>
                       <a:r>
-                        <a:rPr lang="es-MX" sz="1100" dirty="0">
+                        <a:rPr lang="es-MX" sz="1100" dirty="0" smtClean="0">
                           <a:effectLst/>
+                          <a:latin typeface="+mn-lt"/>
+                          <a:ea typeface="+mn-ea"/>
+                          <a:cs typeface="+mn-cs"/>
                         </a:rPr>
-                        <a:t>José Alejandro Salas Serna</a:t>
+                        <a:t>Luis</a:t>
+                      </a:r>
+                      <a:r>
+                        <a:rPr lang="es-MX" sz="1100" baseline="0" dirty="0" smtClean="0">
+                          <a:effectLst/>
+                          <a:latin typeface="+mn-lt"/>
+                          <a:ea typeface="+mn-ea"/>
+                          <a:cs typeface="+mn-cs"/>
+                        </a:rPr>
+                        <a:t> Bernardo Pulido Gaytán</a:t>
                       </a:r>
                       <a:endParaRPr lang="es-MX" sz="1200" dirty="0">
                         <a:effectLst/>

--- a/Documentacion/UPIIZ_PTLL_PresentaciónAprobaciónProyecto.pptx
+++ b/Documentacion/UPIIZ_PTLL_PresentaciónAprobaciónProyecto.pptx
@@ -153,7 +153,7 @@
   </p:defaultTextStyle>
   <p:extLst>
     <p:ext uri="{EFAFB233-063F-42B5-8137-9DF3F51BA10A}">
-      <p15:sldGuideLst xmlns:p15="http://schemas.microsoft.com/office/powerpoint/2012/main">
+      <p15:sldGuideLst xmlns:p15="http://schemas.microsoft.com/office/powerpoint/2012/main" xmlns="">
         <p15:guide id="1" orient="horz" pos="2160">
           <p15:clr>
             <a:srgbClr val="A4A3A4"/>
@@ -292,7 +292,7 @@
               <a:pPr>
                 <a:defRPr/>
               </a:pPr>
-              <a:t>20/02/2015</a:t>
+              <a:t>22/02/2015</a:t>
             </a:fld>
             <a:endParaRPr lang="es-ES"/>
           </a:p>
@@ -521,7 +521,7 @@
               <a:pPr>
                 <a:defRPr/>
               </a:pPr>
-              <a:t>20/02/2015</a:t>
+              <a:t>22/02/2015</a:t>
             </a:fld>
             <a:endParaRPr lang="es-PE"/>
           </a:p>
@@ -1684,7 +1684,7 @@
               <a:pPr>
                 <a:defRPr/>
               </a:pPr>
-              <a:t>20/02/2015</a:t>
+              <a:t>22/02/2015</a:t>
             </a:fld>
             <a:endParaRPr lang="es-PE"/>
           </a:p>
@@ -1895,7 +1895,7 @@
               <a:pPr>
                 <a:defRPr/>
               </a:pPr>
-              <a:t>20/02/2015</a:t>
+              <a:t>22/02/2015</a:t>
             </a:fld>
             <a:endParaRPr lang="es-PE"/>
           </a:p>
@@ -2095,7 +2095,7 @@
               <a:pPr>
                 <a:defRPr/>
               </a:pPr>
-              <a:t>20/02/2015</a:t>
+              <a:t>22/02/2015</a:t>
             </a:fld>
             <a:endParaRPr lang="es-PE"/>
           </a:p>
@@ -2260,7 +2260,7 @@
               <a:pPr>
                 <a:defRPr/>
               </a:pPr>
-              <a:t>20/02/2015</a:t>
+              <a:t>22/02/2015</a:t>
             </a:fld>
             <a:endParaRPr lang="es-PE"/>
           </a:p>
@@ -2530,7 +2530,7 @@
               <a:pPr>
                 <a:defRPr/>
               </a:pPr>
-              <a:t>20/02/2015</a:t>
+              <a:t>22/02/2015</a:t>
             </a:fld>
             <a:endParaRPr lang="es-PE"/>
           </a:p>
@@ -2954,7 +2954,7 @@
               <a:pPr>
                 <a:defRPr/>
               </a:pPr>
-              <a:t>20/02/2015</a:t>
+              <a:t>22/02/2015</a:t>
             </a:fld>
             <a:endParaRPr lang="es-PE"/>
           </a:p>
@@ -3415,7 +3415,7 @@
               <a:pPr>
                 <a:defRPr/>
               </a:pPr>
-              <a:t>20/02/2015</a:t>
+              <a:t>22/02/2015</a:t>
             </a:fld>
             <a:endParaRPr lang="es-PE"/>
           </a:p>
@@ -3531,7 +3531,7 @@
               <a:pPr>
                 <a:defRPr/>
               </a:pPr>
-              <a:t>20/02/2015</a:t>
+              <a:t>22/02/2015</a:t>
             </a:fld>
             <a:endParaRPr lang="es-PE"/>
           </a:p>
@@ -3667,7 +3667,7 @@
               <a:pPr>
                 <a:defRPr/>
               </a:pPr>
-              <a:t>20/02/2015</a:t>
+              <a:t>22/02/2015</a:t>
             </a:fld>
             <a:endParaRPr lang="es-PE"/>
           </a:p>
@@ -3956,7 +3956,7 @@
               <a:pPr>
                 <a:defRPr/>
               </a:pPr>
-              <a:t>20/02/2015</a:t>
+              <a:t>22/02/2015</a:t>
             </a:fld>
             <a:endParaRPr lang="es-PE"/>
           </a:p>
@@ -4176,7 +4176,7 @@
               <a:pPr>
                 <a:defRPr/>
               </a:pPr>
-              <a:t>20/02/2015</a:t>
+              <a:t>22/02/2015</a:t>
             </a:fld>
             <a:endParaRPr lang="es-PE"/>
           </a:p>
@@ -5300,7 +5300,7 @@
               <a:pPr>
                 <a:defRPr/>
               </a:pPr>
-              <a:t>20/02/2015</a:t>
+              <a:t>22/02/2015</a:t>
             </a:fld>
             <a:endParaRPr lang="es-PE"/>
           </a:p>
@@ -8169,7 +8169,7 @@
           <a:graphicData uri="http://schemas.openxmlformats.org/presentationml/2006/ole">
             <mc:AlternateContent xmlns:mc="http://schemas.openxmlformats.org/markup-compatibility/2006">
               <mc:Choice xmlns:v="urn:schemas-microsoft-com:vml" Requires="v">
-                <p:oleObj spid="_x0000_s2062" name="Hoja de cálculo" r:id="rId4" imgW="8001047" imgH="6667629" progId="Excel.Sheet.12">
+                <p:oleObj spid="_x0000_s2063" name="Hoja de cálculo" r:id="rId4" imgW="8001047" imgH="6667629" progId="Excel.Sheet.12">
                   <p:embed/>
                 </p:oleObj>
               </mc:Choice>
@@ -9562,7 +9562,11 @@
             </a:pPr>
             <a:r>
               <a:rPr lang="es-MX" dirty="0" smtClean="0"/>
-              <a:t>Miércoles 25 de Noviembre del 2015.</a:t>
+              <a:t>Jueves 30 de Julio del </a:t>
+            </a:r>
+            <a:r>
+              <a:rPr lang="es-MX" dirty="0" smtClean="0"/>
+              <a:t>2015.</a:t>
             </a:r>
             <a:endParaRPr lang="es-MX" dirty="0"/>
           </a:p>
@@ -10846,28 +10850,28 @@
               <a:defRPr/>
             </a:pPr>
             <a:r>
+              <a:rPr lang="es-MX" sz="2400" b="1" smtClean="0">
+                <a:solidFill>
+                  <a:srgbClr val="943634"/>
+                </a:solidFill>
+              </a:rPr>
+              <a:t>42.63 </a:t>
+            </a:r>
+            <a:r>
+              <a:rPr lang="es-MX" sz="2400" b="1" smtClean="0">
+                <a:solidFill>
+                  <a:srgbClr val="943634"/>
+                </a:solidFill>
+              </a:rPr>
+              <a:t>días </a:t>
+            </a:r>
+            <a:r>
               <a:rPr lang="es-MX" sz="2400" b="1" dirty="0" smtClean="0">
                 <a:solidFill>
                   <a:srgbClr val="943634"/>
                 </a:solidFill>
               </a:rPr>
-              <a:t>65 </a:t>
-            </a:r>
-            <a:r>
-              <a:rPr lang="es-MX" sz="2400" b="1" dirty="0">
-                <a:solidFill>
-                  <a:srgbClr val="943634"/>
-                </a:solidFill>
-              </a:rPr>
-              <a:t>d</a:t>
-            </a:r>
-            <a:r>
-              <a:rPr lang="es-MX" sz="2400" b="1" dirty="0" smtClean="0">
-                <a:solidFill>
-                  <a:srgbClr val="943634"/>
-                </a:solidFill>
-              </a:rPr>
-              <a:t>ías en total del proyecto</a:t>
+              <a:t>en total del proyecto</a:t>
             </a:r>
             <a:endParaRPr lang="es-MX" dirty="0"/>
           </a:p>
